--- a/Final_presentation/Hazem_presentation.pptx
+++ b/Final_presentation/Hazem_presentation.pptx
@@ -5,10 +5,10 @@
     <p:sldMasterId id="2147483671" r:id="rId1"/>
   </p:sldMasterIdLst>
   <p:notesMasterIdLst>
-    <p:notesMasterId r:id="rId25"/>
+    <p:notesMasterId r:id="rId26"/>
   </p:notesMasterIdLst>
   <p:handoutMasterIdLst>
-    <p:handoutMasterId r:id="rId26"/>
+    <p:handoutMasterId r:id="rId27"/>
   </p:handoutMasterIdLst>
   <p:sldIdLst>
     <p:sldId id="315" r:id="rId2"/>
@@ -26,14 +26,15 @@
     <p:sldId id="336" r:id="rId14"/>
     <p:sldId id="337" r:id="rId15"/>
     <p:sldId id="335" r:id="rId16"/>
-    <p:sldId id="320" r:id="rId17"/>
-    <p:sldId id="323" r:id="rId18"/>
-    <p:sldId id="259" r:id="rId19"/>
-    <p:sldId id="309" r:id="rId20"/>
-    <p:sldId id="322" r:id="rId21"/>
-    <p:sldId id="311" r:id="rId22"/>
-    <p:sldId id="319" r:id="rId23"/>
-    <p:sldId id="308" r:id="rId24"/>
+    <p:sldId id="338" r:id="rId17"/>
+    <p:sldId id="320" r:id="rId18"/>
+    <p:sldId id="323" r:id="rId19"/>
+    <p:sldId id="259" r:id="rId20"/>
+    <p:sldId id="309" r:id="rId21"/>
+    <p:sldId id="322" r:id="rId22"/>
+    <p:sldId id="311" r:id="rId23"/>
+    <p:sldId id="319" r:id="rId24"/>
+    <p:sldId id="308" r:id="rId25"/>
   </p:sldIdLst>
   <p:sldSz cx="9144000" cy="6858000" type="screen4x3"/>
   <p:notesSz cx="6731000" cy="9867900"/>
@@ -843,6 +844,287 @@
           <c:layoutTarget val="inner"/>
           <c:xMode val="edge"/>
           <c:yMode val="edge"/>
+          <c:x val="0.14735712087392161"/>
+          <c:y val="0.34655474631719146"/>
+          <c:w val="0.84447782331609555"/>
+          <c:h val="0.46075125404227879"/>
+        </c:manualLayout>
+      </c:layout>
+      <c:barChart>
+        <c:barDir val="col"/>
+        <c:grouping val="stacked"/>
+        <c:varyColors val="0"/>
+        <c:dLbls>
+          <c:showLegendKey val="0"/>
+          <c:showVal val="0"/>
+          <c:showCatName val="0"/>
+          <c:showSerName val="0"/>
+          <c:showPercent val="0"/>
+          <c:showBubbleSize val="0"/>
+        </c:dLbls>
+        <c:gapWidth val="80"/>
+        <c:overlap val="100"/>
+        <c:axId val="40038400"/>
+        <c:axId val="40039936"/>
+      </c:barChart>
+      <c:catAx>
+        <c:axId val="40038400"/>
+        <c:scaling>
+          <c:orientation val="minMax"/>
+        </c:scaling>
+        <c:delete val="0"/>
+        <c:axPos val="b"/>
+        <c:numFmt formatCode="General" sourceLinked="1"/>
+        <c:majorTickMark val="none"/>
+        <c:minorTickMark val="none"/>
+        <c:tickLblPos val="nextTo"/>
+        <c:spPr>
+          <a:ln>
+            <a:solidFill>
+              <a:schemeClr val="tx1"/>
+            </a:solidFill>
+          </a:ln>
+        </c:spPr>
+        <c:txPr>
+          <a:bodyPr rot="0" vert="horz"/>
+          <a:lstStyle/>
+          <a:p>
+            <a:pPr>
+              <a:defRPr/>
+            </a:pPr>
+            <a:endParaRPr lang="de-DE"/>
+          </a:p>
+        </c:txPr>
+        <c:crossAx val="40039936"/>
+        <c:crosses val="autoZero"/>
+        <c:auto val="1"/>
+        <c:lblAlgn val="ctr"/>
+        <c:lblOffset val="0"/>
+        <c:noMultiLvlLbl val="0"/>
+      </c:catAx>
+      <c:valAx>
+        <c:axId val="40039936"/>
+        <c:scaling>
+          <c:orientation val="minMax"/>
+          <c:max val="12"/>
+        </c:scaling>
+        <c:delete val="1"/>
+        <c:axPos val="l"/>
+        <c:numFmt formatCode="General" sourceLinked="1"/>
+        <c:majorTickMark val="none"/>
+        <c:minorTickMark val="none"/>
+        <c:tickLblPos val="nextTo"/>
+        <c:crossAx val="40038400"/>
+        <c:crosses val="autoZero"/>
+        <c:crossBetween val="between"/>
+      </c:valAx>
+      <c:spPr>
+        <a:noFill/>
+        <a:ln w="25400">
+          <a:noFill/>
+        </a:ln>
+      </c:spPr>
+    </c:plotArea>
+    <c:legend>
+      <c:legendPos val="r"/>
+      <c:layout>
+        <c:manualLayout>
+          <c:xMode val="edge"/>
+          <c:yMode val="edge"/>
+          <c:x val="0.10289519565450002"/>
+          <c:y val="0.73959825222420272"/>
+          <c:w val="0.13570220988563481"/>
+          <c:h val="0.23093232257142637"/>
+        </c:manualLayout>
+      </c:layout>
+      <c:overlay val="0"/>
+    </c:legend>
+    <c:plotVisOnly val="1"/>
+    <c:dispBlanksAs val="gap"/>
+    <c:showDLblsOverMax val="0"/>
+  </c:chart>
+  <c:spPr>
+    <a:solidFill>
+      <a:srgbClr val="E1E3E3"/>
+    </a:solidFill>
+  </c:spPr>
+  <c:txPr>
+    <a:bodyPr/>
+    <a:lstStyle/>
+    <a:p>
+      <a:pPr>
+        <a:defRPr sz="1399" baseline="0">
+          <a:latin typeface="+mn-lt"/>
+        </a:defRPr>
+      </a:pPr>
+      <a:endParaRPr lang="de-DE"/>
+    </a:p>
+  </c:txPr>
+  <c:externalData r:id="rId1">
+    <c:autoUpdate val="0"/>
+  </c:externalData>
+  <c:userShapes r:id="rId2"/>
+</c:chartSpace>
+</file>
+
+<file path=ppt/charts/chart6.xml><?xml version="1.0" encoding="utf-8"?>
+<c:chartSpace xmlns:c="http://schemas.openxmlformats.org/drawingml/2006/chart" xmlns:a="http://schemas.openxmlformats.org/drawingml/2006/main" xmlns:r="http://schemas.openxmlformats.org/officeDocument/2006/relationships" xmlns:c16r2="http://schemas.microsoft.com/office/drawing/2015/06/chart">
+  <c:date1904 val="0"/>
+  <c:lang val="en-US"/>
+  <c:roundedCorners val="0"/>
+  <mc:AlternateContent xmlns:mc="http://schemas.openxmlformats.org/markup-compatibility/2006">
+    <mc:Choice xmlns:c14="http://schemas.microsoft.com/office/drawing/2007/8/2/chart" Requires="c14">
+      <c14:style val="102"/>
+    </mc:Choice>
+    <mc:Fallback>
+      <c:style val="2"/>
+    </mc:Fallback>
+  </mc:AlternateContent>
+  <c:chart>
+    <c:title>
+      <c:tx>
+        <c:rich>
+          <a:bodyPr/>
+          <a:lstStyle/>
+          <a:p>
+            <a:pPr algn="l">
+              <a:defRPr sz="1400">
+                <a:latin typeface="+mj-lt"/>
+              </a:defRPr>
+            </a:pPr>
+            <a:r>
+              <a:rPr lang="de-DE" sz="1400">
+                <a:latin typeface="+mj-lt"/>
+              </a:rPr>
+              <a:t>Tortendiagramm</a:t>
+            </a:r>
+          </a:p>
+        </c:rich>
+      </c:tx>
+      <c:layout>
+        <c:manualLayout>
+          <c:xMode val="edge"/>
+          <c:yMode val="edge"/>
+          <c:x val="1.7907067172159036E-2"/>
+          <c:y val="2.3003858042100037E-2"/>
+        </c:manualLayout>
+      </c:layout>
+      <c:overlay val="0"/>
+    </c:title>
+    <c:autoTitleDeleted val="0"/>
+    <c:plotArea>
+      <c:layout>
+        <c:manualLayout>
+          <c:layoutTarget val="inner"/>
+          <c:xMode val="edge"/>
+          <c:yMode val="edge"/>
+          <c:x val="0.24582007295491778"/>
+          <c:y val="0.22264020277205529"/>
+          <c:w val="0.52674205747483416"/>
+          <c:h val="0.6528087045145522"/>
+        </c:manualLayout>
+      </c:layout>
+      <c:pieChart>
+        <c:varyColors val="1"/>
+        <c:dLbls>
+          <c:showLegendKey val="0"/>
+          <c:showVal val="0"/>
+          <c:showCatName val="0"/>
+          <c:showSerName val="0"/>
+          <c:showPercent val="0"/>
+          <c:showBubbleSize val="0"/>
+          <c:showLeaderLines val="0"/>
+        </c:dLbls>
+        <c:firstSliceAng val="0"/>
+      </c:pieChart>
+      <c:spPr>
+        <a:noFill/>
+        <a:ln w="25402">
+          <a:noFill/>
+        </a:ln>
+      </c:spPr>
+    </c:plotArea>
+    <c:plotVisOnly val="1"/>
+    <c:dispBlanksAs val="gap"/>
+    <c:showDLblsOverMax val="0"/>
+  </c:chart>
+  <c:spPr>
+    <a:solidFill>
+      <a:schemeClr val="bg1">
+        <a:lumMod val="85000"/>
+      </a:schemeClr>
+    </a:solidFill>
+  </c:spPr>
+  <c:txPr>
+    <a:bodyPr/>
+    <a:lstStyle/>
+    <a:p>
+      <a:pPr>
+        <a:defRPr sz="1200" baseline="0">
+          <a:latin typeface="+mn-lt"/>
+        </a:defRPr>
+      </a:pPr>
+      <a:endParaRPr lang="de-DE"/>
+    </a:p>
+  </c:txPr>
+  <c:externalData r:id="rId1">
+    <c:autoUpdate val="0"/>
+  </c:externalData>
+  <c:userShapes r:id="rId2"/>
+</c:chartSpace>
+</file>
+
+<file path=ppt/charts/chart7.xml><?xml version="1.0" encoding="utf-8"?>
+<c:chartSpace xmlns:c="http://schemas.openxmlformats.org/drawingml/2006/chart" xmlns:a="http://schemas.openxmlformats.org/drawingml/2006/main" xmlns:r="http://schemas.openxmlformats.org/officeDocument/2006/relationships" xmlns:c16r2="http://schemas.microsoft.com/office/drawing/2015/06/chart">
+  <c:date1904 val="0"/>
+  <c:lang val="en-US"/>
+  <c:roundedCorners val="0"/>
+  <mc:AlternateContent xmlns:mc="http://schemas.openxmlformats.org/markup-compatibility/2006">
+    <mc:Choice xmlns:c14="http://schemas.microsoft.com/office/drawing/2007/8/2/chart" Requires="c14">
+      <c14:style val="102"/>
+    </mc:Choice>
+    <mc:Fallback>
+      <c:style val="2"/>
+    </mc:Fallback>
+  </mc:AlternateContent>
+  <c:chart>
+    <c:title>
+      <c:tx>
+        <c:rich>
+          <a:bodyPr/>
+          <a:lstStyle/>
+          <a:p>
+            <a:pPr algn="l">
+              <a:defRPr sz="1399">
+                <a:latin typeface="+mj-lt"/>
+              </a:defRPr>
+            </a:pPr>
+            <a:r>
+              <a:rPr lang="de-DE" sz="1399">
+                <a:latin typeface="+mj-lt"/>
+              </a:rPr>
+              <a:t>Balkendiagramm</a:t>
+            </a:r>
+          </a:p>
+        </c:rich>
+      </c:tx>
+      <c:layout>
+        <c:manualLayout>
+          <c:xMode val="edge"/>
+          <c:yMode val="edge"/>
+          <c:x val="2.1974231638311401E-2"/>
+          <c:y val="2.3003858042100037E-2"/>
+        </c:manualLayout>
+      </c:layout>
+      <c:overlay val="0"/>
+    </c:title>
+    <c:autoTitleDeleted val="0"/>
+    <c:plotArea>
+      <c:layout>
+        <c:manualLayout>
+          <c:layoutTarget val="inner"/>
+          <c:xMode val="edge"/>
+          <c:yMode val="edge"/>
           <c:x val="0.11849931398003917"/>
           <c:y val="0.14741638309331234"/>
           <c:w val="0.84447782331609555"/>
@@ -1254,7 +1536,7 @@
 </c:chartSpace>
 </file>
 
-<file path=ppt/charts/chart6.xml><?xml version="1.0" encoding="utf-8"?>
+<file path=ppt/charts/chart8.xml><?xml version="1.0" encoding="utf-8"?>
 <c:chartSpace xmlns:c="http://schemas.openxmlformats.org/drawingml/2006/chart" xmlns:a="http://schemas.openxmlformats.org/drawingml/2006/main" xmlns:r="http://schemas.openxmlformats.org/officeDocument/2006/relationships" xmlns:c16r2="http://schemas.microsoft.com/office/drawing/2015/06/chart">
   <c:date1904 val="0"/>
   <c:lang val="en-US"/>
@@ -1776,7 +2058,6 @@
           </a:lvl9pPr>
         </a:lstStyle>
         <a:p xmlns:a="http://schemas.openxmlformats.org/drawingml/2006/main">
-          <a:pPr/>
           <a:r>
             <a:rPr lang="en-US" sz="1600" b="0" i="0" dirty="0">
               <a:latin typeface="Cambria Math" panose="02040503050406030204" pitchFamily="18" charset="0"/>
@@ -2182,7 +2463,6 @@
           </a:lvl9pPr>
         </a:lstStyle>
         <a:p xmlns:a="http://schemas.openxmlformats.org/drawingml/2006/main">
-          <a:pPr/>
           <a:r>
             <a:rPr lang="en-US" sz="1600" b="0" i="0" dirty="0">
               <a:latin typeface="Cambria Math" panose="02040503050406030204" pitchFamily="18" charset="0"/>
@@ -2428,6 +2708,371 @@
 <c:userShapes xmlns:c="http://schemas.openxmlformats.org/drawingml/2006/chart">
   <cdr:relSizeAnchor xmlns:cdr="http://schemas.openxmlformats.org/drawingml/2006/chartDrawing">
     <cdr:from>
+      <cdr:x>0.15571</cdr:x>
+      <cdr:y>0.01516</cdr:y>
+    </cdr:from>
+    <cdr:to>
+      <cdr:x>0.84356</cdr:x>
+      <cdr:y>0.16866</cdr:y>
+    </cdr:to>
+    <cdr:sp macro="" textlink="">
+      <cdr:nvSpPr>
+        <cdr:cNvPr id="2" name="TextBox 1">
+          <a:extLst xmlns:a="http://schemas.openxmlformats.org/drawingml/2006/main">
+            <a:ext uri="{FF2B5EF4-FFF2-40B4-BE49-F238E27FC236}">
+              <a16:creationId xmlns:a16="http://schemas.microsoft.com/office/drawing/2014/main" id="{E023942B-AC3F-0A49-95D7-6992A6D26B33}"/>
+            </a:ext>
+          </a:extLst>
+        </cdr:cNvPr>
+        <cdr:cNvSpPr txBox="1"/>
+      </cdr:nvSpPr>
+      <cdr:spPr>
+        <a:xfrm xmlns:a="http://schemas.openxmlformats.org/drawingml/2006/main">
+          <a:off x="611560" y="53474"/>
+          <a:ext cx="2701627" cy="541623"/>
+        </a:xfrm>
+        <a:prstGeom xmlns:a="http://schemas.openxmlformats.org/drawingml/2006/main" prst="rect">
+          <a:avLst/>
+        </a:prstGeom>
+        <a:noFill xmlns:a="http://schemas.openxmlformats.org/drawingml/2006/main"/>
+      </cdr:spPr>
+      <cdr:txBody>
+        <a:bodyPr xmlns:a="http://schemas.openxmlformats.org/drawingml/2006/main" vertOverflow="clip" wrap="square" rtlCol="0">
+          <a:spAutoFit/>
+        </a:bodyPr>
+        <a:lstStyle xmlns:a="http://schemas.openxmlformats.org/drawingml/2006/main"/>
+        <a:p xmlns:a="http://schemas.openxmlformats.org/drawingml/2006/main">
+          <a:pPr algn="ctr"/>
+          <a:r>
+            <a:rPr lang="en-US" sz="1400" kern="1200" dirty="0">
+              <a:solidFill>
+                <a:schemeClr val="tx1"/>
+              </a:solidFill>
+            </a:rPr>
+            <a:t>Non-quantized frame length</a:t>
+          </a:r>
+        </a:p>
+        <a:p xmlns:a="http://schemas.openxmlformats.org/drawingml/2006/main">
+          <a:pPr algn="ctr"/>
+          <a:r>
+            <a:rPr lang="en-US" sz="1400" i="0" kern="1200">
+              <a:solidFill>
+                <a:srgbClr val="C00000"/>
+              </a:solidFill>
+              <a:latin typeface="Cambria Math" panose="02040503050406030204" pitchFamily="18" charset="0"/>
+            </a:rPr>
+            <a:t>〖</a:t>
+          </a:r>
+          <a:r>
+            <a:rPr lang="de-DE" sz="1400" b="0" i="0" kern="1200">
+              <a:solidFill>
+                <a:srgbClr val="C00000"/>
+              </a:solidFill>
+              <a:latin typeface="Cambria Math" panose="02040503050406030204" pitchFamily="18" charset="0"/>
+            </a:rPr>
+            <a:t>1</a:t>
+          </a:r>
+          <a:r>
+            <a:rPr lang="en-US" sz="1400" i="0" kern="1200">
+              <a:solidFill>
+                <a:srgbClr val="C00000"/>
+              </a:solidFill>
+              <a:latin typeface="Cambria Math" panose="02040503050406030204" pitchFamily="18" charset="0"/>
+              <a:ea typeface="Cambria Math" panose="02040503050406030204" pitchFamily="18" charset="0"/>
+            </a:rPr>
+            <a:t>≤</a:t>
+          </a:r>
+          <a:r>
+            <a:rPr lang="de-DE" sz="1400" b="0" i="0" kern="1200">
+              <a:solidFill>
+                <a:srgbClr val="C00000"/>
+              </a:solidFill>
+              <a:latin typeface="Cambria Math" panose="02040503050406030204" pitchFamily="18" charset="0"/>
+            </a:rPr>
+            <a:t>𝐿</a:t>
+          </a:r>
+          <a:r>
+            <a:rPr lang="en-US" sz="1400" b="0" i="0" kern="1200">
+              <a:solidFill>
+                <a:srgbClr val="C00000"/>
+              </a:solidFill>
+              <a:latin typeface="Cambria Math" panose="02040503050406030204" pitchFamily="18" charset="0"/>
+            </a:rPr>
+            <a:t>〗_</a:t>
+          </a:r>
+          <a:r>
+            <a:rPr lang="de-DE" sz="1400" b="0" i="0" kern="1200">
+              <a:solidFill>
+                <a:srgbClr val="C00000"/>
+              </a:solidFill>
+              <a:latin typeface="Cambria Math" panose="02040503050406030204" pitchFamily="18" charset="0"/>
+            </a:rPr>
+            <a:t>𝑇𝐴</a:t>
+          </a:r>
+          <a:r>
+            <a:rPr lang="en-US" sz="1400" i="0" kern="1200">
+              <a:solidFill>
+                <a:srgbClr val="C00000"/>
+              </a:solidFill>
+              <a:latin typeface="Cambria Math" panose="02040503050406030204" pitchFamily="18" charset="0"/>
+              <a:ea typeface="Cambria Math" panose="02040503050406030204" pitchFamily="18" charset="0"/>
+            </a:rPr>
+            <a:t>≤</a:t>
+          </a:r>
+          <a:r>
+            <a:rPr lang="de-DE" sz="1400" b="0" i="0" kern="1200">
+              <a:solidFill>
+                <a:srgbClr val="C00000"/>
+              </a:solidFill>
+              <a:latin typeface="Cambria Math" panose="02040503050406030204" pitchFamily="18" charset="0"/>
+              <a:ea typeface="Cambria Math" panose="02040503050406030204" pitchFamily="18" charset="0"/>
+            </a:rPr>
+            <a:t>2</a:t>
+          </a:r>
+          <a:r>
+            <a:rPr lang="en-US" sz="1400" b="0" i="0" kern="1200">
+              <a:solidFill>
+                <a:srgbClr val="C00000"/>
+              </a:solidFill>
+              <a:latin typeface="Cambria Math" panose="02040503050406030204" pitchFamily="18" charset="0"/>
+              <a:ea typeface="Cambria Math" panose="02040503050406030204" pitchFamily="18" charset="0"/>
+            </a:rPr>
+            <a:t>^(</a:t>
+          </a:r>
+          <a:r>
+            <a:rPr lang="de-DE" sz="1400" b="0" i="0" kern="1200">
+              <a:solidFill>
+                <a:srgbClr val="C00000"/>
+              </a:solidFill>
+              <a:latin typeface="Cambria Math" panose="02040503050406030204" pitchFamily="18" charset="0"/>
+              <a:ea typeface="Cambria Math" panose="02040503050406030204" pitchFamily="18" charset="0"/>
+            </a:rPr>
+            <a:t>𝑄</a:t>
+          </a:r>
+          <a:r>
+            <a:rPr lang="en-US" sz="1400" b="0" i="0" kern="1200">
+              <a:solidFill>
+                <a:srgbClr val="C00000"/>
+              </a:solidFill>
+              <a:latin typeface="Cambria Math" panose="02040503050406030204" pitchFamily="18" charset="0"/>
+              <a:ea typeface="Cambria Math" panose="02040503050406030204" pitchFamily="18" charset="0"/>
+            </a:rPr>
+            <a:t>_</a:t>
+          </a:r>
+          <a:r>
+            <a:rPr lang="de-DE" sz="1400" b="0" i="0" kern="1200">
+              <a:solidFill>
+                <a:srgbClr val="C00000"/>
+              </a:solidFill>
+              <a:latin typeface="Cambria Math" panose="02040503050406030204" pitchFamily="18" charset="0"/>
+              <a:ea typeface="Cambria Math" panose="02040503050406030204" pitchFamily="18" charset="0"/>
+            </a:rPr>
+            <a:t>𝑚𝑎𝑥</a:t>
+          </a:r>
+          <a:r>
+            <a:rPr lang="en-US" sz="1400" b="0" i="0" kern="1200">
+              <a:solidFill>
+                <a:srgbClr val="C00000"/>
+              </a:solidFill>
+              <a:latin typeface="Cambria Math" panose="02040503050406030204" pitchFamily="18" charset="0"/>
+              <a:ea typeface="Cambria Math" panose="02040503050406030204" pitchFamily="18" charset="0"/>
+            </a:rPr>
+            <a:t> )</a:t>
+          </a:r>
+          <a:endParaRPr lang="en-US" sz="1400" kern="1200" dirty="0">
+            <a:solidFill>
+              <a:srgbClr val="C00000"/>
+            </a:solidFill>
+          </a:endParaRPr>
+        </a:p>
+      </cdr:txBody>
+    </cdr:sp>
+  </cdr:relSizeAnchor>
+</c:userShapes>
+</file>
+
+<file path=ppt/drawings/drawing6.xml><?xml version="1.0" encoding="utf-8"?>
+<c:userShapes xmlns:c="http://schemas.openxmlformats.org/drawingml/2006/chart">
+  <cdr:relSizeAnchor xmlns:cdr="http://schemas.openxmlformats.org/drawingml/2006/chartDrawing">
+    <cdr:from>
+      <cdr:x>0.2406</cdr:x>
+      <cdr:y>0.01383</cdr:y>
+    </cdr:from>
+    <cdr:to>
+      <cdr:x>0.76681</cdr:x>
+      <cdr:y>0.1623</cdr:y>
+    </cdr:to>
+    <cdr:sp macro="" textlink="">
+      <cdr:nvSpPr>
+        <cdr:cNvPr id="4" name="TextBox 1">
+          <a:extLst xmlns:a="http://schemas.openxmlformats.org/drawingml/2006/main">
+            <a:ext uri="{FF2B5EF4-FFF2-40B4-BE49-F238E27FC236}">
+              <a16:creationId xmlns:a16="http://schemas.microsoft.com/office/drawing/2014/main" id="{7AAA00E6-E5F2-DB42-9FAF-3EB508450799}"/>
+            </a:ext>
+          </a:extLst>
+        </cdr:cNvPr>
+        <cdr:cNvSpPr txBox="1"/>
+      </cdr:nvSpPr>
+      <cdr:spPr>
+        <a:xfrm xmlns:a="http://schemas.openxmlformats.org/drawingml/2006/main">
+          <a:off x="987723" y="48808"/>
+          <a:ext cx="2160233" cy="523861"/>
+        </a:xfrm>
+        <a:prstGeom xmlns:a="http://schemas.openxmlformats.org/drawingml/2006/main" prst="rect">
+          <a:avLst/>
+        </a:prstGeom>
+        <a:noFill xmlns:a="http://schemas.openxmlformats.org/drawingml/2006/main"/>
+      </cdr:spPr>
+      <cdr:txBody>
+        <a:bodyPr xmlns:a="http://schemas.openxmlformats.org/drawingml/2006/main" wrap="square" rtlCol="0">
+          <a:spAutoFit/>
+        </a:bodyPr>
+        <a:lstStyle xmlns:a="http://schemas.openxmlformats.org/drawingml/2006/main">
+          <a:lvl1pPr marL="0" indent="0">
+            <a:defRPr sz="1100">
+              <a:latin typeface="+mn-lt"/>
+              <a:ea typeface="+mn-ea"/>
+              <a:cs typeface="+mn-cs"/>
+            </a:defRPr>
+          </a:lvl1pPr>
+          <a:lvl2pPr marL="457200" indent="0">
+            <a:defRPr sz="1100">
+              <a:latin typeface="+mn-lt"/>
+              <a:ea typeface="+mn-ea"/>
+              <a:cs typeface="+mn-cs"/>
+            </a:defRPr>
+          </a:lvl2pPr>
+          <a:lvl3pPr marL="914400" indent="0">
+            <a:defRPr sz="1100">
+              <a:latin typeface="+mn-lt"/>
+              <a:ea typeface="+mn-ea"/>
+              <a:cs typeface="+mn-cs"/>
+            </a:defRPr>
+          </a:lvl3pPr>
+          <a:lvl4pPr marL="1371600" indent="0">
+            <a:defRPr sz="1100">
+              <a:latin typeface="+mn-lt"/>
+              <a:ea typeface="+mn-ea"/>
+              <a:cs typeface="+mn-cs"/>
+            </a:defRPr>
+          </a:lvl4pPr>
+          <a:lvl5pPr marL="1828800" indent="0">
+            <a:defRPr sz="1100">
+              <a:latin typeface="+mn-lt"/>
+              <a:ea typeface="+mn-ea"/>
+              <a:cs typeface="+mn-cs"/>
+            </a:defRPr>
+          </a:lvl5pPr>
+          <a:lvl6pPr marL="2286000" indent="0">
+            <a:defRPr sz="1100">
+              <a:latin typeface="+mn-lt"/>
+              <a:ea typeface="+mn-ea"/>
+              <a:cs typeface="+mn-cs"/>
+            </a:defRPr>
+          </a:lvl6pPr>
+          <a:lvl7pPr marL="2743200" indent="0">
+            <a:defRPr sz="1100">
+              <a:latin typeface="+mn-lt"/>
+              <a:ea typeface="+mn-ea"/>
+              <a:cs typeface="+mn-cs"/>
+            </a:defRPr>
+          </a:lvl7pPr>
+          <a:lvl8pPr marL="3200400" indent="0">
+            <a:defRPr sz="1100">
+              <a:latin typeface="+mn-lt"/>
+              <a:ea typeface="+mn-ea"/>
+              <a:cs typeface="+mn-cs"/>
+            </a:defRPr>
+          </a:lvl8pPr>
+          <a:lvl9pPr marL="3657600" indent="0">
+            <a:defRPr sz="1100">
+              <a:latin typeface="+mn-lt"/>
+              <a:ea typeface="+mn-ea"/>
+              <a:cs typeface="+mn-cs"/>
+            </a:defRPr>
+          </a:lvl9pPr>
+        </a:lstStyle>
+        <a:p xmlns:a="http://schemas.openxmlformats.org/drawingml/2006/main">
+          <a:pPr algn="ctr"/>
+          <a:r>
+            <a:rPr lang="en-US" sz="1400" b="0" dirty="0">
+              <a:latin typeface="+mj-lt"/>
+            </a:rPr>
+            <a:t>Quantized frame length</a:t>
+          </a:r>
+        </a:p>
+        <a:p xmlns:a="http://schemas.openxmlformats.org/drawingml/2006/main">
+          <a:pPr algn="ctr"/>
+          <a:r>
+            <a:rPr lang="de-DE" sz="1400" b="0" i="0">
+              <a:solidFill>
+                <a:srgbClr val="C00000"/>
+              </a:solidFill>
+              <a:latin typeface="Cambria Math" panose="02040503050406030204" pitchFamily="18" charset="0"/>
+            </a:rPr>
+            <a:t>𝐿</a:t>
+          </a:r>
+          <a:r>
+            <a:rPr lang="en-US" sz="1400" b="0" i="0">
+              <a:solidFill>
+                <a:srgbClr val="C00000"/>
+              </a:solidFill>
+              <a:latin typeface="Cambria Math" panose="02040503050406030204" pitchFamily="18" charset="0"/>
+            </a:rPr>
+            <a:t>_</a:t>
+          </a:r>
+          <a:r>
+            <a:rPr lang="de-DE" sz="1400" b="0" i="0">
+              <a:solidFill>
+                <a:srgbClr val="C00000"/>
+              </a:solidFill>
+              <a:latin typeface="Cambria Math" panose="02040503050406030204" pitchFamily="18" charset="0"/>
+            </a:rPr>
+            <a:t>𝑇𝐴=2^(𝑄_𝑖 ), 0〖</a:t>
+          </a:r>
+          <a:r>
+            <a:rPr lang="de-DE" sz="1400" b="0" i="0">
+              <a:solidFill>
+                <a:srgbClr val="C00000"/>
+              </a:solidFill>
+              <a:latin typeface="Cambria Math" panose="02040503050406030204" pitchFamily="18" charset="0"/>
+              <a:ea typeface="Cambria Math" panose="02040503050406030204" pitchFamily="18" charset="0"/>
+            </a:rPr>
+            <a:t>≤</a:t>
+          </a:r>
+          <a:r>
+            <a:rPr lang="de-DE" sz="1400" b="0" i="0">
+              <a:solidFill>
+                <a:srgbClr val="C00000"/>
+              </a:solidFill>
+              <a:latin typeface="Cambria Math" panose="02040503050406030204" pitchFamily="18" charset="0"/>
+            </a:rPr>
+            <a:t>𝑄〗_𝑖</a:t>
+          </a:r>
+          <a:r>
+            <a:rPr lang="de-DE" sz="1400" b="0" i="0">
+              <a:solidFill>
+                <a:srgbClr val="C00000"/>
+              </a:solidFill>
+              <a:latin typeface="Cambria Math" panose="02040503050406030204" pitchFamily="18" charset="0"/>
+              <a:ea typeface="Cambria Math" panose="02040503050406030204" pitchFamily="18" charset="0"/>
+            </a:rPr>
+            <a:t>≤𝑄_𝑚𝑎𝑥</a:t>
+          </a:r>
+          <a:endParaRPr lang="en-US" sz="1400" b="0" dirty="0">
+            <a:latin typeface="+mj-lt"/>
+          </a:endParaRPr>
+        </a:p>
+      </cdr:txBody>
+    </cdr:sp>
+  </cdr:relSizeAnchor>
+</c:userShapes>
+</file>
+
+<file path=ppt/drawings/drawing7.xml><?xml version="1.0" encoding="utf-8"?>
+<c:userShapes xmlns:c="http://schemas.openxmlformats.org/drawingml/2006/chart">
+  <cdr:relSizeAnchor xmlns:cdr="http://schemas.openxmlformats.org/drawingml/2006/chartDrawing">
+    <cdr:from>
       <cdr:x>0.11742</cdr:x>
       <cdr:y>0.73912</cdr:y>
     </cdr:from>
@@ -2590,7 +3235,7 @@
               <a:pPr>
                 <a:defRPr/>
               </a:pPr>
-              <a:t>04.03.18</a:t>
+              <a:t>11.03.18</a:t>
             </a:fld>
             <a:endParaRPr lang="de-DE"/>
           </a:p>
@@ -2798,7 +3443,7 @@
               <a:pPr>
                 <a:defRPr/>
               </a:pPr>
-              <a:t>04.03.18</a:t>
+              <a:t>11.03.18</a:t>
             </a:fld>
             <a:endParaRPr lang="de-DE"/>
           </a:p>
@@ -4501,7 +5146,7 @@
           <a:p>
             <a:fld id="{2320D6C2-5F7D-C049-A855-7D0EF76C4F02}" type="datetime3">
               <a:rPr lang="de-DE" smtClean="0"/>
-              <a:t>04/03/2018</a:t>
+              <a:t>11/03/2018</a:t>
             </a:fld>
             <a:endParaRPr lang="de-DE"/>
           </a:p>
@@ -4985,7 +5630,7 @@
           <a:p>
             <a:fld id="{028FC40C-4650-5D4B-8B4C-F6ABCB5DBA97}" type="datetime3">
               <a:rPr lang="de-DE" smtClean="0"/>
-              <a:t>04/03/2018</a:t>
+              <a:t>11/03/2018</a:t>
             </a:fld>
             <a:endParaRPr lang="de-DE"/>
           </a:p>
@@ -5549,7 +6194,7 @@
           <a:p>
             <a:fld id="{F44AC1D3-972F-D046-836F-E0EFE0B268B4}" type="datetime3">
               <a:rPr lang="de-DE" smtClean="0"/>
-              <a:t>04/03/2018</a:t>
+              <a:t>11/03/2018</a:t>
             </a:fld>
             <a:endParaRPr lang="de-DE"/>
           </a:p>
@@ -6520,7 +7165,7 @@
           <a:p>
             <a:fld id="{5D94CD70-145A-9148-945C-8FC1141B16FD}" type="datetime3">
               <a:rPr lang="de-DE" smtClean="0"/>
-              <a:t>04/03/2018</a:t>
+              <a:t>11/03/2018</a:t>
             </a:fld>
             <a:endParaRPr lang="de-DE"/>
           </a:p>
@@ -7235,7 +7880,7 @@
           <a:p>
             <a:fld id="{B6D6825A-82F5-3A4F-9E8F-D3A513A73C6B}" type="datetime3">
               <a:rPr lang="de-DE" smtClean="0"/>
-              <a:t>04/03/2018</a:t>
+              <a:t>11/03/2018</a:t>
             </a:fld>
             <a:endParaRPr lang="de-DE"/>
           </a:p>
@@ -7323,8 +7968,8 @@
           </a:extLst>
         </p:spPr>
       </p:pic>
-      <mc:AlternateContent xmlns:mc="http://schemas.openxmlformats.org/markup-compatibility/2006">
-        <mc:Choice xmlns:a14="http://schemas.microsoft.com/office/drawing/2010/main" Requires="a14">
+      <mc:AlternateContent xmlns:mc="http://schemas.openxmlformats.org/markup-compatibility/2006" xmlns:a14="http://schemas.microsoft.com/office/drawing/2010/main">
+        <mc:Choice Requires="a14">
           <p:sp>
             <p:nvSpPr>
               <p:cNvPr id="9" name="Textplatzhalter 3">
@@ -8213,7 +8858,7 @@
             </p:txBody>
           </p:sp>
         </mc:Choice>
-        <mc:Fallback>
+        <mc:Fallback xmlns="">
           <p:sp>
             <p:nvSpPr>
               <p:cNvPr id="9" name="Textplatzhalter 3">
@@ -8258,8 +8903,8 @@
           </p:sp>
         </mc:Fallback>
       </mc:AlternateContent>
-      <mc:AlternateContent xmlns:mc="http://schemas.openxmlformats.org/markup-compatibility/2006">
-        <mc:Choice xmlns:a14="http://schemas.microsoft.com/office/drawing/2010/main" Requires="a14">
+      <mc:AlternateContent xmlns:mc="http://schemas.openxmlformats.org/markup-compatibility/2006" xmlns:a14="http://schemas.microsoft.com/office/drawing/2010/main">
+        <mc:Choice Requires="a14">
           <p:sp>
             <p:nvSpPr>
               <p:cNvPr id="12" name="Rechteck 35">
@@ -8359,7 +9004,7 @@
             </p:txBody>
           </p:sp>
         </mc:Choice>
-        <mc:Fallback>
+        <mc:Fallback xmlns="">
           <p:sp>
             <p:nvSpPr>
               <p:cNvPr id="12" name="Rechteck 35">
@@ -8409,8 +9054,8 @@
           </p:sp>
         </mc:Fallback>
       </mc:AlternateContent>
-      <mc:AlternateContent xmlns:mc="http://schemas.openxmlformats.org/markup-compatibility/2006">
-        <mc:Choice xmlns:a14="http://schemas.microsoft.com/office/drawing/2010/main" Requires="a14">
+      <mc:AlternateContent xmlns:mc="http://schemas.openxmlformats.org/markup-compatibility/2006" xmlns:a14="http://schemas.microsoft.com/office/drawing/2010/main">
+        <mc:Choice Requires="a14">
           <p:sp>
             <p:nvSpPr>
               <p:cNvPr id="13" name="Rechteck 36">
@@ -8735,7 +9380,7 @@
             </p:txBody>
           </p:sp>
         </mc:Choice>
-        <mc:Fallback>
+        <mc:Fallback xmlns="">
           <p:sp>
             <p:nvSpPr>
               <p:cNvPr id="13" name="Rechteck 36">
@@ -8839,8 +9484,8 @@
           </a:p>
         </p:txBody>
       </p:sp>
-      <mc:AlternateContent xmlns:mc="http://schemas.openxmlformats.org/markup-compatibility/2006">
-        <mc:Choice xmlns:a14="http://schemas.microsoft.com/office/drawing/2010/main" Requires="a14">
+      <mc:AlternateContent xmlns:mc="http://schemas.openxmlformats.org/markup-compatibility/2006" xmlns:a14="http://schemas.microsoft.com/office/drawing/2010/main">
+        <mc:Choice Requires="a14">
           <p:sp>
             <p:nvSpPr>
               <p:cNvPr id="15" name="Textfeld 65">
@@ -9050,7 +9695,7 @@
             </p:txBody>
           </p:sp>
         </mc:Choice>
-        <mc:Fallback>
+        <mc:Fallback xmlns="">
           <p:sp>
             <p:nvSpPr>
               <p:cNvPr id="15" name="Textfeld 65">
@@ -9149,8 +9794,8 @@
           </a:p>
         </p:txBody>
       </p:sp>
-      <mc:AlternateContent xmlns:mc="http://schemas.openxmlformats.org/markup-compatibility/2006">
-        <mc:Choice xmlns:a14="http://schemas.microsoft.com/office/drawing/2010/main" Requires="a14">
+      <mc:AlternateContent xmlns:mc="http://schemas.openxmlformats.org/markup-compatibility/2006" xmlns:a14="http://schemas.microsoft.com/office/drawing/2010/main">
+        <mc:Choice Requires="a14">
           <p:sp>
             <p:nvSpPr>
               <p:cNvPr id="17" name="Textfeld 1">
@@ -9341,7 +9986,7 @@
             </p:txBody>
           </p:sp>
         </mc:Choice>
-        <mc:Fallback>
+        <mc:Fallback xmlns="">
           <p:sp>
             <p:nvSpPr>
               <p:cNvPr id="17" name="Textfeld 1">
@@ -9497,7 +10142,7 @@
           <a:p>
             <a:fld id="{B6D6825A-82F5-3A4F-9E8F-D3A513A73C6B}" type="datetime3">
               <a:rPr lang="de-DE" smtClean="0"/>
-              <a:t>04/03/2018</a:t>
+              <a:t>11/03/2018</a:t>
             </a:fld>
             <a:endParaRPr lang="de-DE"/>
           </a:p>
@@ -9585,8 +10230,8 @@
           </a:extLst>
         </p:spPr>
       </p:pic>
-      <mc:AlternateContent xmlns:mc="http://schemas.openxmlformats.org/markup-compatibility/2006">
-        <mc:Choice xmlns:a14="http://schemas.microsoft.com/office/drawing/2010/main" Requires="a14">
+      <mc:AlternateContent xmlns:mc="http://schemas.openxmlformats.org/markup-compatibility/2006" xmlns:a14="http://schemas.microsoft.com/office/drawing/2010/main">
+        <mc:Choice Requires="a14">
           <p:sp>
             <p:nvSpPr>
               <p:cNvPr id="9" name="Textplatzhalter 3">
@@ -11539,7 +12184,7 @@
             </p:txBody>
           </p:sp>
         </mc:Choice>
-        <mc:Fallback>
+        <mc:Fallback xmlns="">
           <p:sp>
             <p:nvSpPr>
               <p:cNvPr id="9" name="Textplatzhalter 3">
@@ -11706,8 +12351,8 @@
             </a:p>
           </p:txBody>
         </p:sp>
-        <mc:AlternateContent xmlns:mc="http://schemas.openxmlformats.org/markup-compatibility/2006">
-          <mc:Choice xmlns:a14="http://schemas.microsoft.com/office/drawing/2010/main" Requires="a14">
+        <mc:AlternateContent xmlns:mc="http://schemas.openxmlformats.org/markup-compatibility/2006" xmlns:a14="http://schemas.microsoft.com/office/drawing/2010/main">
+          <mc:Choice Requires="a14">
             <p:sp>
               <p:nvSpPr>
                 <p:cNvPr id="15" name="Textfeld 8">
@@ -12595,7 +13240,7 @@
               </p:txBody>
             </p:sp>
           </mc:Choice>
-          <mc:Fallback>
+          <mc:Fallback xmlns="">
             <p:sp>
               <p:nvSpPr>
                 <p:cNvPr id="15" name="Textfeld 8">
@@ -12896,8 +13541,8 @@
           </a:p>
         </p:txBody>
       </p:sp>
-      <mc:AlternateContent xmlns:mc="http://schemas.openxmlformats.org/markup-compatibility/2006">
-        <mc:Choice xmlns:a14="http://schemas.microsoft.com/office/drawing/2010/main" Requires="a14">
+      <mc:AlternateContent xmlns:mc="http://schemas.openxmlformats.org/markup-compatibility/2006" xmlns:a14="http://schemas.microsoft.com/office/drawing/2010/main">
+        <mc:Choice Requires="a14">
           <p:sp>
             <p:nvSpPr>
               <p:cNvPr id="21" name="Textfeld 17">
@@ -12946,7 +13591,7 @@
             </p:txBody>
           </p:sp>
         </mc:Choice>
-        <mc:Fallback>
+        <mc:Fallback xmlns="">
           <p:sp>
             <p:nvSpPr>
               <p:cNvPr id="21" name="Textfeld 17">
@@ -12991,8 +13636,8 @@
           </p:sp>
         </mc:Fallback>
       </mc:AlternateContent>
-      <mc:AlternateContent xmlns:mc="http://schemas.openxmlformats.org/markup-compatibility/2006">
-        <mc:Choice xmlns:a14="http://schemas.microsoft.com/office/drawing/2010/main" Requires="a14">
+      <mc:AlternateContent xmlns:mc="http://schemas.openxmlformats.org/markup-compatibility/2006" xmlns:a14="http://schemas.microsoft.com/office/drawing/2010/main">
+        <mc:Choice Requires="a14">
           <p:sp>
             <p:nvSpPr>
               <p:cNvPr id="22" name="Textfeld 18">
@@ -13041,7 +13686,7 @@
             </p:txBody>
           </p:sp>
         </mc:Choice>
-        <mc:Fallback>
+        <mc:Fallback xmlns="">
           <p:sp>
             <p:nvSpPr>
               <p:cNvPr id="22" name="Textfeld 18">
@@ -13086,8 +13731,8 @@
           </p:sp>
         </mc:Fallback>
       </mc:AlternateContent>
-      <mc:AlternateContent xmlns:mc="http://schemas.openxmlformats.org/markup-compatibility/2006">
-        <mc:Choice xmlns:a14="http://schemas.microsoft.com/office/drawing/2010/main" Requires="a14">
+      <mc:AlternateContent xmlns:mc="http://schemas.openxmlformats.org/markup-compatibility/2006" xmlns:a14="http://schemas.microsoft.com/office/drawing/2010/main">
+        <mc:Choice Requires="a14">
           <p:sp>
             <p:nvSpPr>
               <p:cNvPr id="23" name="Textfeld 19">
@@ -13136,7 +13781,7 @@
             </p:txBody>
           </p:sp>
         </mc:Choice>
-        <mc:Fallback>
+        <mc:Fallback xmlns="">
           <p:sp>
             <p:nvSpPr>
               <p:cNvPr id="23" name="Textfeld 19">
@@ -13181,8 +13826,8 @@
           </p:sp>
         </mc:Fallback>
       </mc:AlternateContent>
-      <mc:AlternateContent xmlns:mc="http://schemas.openxmlformats.org/markup-compatibility/2006">
-        <mc:Choice xmlns:a14="http://schemas.microsoft.com/office/drawing/2010/main" Requires="a14">
+      <mc:AlternateContent xmlns:mc="http://schemas.openxmlformats.org/markup-compatibility/2006" xmlns:a14="http://schemas.microsoft.com/office/drawing/2010/main">
+        <mc:Choice Requires="a14">
           <p:sp>
             <p:nvSpPr>
               <p:cNvPr id="24" name="Textfeld 20">
@@ -13231,7 +13876,7 @@
             </p:txBody>
           </p:sp>
         </mc:Choice>
-        <mc:Fallback>
+        <mc:Fallback xmlns="">
           <p:sp>
             <p:nvSpPr>
               <p:cNvPr id="24" name="Textfeld 20">
@@ -13276,8 +13921,8 @@
           </p:sp>
         </mc:Fallback>
       </mc:AlternateContent>
-      <mc:AlternateContent xmlns:mc="http://schemas.openxmlformats.org/markup-compatibility/2006">
-        <mc:Choice xmlns:a14="http://schemas.microsoft.com/office/drawing/2010/main" Requires="a14">
+      <mc:AlternateContent xmlns:mc="http://schemas.openxmlformats.org/markup-compatibility/2006" xmlns:a14="http://schemas.microsoft.com/office/drawing/2010/main">
+        <mc:Choice Requires="a14">
           <p:sp>
             <p:nvSpPr>
               <p:cNvPr id="25" name="Textfeld 21">
@@ -13326,7 +13971,7 @@
             </p:txBody>
           </p:sp>
         </mc:Choice>
-        <mc:Fallback>
+        <mc:Fallback xmlns="">
           <p:sp>
             <p:nvSpPr>
               <p:cNvPr id="25" name="Textfeld 21">
@@ -13517,8 +14162,8 @@
           </a:xfrm>
         </p:spPr>
       </p:pic>
-      <mc:AlternateContent xmlns:mc="http://schemas.openxmlformats.org/markup-compatibility/2006">
-        <mc:Choice xmlns:a14="http://schemas.microsoft.com/office/drawing/2010/main" Requires="a14">
+      <mc:AlternateContent xmlns:mc="http://schemas.openxmlformats.org/markup-compatibility/2006" xmlns:a14="http://schemas.microsoft.com/office/drawing/2010/main">
+        <mc:Choice Requires="a14">
           <p:sp>
             <p:nvSpPr>
               <p:cNvPr id="2" name="Datumsplatzhalter 1"/>
@@ -13536,14 +14181,14 @@
               <a:p>
                 <a:fld id="{B6D6825A-82F5-3A4F-9E8F-D3A513A73C6B}" type="datetime3">
                   <a:rPr lang="de-DE" smtClean="0"/>
-                  <a:t>04/03/2018</a:t>
+                  <a:t>11/03/2018</a:t>
                 </a:fld>
                 <a:endParaRPr lang="de-DE"/>
               </a:p>
             </p:txBody>
           </p:sp>
         </mc:Choice>
-        <mc:Fallback>
+        <mc:Fallback xmlns="">
           <p:sp>
             <p:nvSpPr>
               <p:cNvPr id="2" name="Datumsplatzhalter 1"/>
@@ -13577,8 +14222,8 @@
           </p:sp>
         </mc:Fallback>
       </mc:AlternateContent>
-      <mc:AlternateContent xmlns:mc="http://schemas.openxmlformats.org/markup-compatibility/2006">
-        <mc:Choice xmlns:a14="http://schemas.microsoft.com/office/drawing/2010/main" Requires="a14">
+      <mc:AlternateContent xmlns:mc="http://schemas.openxmlformats.org/markup-compatibility/2006" xmlns:a14="http://schemas.microsoft.com/office/drawing/2010/main">
+        <mc:Choice Requires="a14">
           <p:sp>
             <p:nvSpPr>
               <p:cNvPr id="3" name="Fußzeilenplatzhalter 2"/>
@@ -13602,7 +14247,7 @@
             </p:txBody>
           </p:sp>
         </mc:Choice>
-        <mc:Fallback>
+        <mc:Fallback xmlns="">
           <p:sp>
             <p:nvSpPr>
               <p:cNvPr id="3" name="Fußzeilenplatzhalter 2"/>
@@ -13696,8 +14341,8 @@
           </a:extLst>
         </p:spPr>
       </p:pic>
-      <mc:AlternateContent xmlns:mc="http://schemas.openxmlformats.org/markup-compatibility/2006">
-        <mc:Choice xmlns:a14="http://schemas.microsoft.com/office/drawing/2010/main" Requires="a14">
+      <mc:AlternateContent xmlns:mc="http://schemas.openxmlformats.org/markup-compatibility/2006" xmlns:a14="http://schemas.microsoft.com/office/drawing/2010/main">
+        <mc:Choice Requires="a14">
           <p:sp>
             <p:nvSpPr>
               <p:cNvPr id="9" name="Textplatzhalter 3">
@@ -13948,13 +14593,7 @@
                       <a:rPr lang="en-US" sz="1600" i="1" kern="0">
                         <a:latin typeface="Cambria Math"/>
                       </a:rPr>
-                      <m:t>=0</m:t>
-                    </m:r>
-                    <m:r>
-                      <a:rPr lang="de-DE" sz="1600" i="1" kern="0">
-                        <a:latin typeface="Cambria Math" panose="02040503050406030204" pitchFamily="18" charset="0"/>
-                      </a:rPr>
-                      <m:t>.7</m:t>
+                      <m:t>=0.7</m:t>
                     </m:r>
                   </m:oMath>
                 </a14:m>
@@ -14060,7 +14699,7 @@
             </p:txBody>
           </p:sp>
         </mc:Choice>
-        <mc:Fallback>
+        <mc:Fallback xmlns="">
           <p:sp>
             <p:nvSpPr>
               <p:cNvPr id="9" name="Textplatzhalter 3">
@@ -14105,72 +14744,36 @@
           </p:sp>
         </mc:Fallback>
       </mc:AlternateContent>
-      <mc:AlternateContent xmlns:mc="http://schemas.openxmlformats.org/markup-compatibility/2006">
-        <mc:Choice xmlns:a14="http://schemas.microsoft.com/office/drawing/2010/main" Requires="a14">
-          <p:graphicFrame>
-            <p:nvGraphicFramePr>
-              <p:cNvPr id="18" name="Diagramm 69">
-                <a:extLst>
-                  <a:ext uri="{FF2B5EF4-FFF2-40B4-BE49-F238E27FC236}">
-                    <a16:creationId xmlns:a16="http://schemas.microsoft.com/office/drawing/2014/main" id="{1E5DE6DD-106F-A948-A36B-260C330A74EE}"/>
-                  </a:ext>
-                </a:extLst>
-              </p:cNvPr>
-              <p:cNvGraphicFramePr>
-                <a:graphicFrameLocks/>
-              </p:cNvGraphicFramePr>
-              <p:nvPr>
-                <p:extLst>
-                  <p:ext uri="{D42A27DB-BD31-4B8C-83A1-F6EECF244321}">
-                    <p14:modId xmlns:p14="http://schemas.microsoft.com/office/powerpoint/2010/main" val="1407047405"/>
-                  </p:ext>
-                </p:extLst>
-              </p:nvPr>
-            </p:nvGraphicFramePr>
-            <p:xfrm>
-              <a:off x="466725" y="2348881"/>
-              <a:ext cx="3927636" cy="3672408"/>
-            </p:xfrm>
-            <a:graphic>
-              <a:graphicData uri="http://schemas.openxmlformats.org/drawingml/2006/chart">
-                <c:chart xmlns:c="http://schemas.openxmlformats.org/drawingml/2006/chart" xmlns:r="http://schemas.openxmlformats.org/officeDocument/2006/relationships" r:id="rId7"/>
-              </a:graphicData>
-            </a:graphic>
-          </p:graphicFrame>
-        </mc:Choice>
-        <mc:Fallback>
-          <p:graphicFrame>
-            <p:nvGraphicFramePr>
-              <p:cNvPr id="18" name="Diagramm 69">
-                <a:extLst>
-                  <a:ext uri="{FF2B5EF4-FFF2-40B4-BE49-F238E27FC236}">
-                    <a16:creationId xmlns:a16="http://schemas.microsoft.com/office/drawing/2014/main" id="{1E5DE6DD-106F-A948-A36B-260C330A74EE}"/>
-                  </a:ext>
-                </a:extLst>
-              </p:cNvPr>
-              <p:cNvGraphicFramePr>
-                <a:graphicFrameLocks/>
-              </p:cNvGraphicFramePr>
-              <p:nvPr>
-                <p:extLst>
-                  <p:ext uri="{D42A27DB-BD31-4B8C-83A1-F6EECF244321}">
-                    <p14:modId xmlns:p14="http://schemas.microsoft.com/office/powerpoint/2010/main" val="1407047405"/>
-                  </p:ext>
-                </p:extLst>
-              </p:nvPr>
-            </p:nvGraphicFramePr>
-            <p:xfrm>
-              <a:off x="466725" y="2348881"/>
-              <a:ext cx="3927636" cy="3672408"/>
-            </p:xfrm>
-            <a:graphic>
-              <a:graphicData uri="http://schemas.openxmlformats.org/drawingml/2006/chart">
-                <c:chart xmlns:c="http://schemas.openxmlformats.org/drawingml/2006/chart" xmlns:r="http://schemas.openxmlformats.org/officeDocument/2006/relationships" r:id="rId7"/>
-              </a:graphicData>
-            </a:graphic>
-          </p:graphicFrame>
-        </mc:Fallback>
-      </mc:AlternateContent>
+      <p:graphicFrame>
+        <p:nvGraphicFramePr>
+          <p:cNvPr id="18" name="Diagramm 69">
+            <a:extLst>
+              <a:ext uri="{FF2B5EF4-FFF2-40B4-BE49-F238E27FC236}">
+                <a16:creationId xmlns:a16="http://schemas.microsoft.com/office/drawing/2014/main" id="{1E5DE6DD-106F-A948-A36B-260C330A74EE}"/>
+              </a:ext>
+            </a:extLst>
+          </p:cNvPr>
+          <p:cNvGraphicFramePr>
+            <a:graphicFrameLocks/>
+          </p:cNvGraphicFramePr>
+          <p:nvPr>
+            <p:extLst>
+              <p:ext uri="{D42A27DB-BD31-4B8C-83A1-F6EECF244321}">
+                <p14:modId xmlns:p14="http://schemas.microsoft.com/office/powerpoint/2010/main" val="1407047405"/>
+              </p:ext>
+            </p:extLst>
+          </p:nvPr>
+        </p:nvGraphicFramePr>
+        <p:xfrm>
+          <a:off x="466725" y="2348881"/>
+          <a:ext cx="3927636" cy="3672408"/>
+        </p:xfrm>
+        <a:graphic>
+          <a:graphicData uri="http://schemas.openxmlformats.org/drawingml/2006/chart">
+            <c:chart xmlns:c="http://schemas.openxmlformats.org/drawingml/2006/chart" xmlns:r="http://schemas.openxmlformats.org/officeDocument/2006/relationships" r:id="rId7"/>
+          </a:graphicData>
+        </a:graphic>
+      </p:graphicFrame>
       <p:pic>
         <p:nvPicPr>
           <p:cNvPr id="20" name="Picture 19">
@@ -14207,72 +14810,36 @@
           </a:prstGeom>
         </p:spPr>
       </p:pic>
-      <mc:AlternateContent xmlns:mc="http://schemas.openxmlformats.org/markup-compatibility/2006">
-        <mc:Choice xmlns:a14="http://schemas.microsoft.com/office/drawing/2010/main" Requires="a14">
-          <p:graphicFrame>
-            <p:nvGraphicFramePr>
-              <p:cNvPr id="19" name="Diagramm 6">
-                <a:extLst>
-                  <a:ext uri="{FF2B5EF4-FFF2-40B4-BE49-F238E27FC236}">
-                    <a16:creationId xmlns:a16="http://schemas.microsoft.com/office/drawing/2014/main" id="{1A7E399D-9F81-0649-8854-E83D2FC18FA0}"/>
-                  </a:ext>
-                </a:extLst>
-              </p:cNvPr>
-              <p:cNvGraphicFramePr>
-                <a:graphicFrameLocks/>
-              </p:cNvGraphicFramePr>
-              <p:nvPr>
-                <p:extLst>
-                  <p:ext uri="{D42A27DB-BD31-4B8C-83A1-F6EECF244321}">
-                    <p14:modId xmlns:p14="http://schemas.microsoft.com/office/powerpoint/2010/main" val="13645467"/>
-                  </p:ext>
-                </p:extLst>
-              </p:nvPr>
-            </p:nvGraphicFramePr>
-            <p:xfrm>
-              <a:off x="4538823" y="2348881"/>
-              <a:ext cx="4105275" cy="3672407"/>
-            </p:xfrm>
-            <a:graphic>
-              <a:graphicData uri="http://schemas.openxmlformats.org/drawingml/2006/chart">
-                <c:chart xmlns:c="http://schemas.openxmlformats.org/drawingml/2006/chart" xmlns:r="http://schemas.openxmlformats.org/officeDocument/2006/relationships" r:id="rId9"/>
-              </a:graphicData>
-            </a:graphic>
-          </p:graphicFrame>
-        </mc:Choice>
-        <mc:Fallback>
-          <p:graphicFrame>
-            <p:nvGraphicFramePr>
-              <p:cNvPr id="19" name="Diagramm 6">
-                <a:extLst>
-                  <a:ext uri="{FF2B5EF4-FFF2-40B4-BE49-F238E27FC236}">
-                    <a16:creationId xmlns:a16="http://schemas.microsoft.com/office/drawing/2014/main" id="{1A7E399D-9F81-0649-8854-E83D2FC18FA0}"/>
-                  </a:ext>
-                </a:extLst>
-              </p:cNvPr>
-              <p:cNvGraphicFramePr>
-                <a:graphicFrameLocks/>
-              </p:cNvGraphicFramePr>
-              <p:nvPr>
-                <p:extLst>
-                  <p:ext uri="{D42A27DB-BD31-4B8C-83A1-F6EECF244321}">
-                    <p14:modId xmlns:p14="http://schemas.microsoft.com/office/powerpoint/2010/main" val="13645467"/>
-                  </p:ext>
-                </p:extLst>
-              </p:nvPr>
-            </p:nvGraphicFramePr>
-            <p:xfrm>
-              <a:off x="4538823" y="2348881"/>
-              <a:ext cx="4105275" cy="3672407"/>
-            </p:xfrm>
-            <a:graphic>
-              <a:graphicData uri="http://schemas.openxmlformats.org/drawingml/2006/chart">
-                <c:chart xmlns:c="http://schemas.openxmlformats.org/drawingml/2006/chart" xmlns:r="http://schemas.openxmlformats.org/officeDocument/2006/relationships" r:id="rId9"/>
-              </a:graphicData>
-            </a:graphic>
-          </p:graphicFrame>
-        </mc:Fallback>
-      </mc:AlternateContent>
+      <p:graphicFrame>
+        <p:nvGraphicFramePr>
+          <p:cNvPr id="19" name="Diagramm 6">
+            <a:extLst>
+              <a:ext uri="{FF2B5EF4-FFF2-40B4-BE49-F238E27FC236}">
+                <a16:creationId xmlns:a16="http://schemas.microsoft.com/office/drawing/2014/main" id="{1A7E399D-9F81-0649-8854-E83D2FC18FA0}"/>
+              </a:ext>
+            </a:extLst>
+          </p:cNvPr>
+          <p:cNvGraphicFramePr>
+            <a:graphicFrameLocks/>
+          </p:cNvGraphicFramePr>
+          <p:nvPr>
+            <p:extLst>
+              <p:ext uri="{D42A27DB-BD31-4B8C-83A1-F6EECF244321}">
+                <p14:modId xmlns:p14="http://schemas.microsoft.com/office/powerpoint/2010/main" val="13645467"/>
+              </p:ext>
+            </p:extLst>
+          </p:nvPr>
+        </p:nvGraphicFramePr>
+        <p:xfrm>
+          <a:off x="4538823" y="2348881"/>
+          <a:ext cx="4105275" cy="3672407"/>
+        </p:xfrm>
+        <a:graphic>
+          <a:graphicData uri="http://schemas.openxmlformats.org/drawingml/2006/chart">
+            <c:chart xmlns:c="http://schemas.openxmlformats.org/drawingml/2006/chart" xmlns:r="http://schemas.openxmlformats.org/officeDocument/2006/relationships" r:id="rId9"/>
+          </a:graphicData>
+        </a:graphic>
+      </p:graphicFrame>
       <p:pic>
         <p:nvPicPr>
           <p:cNvPr id="21" name="Picture 20">
@@ -14309,8 +14876,8 @@
           </a:prstGeom>
         </p:spPr>
       </p:pic>
-      <mc:AlternateContent xmlns:mc="http://schemas.openxmlformats.org/markup-compatibility/2006">
-        <mc:Choice xmlns:a14="http://schemas.microsoft.com/office/drawing/2010/main" Requires="a14">
+      <mc:AlternateContent xmlns:mc="http://schemas.openxmlformats.org/markup-compatibility/2006" xmlns:a14="http://schemas.microsoft.com/office/drawing/2010/main">
+        <mc:Choice Requires="a14">
           <p:sp>
             <p:nvSpPr>
               <p:cNvPr id="22" name="TextBox 21">
@@ -14408,7 +14975,7 @@
             </p:txBody>
           </p:sp>
         </mc:Choice>
-        <mc:Fallback>
+        <mc:Fallback xmlns="">
           <p:sp>
             <p:nvSpPr>
               <p:cNvPr id="22" name="TextBox 21">
@@ -14564,7 +15131,7 @@
           <a:p>
             <a:fld id="{B6D6825A-82F5-3A4F-9E8F-D3A513A73C6B}" type="datetime3">
               <a:rPr lang="de-DE" smtClean="0"/>
-              <a:t>04/03/2018</a:t>
+              <a:t>11/03/2018</a:t>
             </a:fld>
             <a:endParaRPr lang="de-DE"/>
           </a:p>
@@ -14652,8 +15219,8 @@
           </a:extLst>
         </p:spPr>
       </p:pic>
-      <mc:AlternateContent xmlns:mc="http://schemas.openxmlformats.org/markup-compatibility/2006">
-        <mc:Choice xmlns:a14="http://schemas.microsoft.com/office/drawing/2010/main" Requires="a14">
+      <mc:AlternateContent xmlns:mc="http://schemas.openxmlformats.org/markup-compatibility/2006" xmlns:a14="http://schemas.microsoft.com/office/drawing/2010/main">
+        <mc:Choice Requires="a14">
           <p:sp>
             <p:nvSpPr>
               <p:cNvPr id="9" name="Textplatzhalter 3">
@@ -14980,7 +15547,7 @@
             </p:txBody>
           </p:sp>
         </mc:Choice>
-        <mc:Fallback>
+        <mc:Fallback xmlns="">
           <p:sp>
             <p:nvSpPr>
               <p:cNvPr id="9" name="Textplatzhalter 3">
@@ -15155,8 +15722,8 @@
           </a:xfrm>
         </p:spPr>
       </p:pic>
-      <mc:AlternateContent xmlns:mc="http://schemas.openxmlformats.org/markup-compatibility/2006">
-        <mc:Choice xmlns:a14="http://schemas.microsoft.com/office/drawing/2010/main" Requires="a14">
+      <mc:AlternateContent xmlns:mc="http://schemas.openxmlformats.org/markup-compatibility/2006" xmlns:a14="http://schemas.microsoft.com/office/drawing/2010/main">
+        <mc:Choice Requires="a14">
           <p:sp>
             <p:nvSpPr>
               <p:cNvPr id="2" name="Datumsplatzhalter 1"/>
@@ -15174,14 +15741,14 @@
               <a:p>
                 <a:fld id="{B6D6825A-82F5-3A4F-9E8F-D3A513A73C6B}" type="datetime3">
                   <a:rPr lang="de-DE" smtClean="0"/>
-                  <a:t>04/03/2018</a:t>
+                  <a:t>11/03/2018</a:t>
                 </a:fld>
                 <a:endParaRPr lang="de-DE"/>
               </a:p>
             </p:txBody>
           </p:sp>
         </mc:Choice>
-        <mc:Fallback>
+        <mc:Fallback xmlns="">
           <p:sp>
             <p:nvSpPr>
               <p:cNvPr id="2" name="Datumsplatzhalter 1"/>
@@ -15215,8 +15782,8 @@
           </p:sp>
         </mc:Fallback>
       </mc:AlternateContent>
-      <mc:AlternateContent xmlns:mc="http://schemas.openxmlformats.org/markup-compatibility/2006">
-        <mc:Choice xmlns:a14="http://schemas.microsoft.com/office/drawing/2010/main" Requires="a14">
+      <mc:AlternateContent xmlns:mc="http://schemas.openxmlformats.org/markup-compatibility/2006" xmlns:a14="http://schemas.microsoft.com/office/drawing/2010/main">
+        <mc:Choice Requires="a14">
           <p:sp>
             <p:nvSpPr>
               <p:cNvPr id="3" name="Fußzeilenplatzhalter 2"/>
@@ -15240,7 +15807,3767 @@
             </p:txBody>
           </p:sp>
         </mc:Choice>
+        <mc:Fallback xmlns="">
+          <p:sp>
+            <p:nvSpPr>
+              <p:cNvPr id="3" name="Fußzeilenplatzhalter 2"/>
+              <p:cNvSpPr>
+                <a:spLocks noGrp="1" noRot="1" noChangeAspect="1" noMove="1" noResize="1" noEditPoints="1" noAdjustHandles="1" noChangeArrowheads="1" noChangeShapeType="1" noTextEdit="1"/>
+              </p:cNvSpPr>
+              <p:nvPr>
+                <p:ph type="ftr" sz="quarter" idx="3"/>
+              </p:nvPr>
+            </p:nvSpPr>
+            <p:spPr>
+              <a:blipFill>
+                <a:blip r:embed="rId4"/>
+                <a:stretch>
+                  <a:fillRect/>
+                </a:stretch>
+              </a:blipFill>
+            </p:spPr>
+            <p:txBody>
+              <a:bodyPr/>
+              <a:lstStyle/>
+              <a:p>
+                <a:r>
+                  <a:rPr lang="en-US">
+                    <a:noFill/>
+                  </a:rPr>
+                  <a:t> </a:t>
+                </a:r>
+              </a:p>
+            </p:txBody>
+          </p:sp>
+        </mc:Fallback>
+      </mc:AlternateContent>
+      <p:pic>
+        <p:nvPicPr>
+          <p:cNvPr id="7" name="Picture Placeholder 4">
+            <a:extLst>
+              <a:ext uri="{FF2B5EF4-FFF2-40B4-BE49-F238E27FC236}">
+                <a16:creationId xmlns:a16="http://schemas.microsoft.com/office/drawing/2014/main" id="{862FBCA6-8654-EB4E-B8B9-5343706E4A00}"/>
+              </a:ext>
+            </a:extLst>
+          </p:cNvPr>
+          <p:cNvPicPr>
+            <a:picLocks noChangeAspect="1"/>
+          </p:cNvPicPr>
+          <p:nvPr/>
+        </p:nvPicPr>
+        <p:blipFill>
+          <a:blip r:embed="rId5">
+            <a:extLst>
+              <a:ext uri="{28A0092B-C50C-407E-A947-70E740481C1C}">
+                <a14:useLocalDpi xmlns:a14="http://schemas.microsoft.com/office/drawing/2010/main" val="0"/>
+              </a:ext>
+            </a:extLst>
+          </a:blip>
+          <a:srcRect t="20859" b="20859"/>
+          <a:stretch>
+            <a:fillRect/>
+          </a:stretch>
+        </p:blipFill>
+        <p:spPr bwMode="auto">
+          <a:xfrm>
+            <a:off x="5940152" y="6237312"/>
+            <a:ext cx="1330007" cy="564151"/>
+          </a:xfrm>
+          <a:prstGeom prst="rect">
+            <a:avLst/>
+          </a:prstGeom>
+          <a:noFill/>
+          <a:ln>
+            <a:noFill/>
+          </a:ln>
+          <a:extLst>
+            <a:ext uri="{909E8E84-426E-40DD-AFC4-6F175D3DCCD1}">
+              <a14:hiddenFill xmlns:a14="http://schemas.microsoft.com/office/drawing/2010/main">
+                <a:solidFill>
+                  <a:srgbClr val="FFFFFF"/>
+                </a:solidFill>
+              </a14:hiddenFill>
+            </a:ext>
+            <a:ext uri="{91240B29-F687-4F45-9708-019B960494DF}">
+              <a14:hiddenLine xmlns:a14="http://schemas.microsoft.com/office/drawing/2010/main" w="9525">
+                <a:solidFill>
+                  <a:srgbClr val="000000"/>
+                </a:solidFill>
+                <a:miter lim="800000"/>
+                <a:headEnd/>
+                <a:tailEnd/>
+              </a14:hiddenLine>
+            </a:ext>
+          </a:extLst>
+        </p:spPr>
+      </p:pic>
+      <mc:AlternateContent xmlns:mc="http://schemas.openxmlformats.org/markup-compatibility/2006" xmlns:a14="http://schemas.microsoft.com/office/drawing/2010/main">
+        <mc:Choice Requires="a14">
+          <p:sp>
+            <p:nvSpPr>
+              <p:cNvPr id="9" name="Textplatzhalter 3">
+                <a:extLst>
+                  <a:ext uri="{FF2B5EF4-FFF2-40B4-BE49-F238E27FC236}">
+                    <a16:creationId xmlns:a16="http://schemas.microsoft.com/office/drawing/2014/main" id="{F3EEFB1B-111D-4C41-AD6E-93DC76AF89E8}"/>
+                  </a:ext>
+                </a:extLst>
+              </p:cNvPr>
+              <p:cNvSpPr txBox="1">
+                <a:spLocks/>
+              </p:cNvSpPr>
+              <p:nvPr/>
+            </p:nvSpPr>
+            <p:spPr>
+              <a:xfrm>
+                <a:off x="288000" y="1052736"/>
+                <a:ext cx="8532472" cy="5184576"/>
+              </a:xfrm>
+              <a:prstGeom prst="rect">
+                <a:avLst/>
+              </a:prstGeom>
+            </p:spPr>
+            <p:txBody>
+              <a:bodyPr/>
+              <a:lstStyle>
+                <a:lvl1pPr marL="358775" indent="-358775" algn="l" defTabSz="358775" rtl="0" eaLnBrk="0" fontAlgn="base" hangingPunct="0">
+                  <a:spcBef>
+                    <a:spcPct val="0"/>
+                  </a:spcBef>
+                  <a:spcAft>
+                    <a:spcPts val="900"/>
+                  </a:spcAft>
+                  <a:buClr>
+                    <a:schemeClr val="tx2"/>
+                  </a:buClr>
+                  <a:buFont typeface="Wingdings" pitchFamily="2" charset="2"/>
+                  <a:buChar char="n"/>
+                  <a:defRPr>
+                    <a:solidFill>
+                      <a:schemeClr val="tx1"/>
+                    </a:solidFill>
+                    <a:latin typeface="+mn-lt"/>
+                    <a:ea typeface="+mn-ea"/>
+                    <a:cs typeface="+mn-cs"/>
+                  </a:defRPr>
+                </a:lvl1pPr>
+                <a:lvl2pPr marL="719138" indent="-358775" algn="l" defTabSz="358775" rtl="0" eaLnBrk="0" fontAlgn="base" hangingPunct="0">
+                  <a:spcBef>
+                    <a:spcPct val="0"/>
+                  </a:spcBef>
+                  <a:spcAft>
+                    <a:spcPts val="900"/>
+                  </a:spcAft>
+                  <a:buClr>
+                    <a:schemeClr val="bg2"/>
+                  </a:buClr>
+                  <a:buFont typeface="Wingdings" pitchFamily="2" charset="2"/>
+                  <a:buChar char="n"/>
+                  <a:defRPr>
+                    <a:solidFill>
+                      <a:schemeClr val="tx1"/>
+                    </a:solidFill>
+                    <a:latin typeface="+mn-lt"/>
+                  </a:defRPr>
+                </a:lvl2pPr>
+                <a:lvl3pPr marL="1079500" indent="-358775" algn="l" defTabSz="358775" rtl="0" eaLnBrk="0" fontAlgn="base" hangingPunct="0">
+                  <a:spcBef>
+                    <a:spcPct val="0"/>
+                  </a:spcBef>
+                  <a:spcAft>
+                    <a:spcPts val="900"/>
+                  </a:spcAft>
+                  <a:buClr>
+                    <a:schemeClr val="bg2"/>
+                  </a:buClr>
+                  <a:buFont typeface="Wingdings" pitchFamily="2" charset="2"/>
+                  <a:buChar char="n"/>
+                  <a:defRPr>
+                    <a:solidFill>
+                      <a:schemeClr val="tx1"/>
+                    </a:solidFill>
+                    <a:latin typeface="+mn-lt"/>
+                  </a:defRPr>
+                </a:lvl3pPr>
+                <a:lvl4pPr marL="1439863" indent="-358775" algn="l" defTabSz="358775" rtl="0" eaLnBrk="0" fontAlgn="base" hangingPunct="0">
+                  <a:spcBef>
+                    <a:spcPct val="0"/>
+                  </a:spcBef>
+                  <a:spcAft>
+                    <a:spcPts val="900"/>
+                  </a:spcAft>
+                  <a:buClr>
+                    <a:schemeClr val="bg2"/>
+                  </a:buClr>
+                  <a:buFont typeface="Wingdings" pitchFamily="2" charset="2"/>
+                  <a:buChar char="n"/>
+                  <a:defRPr>
+                    <a:solidFill>
+                      <a:schemeClr val="tx1"/>
+                    </a:solidFill>
+                    <a:latin typeface="+mn-lt"/>
+                  </a:defRPr>
+                </a:lvl4pPr>
+                <a:lvl5pPr marL="1798638" indent="-358775" algn="l" defTabSz="358775" rtl="0" eaLnBrk="0" fontAlgn="base" hangingPunct="0">
+                  <a:spcBef>
+                    <a:spcPct val="0"/>
+                  </a:spcBef>
+                  <a:spcAft>
+                    <a:spcPts val="900"/>
+                  </a:spcAft>
+                  <a:buClr>
+                    <a:schemeClr val="bg2"/>
+                  </a:buClr>
+                  <a:buFont typeface="Wingdings" pitchFamily="2" charset="2"/>
+                  <a:buChar char="n"/>
+                  <a:defRPr>
+                    <a:solidFill>
+                      <a:schemeClr val="tx1"/>
+                    </a:solidFill>
+                    <a:latin typeface="+mn-lt"/>
+                  </a:defRPr>
+                </a:lvl5pPr>
+                <a:lvl6pPr marL="1887538" indent="-358775" algn="l" rtl="0" eaLnBrk="1" fontAlgn="base" hangingPunct="1">
+                  <a:spcBef>
+                    <a:spcPct val="0"/>
+                  </a:spcBef>
+                  <a:spcAft>
+                    <a:spcPct val="40000"/>
+                  </a:spcAft>
+                  <a:buClr>
+                    <a:schemeClr val="bg2"/>
+                  </a:buClr>
+                  <a:buFont typeface="Wingdings" pitchFamily="2" charset="2"/>
+                  <a:buChar char="n"/>
+                  <a:defRPr>
+                    <a:solidFill>
+                      <a:schemeClr val="tx1"/>
+                    </a:solidFill>
+                    <a:latin typeface="+mn-lt"/>
+                  </a:defRPr>
+                </a:lvl6pPr>
+                <a:lvl7pPr marL="2344738" indent="-358775" algn="l" rtl="0" eaLnBrk="1" fontAlgn="base" hangingPunct="1">
+                  <a:spcBef>
+                    <a:spcPct val="0"/>
+                  </a:spcBef>
+                  <a:spcAft>
+                    <a:spcPct val="40000"/>
+                  </a:spcAft>
+                  <a:buClr>
+                    <a:schemeClr val="bg2"/>
+                  </a:buClr>
+                  <a:buFont typeface="Wingdings" pitchFamily="2" charset="2"/>
+                  <a:buChar char="n"/>
+                  <a:defRPr>
+                    <a:solidFill>
+                      <a:schemeClr val="tx1"/>
+                    </a:solidFill>
+                    <a:latin typeface="+mn-lt"/>
+                  </a:defRPr>
+                </a:lvl7pPr>
+                <a:lvl8pPr marL="2801938" indent="-358775" algn="l" rtl="0" eaLnBrk="1" fontAlgn="base" hangingPunct="1">
+                  <a:spcBef>
+                    <a:spcPct val="0"/>
+                  </a:spcBef>
+                  <a:spcAft>
+                    <a:spcPct val="40000"/>
+                  </a:spcAft>
+                  <a:buClr>
+                    <a:schemeClr val="bg2"/>
+                  </a:buClr>
+                  <a:buFont typeface="Wingdings" pitchFamily="2" charset="2"/>
+                  <a:buChar char="n"/>
+                  <a:defRPr>
+                    <a:solidFill>
+                      <a:schemeClr val="tx1"/>
+                    </a:solidFill>
+                    <a:latin typeface="+mn-lt"/>
+                  </a:defRPr>
+                </a:lvl8pPr>
+                <a:lvl9pPr marL="3259138" indent="-358775" algn="l" rtl="0" eaLnBrk="1" fontAlgn="base" hangingPunct="1">
+                  <a:spcBef>
+                    <a:spcPct val="0"/>
+                  </a:spcBef>
+                  <a:spcAft>
+                    <a:spcPct val="40000"/>
+                  </a:spcAft>
+                  <a:buClr>
+                    <a:schemeClr val="bg2"/>
+                  </a:buClr>
+                  <a:buFont typeface="Wingdings" pitchFamily="2" charset="2"/>
+                  <a:buChar char="n"/>
+                  <a:defRPr>
+                    <a:solidFill>
+                      <a:schemeClr val="tx1"/>
+                    </a:solidFill>
+                    <a:latin typeface="+mn-lt"/>
+                  </a:defRPr>
+                </a:lvl9pPr>
+              </a:lstStyle>
+              <a:p>
+                <a:r>
+                  <a:rPr lang="en-US" dirty="0"/>
+                  <a:t>Mean identification time </a:t>
+                </a:r>
+                <a:r>
+                  <a:rPr lang="en-US" sz="1600" kern="0" dirty="0"/>
+                  <a:t>comparison using:</a:t>
+                </a:r>
+              </a:p>
+              <a:p>
+                <a:pPr lvl="1"/>
+                <a:r>
+                  <a:rPr lang="en-US" sz="1600" kern="0" dirty="0"/>
+                  <a:t>PHY-layer without collision recovery capability </a:t>
+                </a:r>
+                <a14:m>
+                  <m:oMath xmlns:m="http://schemas.openxmlformats.org/officeDocument/2006/math">
+                    <m:r>
+                      <a:rPr lang="en-US" sz="1600" i="1" kern="0">
+                        <a:latin typeface="Cambria Math"/>
+                      </a:rPr>
+                      <m:t>𝛼</m:t>
+                    </m:r>
+                    <m:r>
+                      <a:rPr lang="en-US" sz="1600" i="1" kern="0">
+                        <a:latin typeface="Cambria Math"/>
+                      </a:rPr>
+                      <m:t>=0</m:t>
+                    </m:r>
+                  </m:oMath>
+                </a14:m>
+                <a:endParaRPr lang="en-US" sz="1600" i="1" kern="0" dirty="0">
+                  <a:cs typeface="Calibri" panose="020F0502020204030204" pitchFamily="34" charset="0"/>
+                </a:endParaRPr>
+              </a:p>
+              <a:p>
+                <a:pPr lvl="1"/>
+                <a:r>
+                  <a:rPr lang="en-US" sz="1600" kern="0" dirty="0"/>
+                  <a:t>PHY-layer with collision recovery capability </a:t>
+                </a:r>
+                <a14:m>
+                  <m:oMath xmlns:m="http://schemas.openxmlformats.org/officeDocument/2006/math">
+                    <m:r>
+                      <a:rPr lang="en-US" sz="1600" i="1" kern="0">
+                        <a:latin typeface="Cambria Math"/>
+                      </a:rPr>
+                      <m:t>𝛼</m:t>
+                    </m:r>
+                    <m:r>
+                      <a:rPr lang="en-US" sz="1600" i="1" kern="0">
+                        <a:latin typeface="Cambria Math"/>
+                      </a:rPr>
+                      <m:t>=0.7</m:t>
+                    </m:r>
+                  </m:oMath>
+                </a14:m>
+                <a:endParaRPr lang="en-US" sz="1600" i="1" kern="0" dirty="0">
+                  <a:cs typeface="Calibri" panose="020F0502020204030204" pitchFamily="34" charset="0"/>
+                </a:endParaRPr>
+              </a:p>
+              <a:p>
+                <a:pPr lvl="1"/>
+                <a:endParaRPr lang="en-US" sz="1600" kern="0" dirty="0"/>
+              </a:p>
+              <a:p>
+                <a:pPr lvl="1"/>
+                <a:endParaRPr lang="en-US" sz="1600" i="1" kern="0" dirty="0">
+                  <a:cs typeface="Calibri" panose="020F0502020204030204" pitchFamily="34" charset="0"/>
+                </a:endParaRPr>
+              </a:p>
+              <a:p>
+                <a:pPr marL="360363" lvl="1" indent="0">
+                  <a:buNone/>
+                </a:pPr>
+                <a:r>
+                  <a:rPr lang="en-US" sz="1600" kern="0" dirty="0"/>
+                  <a:t>	</a:t>
+                </a:r>
+              </a:p>
+              <a:p>
+                <a:pPr marL="0" indent="0">
+                  <a:buNone/>
+                </a:pPr>
+                <a:endParaRPr lang="en-US" sz="1600" kern="0" dirty="0"/>
+              </a:p>
+              <a:p>
+                <a:pPr lvl="2"/>
+                <a:endParaRPr lang="en-US" sz="1600" kern="0" dirty="0"/>
+              </a:p>
+              <a:p>
+                <a:pPr marL="180975" lvl="1" indent="0">
+                  <a:buFont typeface="Wingdings" pitchFamily="2" charset="2"/>
+                  <a:buNone/>
+                </a:pPr>
+                <a:r>
+                  <a:rPr lang="en-US" kern="0" dirty="0"/>
+                  <a:t>												</a:t>
+                </a:r>
+                <a:endParaRPr lang="en-US" sz="1600" kern="0" dirty="0">
+                  <a:solidFill>
+                    <a:schemeClr val="tx2">
+                      <a:lumMod val="50000"/>
+                    </a:schemeClr>
+                  </a:solidFill>
+                </a:endParaRPr>
+              </a:p>
+              <a:p>
+                <a:pPr lvl="5"/>
+                <a:endParaRPr lang="en-US" sz="1600" i="1" kern="0" dirty="0">
+                  <a:solidFill>
+                    <a:schemeClr val="tx2">
+                      <a:lumMod val="50000"/>
+                    </a:schemeClr>
+                  </a:solidFill>
+                  <a:latin typeface="Cambria Math"/>
+                </a:endParaRPr>
+              </a:p>
+              <a:p>
+                <a:pPr lvl="5"/>
+                <a:endParaRPr lang="en-US" kern="0" dirty="0"/>
+              </a:p>
+              <a:p>
+                <a:pPr lvl="2"/>
+                <a:endParaRPr lang="en-US" sz="1600" kern="0" dirty="0"/>
+              </a:p>
+              <a:p>
+                <a:pPr lvl="3"/>
+                <a:endParaRPr lang="en-US" sz="1600" kern="0" dirty="0"/>
+              </a:p>
+              <a:p>
+                <a:pPr marL="683025" lvl="4"/>
+                <a:endParaRPr lang="en-US" sz="1600" kern="0" dirty="0"/>
+              </a:p>
+              <a:p>
+                <a:pPr marL="0" indent="0">
+                  <a:spcAft>
+                    <a:spcPct val="0"/>
+                  </a:spcAft>
+                  <a:buFont typeface="Wingdings" pitchFamily="2" charset="2"/>
+                  <a:buNone/>
+                </a:pPr>
+                <a:br>
+                  <a:rPr lang="en-US" sz="1600" kern="0" dirty="0"/>
+                </a:br>
+                <a:br>
+                  <a:rPr lang="en-US" sz="1600" kern="0" dirty="0"/>
+                </a:br>
+                <a:br>
+                  <a:rPr lang="en-US" sz="1600" kern="0" dirty="0"/>
+                </a:br>
+                <a:br>
+                  <a:rPr lang="en-US" sz="1600" kern="0" dirty="0"/>
+                </a:br>
+                <a:endParaRPr lang="en-US" sz="1100" b="1" kern="0" dirty="0"/>
+              </a:p>
+            </p:txBody>
+          </p:sp>
+        </mc:Choice>
+        <mc:Fallback xmlns="">
+          <p:sp>
+            <p:nvSpPr>
+              <p:cNvPr id="9" name="Textplatzhalter 3">
+                <a:extLst>
+                  <a:ext uri="{FF2B5EF4-FFF2-40B4-BE49-F238E27FC236}">
+                    <a16:creationId xmlns:a16="http://schemas.microsoft.com/office/drawing/2014/main" id="{F3EEFB1B-111D-4C41-AD6E-93DC76AF89E8}"/>
+                  </a:ext>
+                </a:extLst>
+              </p:cNvPr>
+              <p:cNvSpPr txBox="1">
+                <a:spLocks noRot="1" noChangeAspect="1" noMove="1" noResize="1" noEditPoints="1" noAdjustHandles="1" noChangeArrowheads="1" noChangeShapeType="1" noTextEdit="1"/>
+              </p:cNvSpPr>
+              <p:nvPr/>
+            </p:nvSpPr>
+            <p:spPr>
+              <a:xfrm>
+                <a:off x="288000" y="1052736"/>
+                <a:ext cx="8532472" cy="5184576"/>
+              </a:xfrm>
+              <a:prstGeom prst="rect">
+                <a:avLst/>
+              </a:prstGeom>
+              <a:blipFill>
+                <a:blip r:embed="rId6"/>
+                <a:stretch>
+                  <a:fillRect l="-446" t="-489"/>
+                </a:stretch>
+              </a:blipFill>
+            </p:spPr>
+            <p:txBody>
+              <a:bodyPr/>
+              <a:lstStyle/>
+              <a:p>
+                <a:r>
+                  <a:rPr lang="en-US">
+                    <a:noFill/>
+                  </a:rPr>
+                  <a:t> </a:t>
+                </a:r>
+              </a:p>
+            </p:txBody>
+          </p:sp>
+        </mc:Fallback>
+      </mc:AlternateContent>
+      <p:graphicFrame>
+        <p:nvGraphicFramePr>
+          <p:cNvPr id="18" name="Diagramm 69">
+            <a:extLst>
+              <a:ext uri="{FF2B5EF4-FFF2-40B4-BE49-F238E27FC236}">
+                <a16:creationId xmlns:a16="http://schemas.microsoft.com/office/drawing/2014/main" id="{1E5DE6DD-106F-A948-A36B-260C330A74EE}"/>
+              </a:ext>
+            </a:extLst>
+          </p:cNvPr>
+          <p:cNvGraphicFramePr>
+            <a:graphicFrameLocks/>
+          </p:cNvGraphicFramePr>
+          <p:nvPr/>
+        </p:nvGraphicFramePr>
+        <p:xfrm>
+          <a:off x="466725" y="2348881"/>
+          <a:ext cx="3927636" cy="3672408"/>
+        </p:xfrm>
+        <a:graphic>
+          <a:graphicData uri="http://schemas.openxmlformats.org/drawingml/2006/chart">
+            <c:chart xmlns:c="http://schemas.openxmlformats.org/drawingml/2006/chart" xmlns:r="http://schemas.openxmlformats.org/officeDocument/2006/relationships" r:id="rId7"/>
+          </a:graphicData>
+        </a:graphic>
+      </p:graphicFrame>
+      <p:graphicFrame>
+        <p:nvGraphicFramePr>
+          <p:cNvPr id="19" name="Diagramm 6">
+            <a:extLst>
+              <a:ext uri="{FF2B5EF4-FFF2-40B4-BE49-F238E27FC236}">
+                <a16:creationId xmlns:a16="http://schemas.microsoft.com/office/drawing/2014/main" id="{1A7E399D-9F81-0649-8854-E83D2FC18FA0}"/>
+              </a:ext>
+            </a:extLst>
+          </p:cNvPr>
+          <p:cNvGraphicFramePr>
+            <a:graphicFrameLocks/>
+          </p:cNvGraphicFramePr>
+          <p:nvPr>
+            <p:extLst>
+              <p:ext uri="{D42A27DB-BD31-4B8C-83A1-F6EECF244321}">
+                <p14:modId xmlns:p14="http://schemas.microsoft.com/office/powerpoint/2010/main" val="1884222464"/>
+              </p:ext>
+            </p:extLst>
+          </p:nvPr>
+        </p:nvGraphicFramePr>
+        <p:xfrm>
+          <a:off x="4538823" y="2348881"/>
+          <a:ext cx="4105275" cy="3672407"/>
+        </p:xfrm>
+        <a:graphic>
+          <a:graphicData uri="http://schemas.openxmlformats.org/drawingml/2006/chart">
+            <c:chart xmlns:c="http://schemas.openxmlformats.org/drawingml/2006/chart" xmlns:r="http://schemas.openxmlformats.org/officeDocument/2006/relationships" r:id="rId8"/>
+          </a:graphicData>
+        </a:graphic>
+      </p:graphicFrame>
+      <mc:AlternateContent xmlns:mc="http://schemas.openxmlformats.org/markup-compatibility/2006" xmlns:a14="http://schemas.microsoft.com/office/drawing/2010/main">
+        <mc:Choice Requires="a14">
+          <p:sp>
+            <p:nvSpPr>
+              <p:cNvPr id="22" name="TextBox 21">
+                <a:extLst>
+                  <a:ext uri="{FF2B5EF4-FFF2-40B4-BE49-F238E27FC236}">
+                    <a16:creationId xmlns:a16="http://schemas.microsoft.com/office/drawing/2014/main" id="{F1089588-4BAC-9E42-AAEA-873E8B98796C}"/>
+                  </a:ext>
+                </a:extLst>
+              </p:cNvPr>
+              <p:cNvSpPr txBox="1"/>
+              <p:nvPr/>
+            </p:nvSpPr>
+            <p:spPr>
+              <a:xfrm>
+                <a:off x="557136" y="5421124"/>
+                <a:ext cx="1983043" cy="600164"/>
+              </a:xfrm>
+              <a:prstGeom prst="rect">
+                <a:avLst/>
+              </a:prstGeom>
+              <a:noFill/>
+            </p:spPr>
+            <p:txBody>
+              <a:bodyPr wrap="none" rtlCol="0">
+                <a:spAutoFit/>
+              </a:bodyPr>
+              <a:lstStyle/>
+              <a:p>
+                <a:pPr marL="171450" indent="-171450">
+                  <a:buFont typeface="Wingdings" pitchFamily="2" charset="2"/>
+                  <a:buChar char="§"/>
+                </a:pPr>
+                <a14:m>
+                  <m:oMath xmlns:m="http://schemas.openxmlformats.org/officeDocument/2006/math">
+                    <m:r>
+                      <a:rPr lang="el-GR" sz="1100" i="1" kern="0" smtClean="0">
+                        <a:latin typeface="Cambria Math" panose="02040503050406030204" pitchFamily="18" charset="0"/>
+                        <a:ea typeface="Cambria Math" panose="02040503050406030204" pitchFamily="18" charset="0"/>
+                      </a:rPr>
+                      <m:t>𝜏</m:t>
+                    </m:r>
+                  </m:oMath>
+                </a14:m>
+                <a:r>
+                  <a:rPr lang="en-US" sz="1100" dirty="0">
+                    <a:latin typeface="+mj-lt"/>
+                  </a:rPr>
+                  <a:t>: Mean identification time</a:t>
+                </a:r>
+              </a:p>
+              <a:p>
+                <a:pPr marL="171450" indent="-171450">
+                  <a:buFont typeface="Wingdings" pitchFamily="2" charset="2"/>
+                  <a:buChar char="§"/>
+                </a:pPr>
+                <a14:m>
+                  <m:oMath xmlns:m="http://schemas.openxmlformats.org/officeDocument/2006/math">
+                    <m:r>
+                      <a:rPr lang="en-US" sz="1100" i="1" dirty="0" smtClean="0">
+                        <a:latin typeface="Cambria Math" panose="02040503050406030204" pitchFamily="18" charset="0"/>
+                      </a:rPr>
+                      <m:t>𝑛</m:t>
+                    </m:r>
+                  </m:oMath>
+                </a14:m>
+                <a:r>
+                  <a:rPr lang="en-US" sz="1100" dirty="0">
+                    <a:latin typeface="+mj-lt"/>
+                  </a:rPr>
+                  <a:t>: Actual number of tags</a:t>
+                </a:r>
+              </a:p>
+              <a:p>
+                <a:pPr marL="171450" indent="-171450">
+                  <a:buFont typeface="Wingdings" pitchFamily="2" charset="2"/>
+                  <a:buChar char="§"/>
+                </a:pPr>
+                <a14:m>
+                  <m:oMath xmlns:m="http://schemas.openxmlformats.org/officeDocument/2006/math">
+                    <m:r>
+                      <a:rPr lang="en-US" sz="1100" i="1" dirty="0" smtClean="0">
+                        <a:latin typeface="Cambria Math" panose="02040503050406030204" pitchFamily="18" charset="0"/>
+                      </a:rPr>
+                      <m:t>𝐿</m:t>
+                    </m:r>
+                  </m:oMath>
+                </a14:m>
+                <a:r>
+                  <a:rPr lang="en-US" sz="1100" dirty="0">
+                    <a:latin typeface="+mj-lt"/>
+                  </a:rPr>
+                  <a:t>: current frame length </a:t>
+                </a:r>
+              </a:p>
+            </p:txBody>
+          </p:sp>
+        </mc:Choice>
+        <mc:Fallback xmlns="">
+          <p:sp>
+            <p:nvSpPr>
+              <p:cNvPr id="22" name="TextBox 21">
+                <a:extLst>
+                  <a:ext uri="{FF2B5EF4-FFF2-40B4-BE49-F238E27FC236}">
+                    <a16:creationId xmlns:a16="http://schemas.microsoft.com/office/drawing/2014/main" id="{F1089588-4BAC-9E42-AAEA-873E8B98796C}"/>
+                  </a:ext>
+                </a:extLst>
+              </p:cNvPr>
+              <p:cNvSpPr txBox="1">
+                <a:spLocks noRot="1" noChangeAspect="1" noMove="1" noResize="1" noEditPoints="1" noAdjustHandles="1" noChangeArrowheads="1" noChangeShapeType="1" noTextEdit="1"/>
+              </p:cNvSpPr>
+              <p:nvPr/>
+            </p:nvSpPr>
+            <p:spPr>
+              <a:xfrm>
+                <a:off x="557136" y="5421124"/>
+                <a:ext cx="1983043" cy="600164"/>
+              </a:xfrm>
+              <a:prstGeom prst="rect">
+                <a:avLst/>
+              </a:prstGeom>
+              <a:blipFill>
+                <a:blip r:embed="rId9"/>
+                <a:stretch>
+                  <a:fillRect b="-6250"/>
+                </a:stretch>
+              </a:blipFill>
+            </p:spPr>
+            <p:txBody>
+              <a:bodyPr/>
+              <a:lstStyle/>
+              <a:p>
+                <a:r>
+                  <a:rPr lang="en-US">
+                    <a:noFill/>
+                  </a:rPr>
+                  <a:t> </a:t>
+                </a:r>
+              </a:p>
+            </p:txBody>
+          </p:sp>
+        </mc:Fallback>
+      </mc:AlternateContent>
+      <p:pic>
+        <p:nvPicPr>
+          <p:cNvPr id="5" name="Picture 4">
+            <a:extLst>
+              <a:ext uri="{FF2B5EF4-FFF2-40B4-BE49-F238E27FC236}">
+                <a16:creationId xmlns:a16="http://schemas.microsoft.com/office/drawing/2014/main" id="{DFC3CCCC-3917-FB4C-87D1-0B8F502E59B4}"/>
+              </a:ext>
+            </a:extLst>
+          </p:cNvPr>
+          <p:cNvPicPr>
+            <a:picLocks noChangeAspect="1"/>
+          </p:cNvPicPr>
+          <p:nvPr/>
+        </p:nvPicPr>
+        <p:blipFill>
+          <a:blip r:embed="rId10">
+            <a:extLst>
+              <a:ext uri="{28A0092B-C50C-407E-A947-70E740481C1C}">
+                <a14:useLocalDpi xmlns:a14="http://schemas.microsoft.com/office/drawing/2010/main" val="0"/>
+              </a:ext>
+            </a:extLst>
+          </a:blip>
+          <a:stretch>
+            <a:fillRect/>
+          </a:stretch>
+        </p:blipFill>
+        <p:spPr>
+          <a:xfrm>
+            <a:off x="502213" y="2684567"/>
+            <a:ext cx="3819101" cy="2742268"/>
+          </a:xfrm>
+          <a:prstGeom prst="rect">
+            <a:avLst/>
+          </a:prstGeom>
+        </p:spPr>
+      </p:pic>
+      <p:pic>
+        <p:nvPicPr>
+          <p:cNvPr id="10" name="Picture 9">
+            <a:extLst>
+              <a:ext uri="{FF2B5EF4-FFF2-40B4-BE49-F238E27FC236}">
+                <a16:creationId xmlns:a16="http://schemas.microsoft.com/office/drawing/2014/main" id="{E7B5A39B-24F2-0D43-8DBD-0F6D6B7A306E}"/>
+              </a:ext>
+            </a:extLst>
+          </p:cNvPr>
+          <p:cNvPicPr>
+            <a:picLocks noChangeAspect="1"/>
+          </p:cNvPicPr>
+          <p:nvPr/>
+        </p:nvPicPr>
+        <p:blipFill>
+          <a:blip r:embed="rId11">
+            <a:extLst>
+              <a:ext uri="{28A0092B-C50C-407E-A947-70E740481C1C}">
+                <a14:useLocalDpi xmlns:a14="http://schemas.microsoft.com/office/drawing/2010/main" val="0"/>
+              </a:ext>
+            </a:extLst>
+          </a:blip>
+          <a:stretch>
+            <a:fillRect/>
+          </a:stretch>
+        </p:blipFill>
+        <p:spPr>
+          <a:xfrm>
+            <a:off x="4647832" y="2684567"/>
+            <a:ext cx="3887256" cy="2768600"/>
+          </a:xfrm>
+          <a:prstGeom prst="rect">
+            <a:avLst/>
+          </a:prstGeom>
+        </p:spPr>
+      </p:pic>
+    </p:spTree>
+    <p:extLst>
+      <p:ext uri="{BB962C8B-B14F-4D97-AF65-F5344CB8AC3E}">
+        <p14:creationId xmlns:p14="http://schemas.microsoft.com/office/powerpoint/2010/main" val="1572571660"/>
+      </p:ext>
+    </p:extLst>
+  </p:cSld>
+  <p:clrMapOvr>
+    <a:masterClrMapping/>
+  </p:clrMapOvr>
+</p:sld>
+</file>
+
+<file path=ppt/slides/slide15.xml><?xml version="1.0" encoding="utf-8"?>
+<p:sld xmlns:a="http://schemas.openxmlformats.org/drawingml/2006/main" xmlns:r="http://schemas.openxmlformats.org/officeDocument/2006/relationships" xmlns:p="http://schemas.openxmlformats.org/presentationml/2006/main">
+  <p:cSld>
+    <p:spTree>
+      <p:nvGrpSpPr>
+        <p:cNvPr id="1" name=""/>
+        <p:cNvGrpSpPr/>
+        <p:nvPr/>
+      </p:nvGrpSpPr>
+      <p:grpSpPr>
+        <a:xfrm>
+          <a:off x="0" y="0"/>
+          <a:ext cx="0" cy="0"/>
+          <a:chOff x="0" y="0"/>
+          <a:chExt cx="0" cy="0"/>
+        </a:xfrm>
+      </p:grpSpPr>
+      <p:sp>
+        <p:nvSpPr>
+          <p:cNvPr id="8" name="Titel 7"/>
+          <p:cNvSpPr>
+            <a:spLocks noGrp="1"/>
+          </p:cNvSpPr>
+          <p:nvPr>
+            <p:ph type="title"/>
+          </p:nvPr>
+        </p:nvSpPr>
+        <p:spPr>
+          <a:xfrm>
+            <a:off x="466725" y="334800"/>
+            <a:ext cx="8208000" cy="369332"/>
+          </a:xfrm>
+        </p:spPr>
+        <p:txBody>
+          <a:bodyPr/>
+          <a:lstStyle/>
+          <a:p>
+            <a:pPr lvl="1"/>
+            <a:r>
+              <a:rPr lang="en-US" dirty="0"/>
+              <a:t>Time Aware System</a:t>
+            </a:r>
+          </a:p>
+        </p:txBody>
+      </p:sp>
+      <p:pic>
+        <p:nvPicPr>
+          <p:cNvPr id="11" name="Picture Placeholder 10">
+            <a:extLst>
+              <a:ext uri="{FF2B5EF4-FFF2-40B4-BE49-F238E27FC236}">
+                <a16:creationId xmlns:a16="http://schemas.microsoft.com/office/drawing/2014/main" id="{5A0D3CB2-E0E6-284D-B358-2D0FC1F909EA}"/>
+              </a:ext>
+            </a:extLst>
+          </p:cNvPr>
+          <p:cNvPicPr>
+            <a:picLocks noGrp="1" noChangeAspect="1"/>
+          </p:cNvPicPr>
+          <p:nvPr>
+            <p:ph type="pic" sz="quarter" idx="11"/>
+          </p:nvPr>
+        </p:nvPicPr>
+        <p:blipFill>
+          <a:blip r:embed="rId2">
+            <a:extLst>
+              <a:ext uri="{28A0092B-C50C-407E-A947-70E740481C1C}">
+                <a14:useLocalDpi xmlns:a14="http://schemas.microsoft.com/office/drawing/2010/main" val="0"/>
+              </a:ext>
+            </a:extLst>
+          </a:blip>
+          <a:srcRect l="7889" r="7889"/>
+          <a:stretch>
+            <a:fillRect/>
+          </a:stretch>
+        </p:blipFill>
+        <p:spPr>
+          <a:xfrm>
+            <a:off x="7524750" y="100013"/>
+            <a:ext cx="1149350" cy="906462"/>
+          </a:xfrm>
+        </p:spPr>
+      </p:pic>
+      <p:sp>
+        <p:nvSpPr>
+          <p:cNvPr id="2" name="Datumsplatzhalter 1"/>
+          <p:cNvSpPr>
+            <a:spLocks noGrp="1"/>
+          </p:cNvSpPr>
+          <p:nvPr>
+            <p:ph type="dt" sz="half" idx="2"/>
+          </p:nvPr>
+        </p:nvSpPr>
+        <p:spPr/>
+        <p:txBody>
+          <a:bodyPr/>
+          <a:lstStyle/>
+          <a:p>
+            <a:fld id="{B6D6825A-82F5-3A4F-9E8F-D3A513A73C6B}" type="datetime3">
+              <a:rPr lang="de-DE" smtClean="0"/>
+              <a:t>11/03/2018</a:t>
+            </a:fld>
+            <a:endParaRPr lang="de-DE"/>
+          </a:p>
+        </p:txBody>
+      </p:sp>
+      <p:sp>
+        <p:nvSpPr>
+          <p:cNvPr id="3" name="Fußzeilenplatzhalter 2"/>
+          <p:cNvSpPr>
+            <a:spLocks noGrp="1"/>
+          </p:cNvSpPr>
+          <p:nvPr>
+            <p:ph type="ftr" sz="quarter" idx="3"/>
+          </p:nvPr>
+        </p:nvSpPr>
+        <p:spPr/>
+        <p:txBody>
+          <a:bodyPr/>
+          <a:lstStyle/>
+          <a:p>
+            <a:r>
+              <a:rPr lang="de-DE"/>
+              <a:t>Hazem Elsaid Ibrahim | PhD Dissertation</a:t>
+            </a:r>
+          </a:p>
+        </p:txBody>
+      </p:sp>
+      <p:pic>
+        <p:nvPicPr>
+          <p:cNvPr id="7" name="Picture Placeholder 4">
+            <a:extLst>
+              <a:ext uri="{FF2B5EF4-FFF2-40B4-BE49-F238E27FC236}">
+                <a16:creationId xmlns:a16="http://schemas.microsoft.com/office/drawing/2014/main" id="{862FBCA6-8654-EB4E-B8B9-5343706E4A00}"/>
+              </a:ext>
+            </a:extLst>
+          </p:cNvPr>
+          <p:cNvPicPr>
+            <a:picLocks noChangeAspect="1"/>
+          </p:cNvPicPr>
+          <p:nvPr/>
+        </p:nvPicPr>
+        <p:blipFill>
+          <a:blip r:embed="rId3">
+            <a:extLst>
+              <a:ext uri="{28A0092B-C50C-407E-A947-70E740481C1C}">
+                <a14:useLocalDpi xmlns:a14="http://schemas.microsoft.com/office/drawing/2010/main" val="0"/>
+              </a:ext>
+            </a:extLst>
+          </a:blip>
+          <a:srcRect t="20859" b="20859"/>
+          <a:stretch>
+            <a:fillRect/>
+          </a:stretch>
+        </p:blipFill>
+        <p:spPr bwMode="auto">
+          <a:xfrm>
+            <a:off x="5940152" y="6237312"/>
+            <a:ext cx="1330007" cy="564151"/>
+          </a:xfrm>
+          <a:prstGeom prst="rect">
+            <a:avLst/>
+          </a:prstGeom>
+          <a:noFill/>
+          <a:ln>
+            <a:noFill/>
+          </a:ln>
+          <a:extLst>
+            <a:ext uri="{909E8E84-426E-40DD-AFC4-6F175D3DCCD1}">
+              <a14:hiddenFill xmlns:a14="http://schemas.microsoft.com/office/drawing/2010/main">
+                <a:solidFill>
+                  <a:srgbClr val="FFFFFF"/>
+                </a:solidFill>
+              </a14:hiddenFill>
+            </a:ext>
+            <a:ext uri="{91240B29-F687-4F45-9708-019B960494DF}">
+              <a14:hiddenLine xmlns:a14="http://schemas.microsoft.com/office/drawing/2010/main" w="9525">
+                <a:solidFill>
+                  <a:srgbClr val="000000"/>
+                </a:solidFill>
+                <a:miter lim="800000"/>
+                <a:headEnd/>
+                <a:tailEnd/>
+              </a14:hiddenLine>
+            </a:ext>
+          </a:extLst>
+        </p:spPr>
+      </p:pic>
+      <mc:AlternateContent xmlns:mc="http://schemas.openxmlformats.org/markup-compatibility/2006">
+        <mc:Choice xmlns:a14="http://schemas.microsoft.com/office/drawing/2010/main" Requires="a14">
+          <p:sp>
+            <p:nvSpPr>
+              <p:cNvPr id="9" name="Textplatzhalter 3">
+                <a:extLst>
+                  <a:ext uri="{FF2B5EF4-FFF2-40B4-BE49-F238E27FC236}">
+                    <a16:creationId xmlns:a16="http://schemas.microsoft.com/office/drawing/2014/main" id="{A00ADAC4-E10F-9A48-BDDB-3B39F77600CE}"/>
+                  </a:ext>
+                </a:extLst>
+              </p:cNvPr>
+              <p:cNvSpPr txBox="1">
+                <a:spLocks/>
+              </p:cNvSpPr>
+              <p:nvPr/>
+            </p:nvSpPr>
+            <p:spPr>
+              <a:xfrm>
+                <a:off x="288000" y="1052736"/>
+                <a:ext cx="8568000" cy="5184576"/>
+              </a:xfrm>
+              <a:prstGeom prst="rect">
+                <a:avLst/>
+              </a:prstGeom>
+            </p:spPr>
+            <p:txBody>
+              <a:bodyPr/>
+              <a:lstStyle>
+                <a:lvl1pPr marL="358775" indent="-358775" algn="l" defTabSz="358775" rtl="0" eaLnBrk="0" fontAlgn="base" hangingPunct="0">
+                  <a:spcBef>
+                    <a:spcPct val="0"/>
+                  </a:spcBef>
+                  <a:spcAft>
+                    <a:spcPts val="900"/>
+                  </a:spcAft>
+                  <a:buClr>
+                    <a:schemeClr val="tx2"/>
+                  </a:buClr>
+                  <a:buFont typeface="Wingdings" pitchFamily="2" charset="2"/>
+                  <a:buChar char="n"/>
+                  <a:defRPr>
+                    <a:solidFill>
+                      <a:schemeClr val="tx1"/>
+                    </a:solidFill>
+                    <a:latin typeface="+mn-lt"/>
+                    <a:ea typeface="+mn-ea"/>
+                    <a:cs typeface="+mn-cs"/>
+                  </a:defRPr>
+                </a:lvl1pPr>
+                <a:lvl2pPr marL="719138" indent="-358775" algn="l" defTabSz="358775" rtl="0" eaLnBrk="0" fontAlgn="base" hangingPunct="0">
+                  <a:spcBef>
+                    <a:spcPct val="0"/>
+                  </a:spcBef>
+                  <a:spcAft>
+                    <a:spcPts val="900"/>
+                  </a:spcAft>
+                  <a:buClr>
+                    <a:schemeClr val="bg2"/>
+                  </a:buClr>
+                  <a:buFont typeface="Wingdings" pitchFamily="2" charset="2"/>
+                  <a:buChar char="n"/>
+                  <a:defRPr>
+                    <a:solidFill>
+                      <a:schemeClr val="tx1"/>
+                    </a:solidFill>
+                    <a:latin typeface="+mn-lt"/>
+                  </a:defRPr>
+                </a:lvl2pPr>
+                <a:lvl3pPr marL="1079500" indent="-358775" algn="l" defTabSz="358775" rtl="0" eaLnBrk="0" fontAlgn="base" hangingPunct="0">
+                  <a:spcBef>
+                    <a:spcPct val="0"/>
+                  </a:spcBef>
+                  <a:spcAft>
+                    <a:spcPts val="900"/>
+                  </a:spcAft>
+                  <a:buClr>
+                    <a:schemeClr val="bg2"/>
+                  </a:buClr>
+                  <a:buFont typeface="Wingdings" pitchFamily="2" charset="2"/>
+                  <a:buChar char="n"/>
+                  <a:defRPr>
+                    <a:solidFill>
+                      <a:schemeClr val="tx1"/>
+                    </a:solidFill>
+                    <a:latin typeface="+mn-lt"/>
+                  </a:defRPr>
+                </a:lvl3pPr>
+                <a:lvl4pPr marL="1439863" indent="-358775" algn="l" defTabSz="358775" rtl="0" eaLnBrk="0" fontAlgn="base" hangingPunct="0">
+                  <a:spcBef>
+                    <a:spcPct val="0"/>
+                  </a:spcBef>
+                  <a:spcAft>
+                    <a:spcPts val="900"/>
+                  </a:spcAft>
+                  <a:buClr>
+                    <a:schemeClr val="bg2"/>
+                  </a:buClr>
+                  <a:buFont typeface="Wingdings" pitchFamily="2" charset="2"/>
+                  <a:buChar char="n"/>
+                  <a:defRPr>
+                    <a:solidFill>
+                      <a:schemeClr val="tx1"/>
+                    </a:solidFill>
+                    <a:latin typeface="+mn-lt"/>
+                  </a:defRPr>
+                </a:lvl4pPr>
+                <a:lvl5pPr marL="1798638" indent="-358775" algn="l" defTabSz="358775" rtl="0" eaLnBrk="0" fontAlgn="base" hangingPunct="0">
+                  <a:spcBef>
+                    <a:spcPct val="0"/>
+                  </a:spcBef>
+                  <a:spcAft>
+                    <a:spcPts val="900"/>
+                  </a:spcAft>
+                  <a:buClr>
+                    <a:schemeClr val="bg2"/>
+                  </a:buClr>
+                  <a:buFont typeface="Wingdings" pitchFamily="2" charset="2"/>
+                  <a:buChar char="n"/>
+                  <a:defRPr>
+                    <a:solidFill>
+                      <a:schemeClr val="tx1"/>
+                    </a:solidFill>
+                    <a:latin typeface="+mn-lt"/>
+                  </a:defRPr>
+                </a:lvl5pPr>
+                <a:lvl6pPr marL="1887538" indent="-358775" algn="l" rtl="0" eaLnBrk="1" fontAlgn="base" hangingPunct="1">
+                  <a:spcBef>
+                    <a:spcPct val="0"/>
+                  </a:spcBef>
+                  <a:spcAft>
+                    <a:spcPct val="40000"/>
+                  </a:spcAft>
+                  <a:buClr>
+                    <a:schemeClr val="bg2"/>
+                  </a:buClr>
+                  <a:buFont typeface="Wingdings" pitchFamily="2" charset="2"/>
+                  <a:buChar char="n"/>
+                  <a:defRPr>
+                    <a:solidFill>
+                      <a:schemeClr val="tx1"/>
+                    </a:solidFill>
+                    <a:latin typeface="+mn-lt"/>
+                  </a:defRPr>
+                </a:lvl6pPr>
+                <a:lvl7pPr marL="2344738" indent="-358775" algn="l" rtl="0" eaLnBrk="1" fontAlgn="base" hangingPunct="1">
+                  <a:spcBef>
+                    <a:spcPct val="0"/>
+                  </a:spcBef>
+                  <a:spcAft>
+                    <a:spcPct val="40000"/>
+                  </a:spcAft>
+                  <a:buClr>
+                    <a:schemeClr val="bg2"/>
+                  </a:buClr>
+                  <a:buFont typeface="Wingdings" pitchFamily="2" charset="2"/>
+                  <a:buChar char="n"/>
+                  <a:defRPr>
+                    <a:solidFill>
+                      <a:schemeClr val="tx1"/>
+                    </a:solidFill>
+                    <a:latin typeface="+mn-lt"/>
+                  </a:defRPr>
+                </a:lvl7pPr>
+                <a:lvl8pPr marL="2801938" indent="-358775" algn="l" rtl="0" eaLnBrk="1" fontAlgn="base" hangingPunct="1">
+                  <a:spcBef>
+                    <a:spcPct val="0"/>
+                  </a:spcBef>
+                  <a:spcAft>
+                    <a:spcPct val="40000"/>
+                  </a:spcAft>
+                  <a:buClr>
+                    <a:schemeClr val="bg2"/>
+                  </a:buClr>
+                  <a:buFont typeface="Wingdings" pitchFamily="2" charset="2"/>
+                  <a:buChar char="n"/>
+                  <a:defRPr>
+                    <a:solidFill>
+                      <a:schemeClr val="tx1"/>
+                    </a:solidFill>
+                    <a:latin typeface="+mn-lt"/>
+                  </a:defRPr>
+                </a:lvl8pPr>
+                <a:lvl9pPr marL="3259138" indent="-358775" algn="l" rtl="0" eaLnBrk="1" fontAlgn="base" hangingPunct="1">
+                  <a:spcBef>
+                    <a:spcPct val="0"/>
+                  </a:spcBef>
+                  <a:spcAft>
+                    <a:spcPct val="40000"/>
+                  </a:spcAft>
+                  <a:buClr>
+                    <a:schemeClr val="bg2"/>
+                  </a:buClr>
+                  <a:buFont typeface="Wingdings" pitchFamily="2" charset="2"/>
+                  <a:buChar char="n"/>
+                  <a:defRPr>
+                    <a:solidFill>
+                      <a:schemeClr val="tx1"/>
+                    </a:solidFill>
+                    <a:latin typeface="+mn-lt"/>
+                  </a:defRPr>
+                </a:lvl9pPr>
+              </a:lstStyle>
+              <a:p>
+                <a:r>
+                  <a:rPr lang="en-US" sz="1600" kern="0" dirty="0"/>
+                  <a:t>Reading efficiency:</a:t>
+                </a:r>
+              </a:p>
+              <a:p>
+                <a:pPr lvl="1"/>
+                <a14:m>
+                  <m:oMath xmlns:m="http://schemas.openxmlformats.org/officeDocument/2006/math">
+                    <m:sSub>
+                      <m:sSubPr>
+                        <m:ctrlPr>
+                          <a:rPr lang="en-US" sz="1600" i="1" kern="0">
+                            <a:solidFill>
+                              <a:srgbClr val="000364"/>
+                            </a:solidFill>
+                            <a:latin typeface="Cambria Math" panose="02040503050406030204" pitchFamily="18" charset="0"/>
+                            <a:ea typeface="Cambria Math"/>
+                          </a:rPr>
+                        </m:ctrlPr>
+                      </m:sSubPr>
+                      <m:e>
+                        <m:r>
+                          <a:rPr lang="en-US" sz="1600" i="1" kern="0">
+                            <a:solidFill>
+                              <a:srgbClr val="000364"/>
+                            </a:solidFill>
+                            <a:latin typeface="Cambria Math"/>
+                            <a:ea typeface="Cambria Math"/>
+                          </a:rPr>
+                          <m:t>𝜂</m:t>
+                        </m:r>
+                      </m:e>
+                      <m:sub>
+                        <m:r>
+                          <a:rPr lang="de-DE" sz="1600" i="1" kern="0">
+                            <a:solidFill>
+                              <a:srgbClr val="000364"/>
+                            </a:solidFill>
+                            <a:latin typeface="Cambria Math"/>
+                            <a:ea typeface="Cambria Math"/>
+                          </a:rPr>
+                          <m:t>𝑇𝐴</m:t>
+                        </m:r>
+                      </m:sub>
+                    </m:sSub>
+                    <m:r>
+                      <a:rPr lang="de-DE" sz="1600" i="1" kern="0">
+                        <a:solidFill>
+                          <a:srgbClr val="000364"/>
+                        </a:solidFill>
+                        <a:latin typeface="Cambria Math"/>
+                        <a:ea typeface="Cambria Math"/>
+                      </a:rPr>
+                      <m:t>=</m:t>
+                    </m:r>
+                    <m:f>
+                      <m:fPr>
+                        <m:ctrlPr>
+                          <a:rPr lang="de-DE" sz="1600" i="1" kern="0">
+                            <a:solidFill>
+                              <a:srgbClr val="000364"/>
+                            </a:solidFill>
+                            <a:latin typeface="Cambria Math" panose="02040503050406030204" pitchFamily="18" charset="0"/>
+                            <a:ea typeface="Cambria Math"/>
+                          </a:rPr>
+                        </m:ctrlPr>
+                      </m:fPr>
+                      <m:num>
+                        <m:sSub>
+                          <m:sSubPr>
+                            <m:ctrlPr>
+                              <a:rPr lang="de-DE" sz="1600" i="1" kern="0">
+                                <a:solidFill>
+                                  <a:srgbClr val="000364"/>
+                                </a:solidFill>
+                                <a:latin typeface="Cambria Math" panose="02040503050406030204" pitchFamily="18" charset="0"/>
+                                <a:ea typeface="Cambria Math"/>
+                              </a:rPr>
+                            </m:ctrlPr>
+                          </m:sSubPr>
+                          <m:e>
+                            <m:r>
+                              <a:rPr lang="de-DE" sz="1600" i="1" kern="0">
+                                <a:solidFill>
+                                  <a:srgbClr val="000364"/>
+                                </a:solidFill>
+                                <a:latin typeface="Cambria Math"/>
+                                <a:ea typeface="Cambria Math"/>
+                              </a:rPr>
+                              <m:t>𝑁</m:t>
+                            </m:r>
+                          </m:e>
+                          <m:sub>
+                            <m:r>
+                              <a:rPr lang="de-DE" sz="1600" i="1" kern="0">
+                                <a:solidFill>
+                                  <a:srgbClr val="000364"/>
+                                </a:solidFill>
+                                <a:latin typeface="Cambria Math"/>
+                                <a:ea typeface="Cambria Math"/>
+                              </a:rPr>
+                              <m:t>𝑠</m:t>
+                            </m:r>
+                          </m:sub>
+                        </m:sSub>
+                        <m:r>
+                          <a:rPr lang="de-DE" sz="1600" i="1" kern="0">
+                            <a:solidFill>
+                              <a:srgbClr val="000364"/>
+                            </a:solidFill>
+                            <a:latin typeface="Cambria Math"/>
+                            <a:ea typeface="Cambria Math"/>
+                          </a:rPr>
+                          <m:t>⋅</m:t>
+                        </m:r>
+                        <m:sSub>
+                          <m:sSubPr>
+                            <m:ctrlPr>
+                              <a:rPr lang="de-DE" sz="1600" i="1" kern="0">
+                                <a:solidFill>
+                                  <a:srgbClr val="000364"/>
+                                </a:solidFill>
+                                <a:latin typeface="Cambria Math" panose="02040503050406030204" pitchFamily="18" charset="0"/>
+                                <a:ea typeface="Cambria Math"/>
+                              </a:rPr>
+                            </m:ctrlPr>
+                          </m:sSubPr>
+                          <m:e>
+                            <m:r>
+                              <a:rPr lang="de-DE" sz="1600" i="1" kern="0">
+                                <a:solidFill>
+                                  <a:srgbClr val="000364"/>
+                                </a:solidFill>
+                                <a:latin typeface="Cambria Math"/>
+                                <a:ea typeface="Cambria Math"/>
+                              </a:rPr>
+                              <m:t>𝑇</m:t>
+                            </m:r>
+                          </m:e>
+                          <m:sub>
+                            <m:r>
+                              <a:rPr lang="de-DE" sz="1600" i="1" kern="0">
+                                <a:solidFill>
+                                  <a:srgbClr val="000364"/>
+                                </a:solidFill>
+                                <a:latin typeface="Cambria Math"/>
+                                <a:ea typeface="Cambria Math"/>
+                              </a:rPr>
+                              <m:t>𝑠</m:t>
+                            </m:r>
+                          </m:sub>
+                        </m:sSub>
+                      </m:num>
+                      <m:den>
+                        <m:sSub>
+                          <m:sSubPr>
+                            <m:ctrlPr>
+                              <a:rPr lang="de-DE" sz="1600" i="1" kern="0">
+                                <a:solidFill>
+                                  <a:srgbClr val="000364"/>
+                                </a:solidFill>
+                                <a:latin typeface="Cambria Math" panose="02040503050406030204" pitchFamily="18" charset="0"/>
+                                <a:ea typeface="Cambria Math"/>
+                              </a:rPr>
+                            </m:ctrlPr>
+                          </m:sSubPr>
+                          <m:e>
+                            <m:r>
+                              <a:rPr lang="de-DE" sz="1600" i="1" kern="0">
+                                <a:solidFill>
+                                  <a:srgbClr val="000364"/>
+                                </a:solidFill>
+                                <a:latin typeface="Cambria Math"/>
+                                <a:ea typeface="Cambria Math"/>
+                              </a:rPr>
+                              <m:t>𝑁</m:t>
+                            </m:r>
+                          </m:e>
+                          <m:sub>
+                            <m:r>
+                              <a:rPr lang="de-DE" sz="1600" i="1" kern="0">
+                                <a:solidFill>
+                                  <a:srgbClr val="000364"/>
+                                </a:solidFill>
+                                <a:latin typeface="Cambria Math"/>
+                                <a:ea typeface="Cambria Math"/>
+                              </a:rPr>
+                              <m:t>𝑠</m:t>
+                            </m:r>
+                          </m:sub>
+                        </m:sSub>
+                        <m:r>
+                          <a:rPr lang="de-DE" sz="1600" i="1" kern="0">
+                            <a:solidFill>
+                              <a:srgbClr val="000364"/>
+                            </a:solidFill>
+                            <a:latin typeface="Cambria Math"/>
+                            <a:ea typeface="Cambria Math"/>
+                          </a:rPr>
+                          <m:t>⋅</m:t>
+                        </m:r>
+                        <m:sSub>
+                          <m:sSubPr>
+                            <m:ctrlPr>
+                              <a:rPr lang="de-DE" sz="1600" i="1" kern="0">
+                                <a:solidFill>
+                                  <a:srgbClr val="000364"/>
+                                </a:solidFill>
+                                <a:latin typeface="Cambria Math" panose="02040503050406030204" pitchFamily="18" charset="0"/>
+                                <a:ea typeface="Cambria Math"/>
+                              </a:rPr>
+                            </m:ctrlPr>
+                          </m:sSubPr>
+                          <m:e>
+                            <m:r>
+                              <a:rPr lang="de-DE" sz="1600" i="1" kern="0">
+                                <a:solidFill>
+                                  <a:srgbClr val="000364"/>
+                                </a:solidFill>
+                                <a:latin typeface="Cambria Math"/>
+                                <a:ea typeface="Cambria Math"/>
+                              </a:rPr>
+                              <m:t>𝑇</m:t>
+                            </m:r>
+                          </m:e>
+                          <m:sub>
+                            <m:r>
+                              <a:rPr lang="de-DE" sz="1600" i="1" kern="0">
+                                <a:solidFill>
+                                  <a:srgbClr val="000364"/>
+                                </a:solidFill>
+                                <a:latin typeface="Cambria Math"/>
+                                <a:ea typeface="Cambria Math"/>
+                              </a:rPr>
+                              <m:t>𝑠</m:t>
+                            </m:r>
+                          </m:sub>
+                        </m:sSub>
+                        <m:r>
+                          <a:rPr lang="de-DE" sz="1600" i="1" kern="0">
+                            <a:solidFill>
+                              <a:srgbClr val="000364"/>
+                            </a:solidFill>
+                            <a:latin typeface="Cambria Math"/>
+                            <a:ea typeface="Cambria Math"/>
+                          </a:rPr>
+                          <m:t>+</m:t>
+                        </m:r>
+                        <m:sSub>
+                          <m:sSubPr>
+                            <m:ctrlPr>
+                              <a:rPr lang="de-DE" sz="1600" i="1" kern="0">
+                                <a:solidFill>
+                                  <a:srgbClr val="000364"/>
+                                </a:solidFill>
+                                <a:latin typeface="Cambria Math" panose="02040503050406030204" pitchFamily="18" charset="0"/>
+                                <a:ea typeface="Cambria Math"/>
+                              </a:rPr>
+                            </m:ctrlPr>
+                          </m:sSubPr>
+                          <m:e>
+                            <m:r>
+                              <a:rPr lang="de-DE" sz="1600" i="1" kern="0">
+                                <a:solidFill>
+                                  <a:srgbClr val="000364"/>
+                                </a:solidFill>
+                                <a:latin typeface="Cambria Math"/>
+                                <a:ea typeface="Cambria Math"/>
+                              </a:rPr>
+                              <m:t>𝑁</m:t>
+                            </m:r>
+                          </m:e>
+                          <m:sub>
+                            <m:r>
+                              <a:rPr lang="de-DE" sz="1600" i="1" kern="0">
+                                <a:solidFill>
+                                  <a:srgbClr val="000364"/>
+                                </a:solidFill>
+                                <a:latin typeface="Cambria Math"/>
+                                <a:ea typeface="Cambria Math"/>
+                              </a:rPr>
+                              <m:t>𝑐</m:t>
+                            </m:r>
+                          </m:sub>
+                        </m:sSub>
+                        <m:r>
+                          <a:rPr lang="de-DE" sz="1600" i="1" kern="0">
+                            <a:solidFill>
+                              <a:srgbClr val="000364"/>
+                            </a:solidFill>
+                            <a:latin typeface="Cambria Math"/>
+                            <a:ea typeface="Cambria Math"/>
+                          </a:rPr>
+                          <m:t>⋅</m:t>
+                        </m:r>
+                        <m:sSub>
+                          <m:sSubPr>
+                            <m:ctrlPr>
+                              <a:rPr lang="de-DE" sz="1600" i="1" kern="0">
+                                <a:solidFill>
+                                  <a:srgbClr val="000364"/>
+                                </a:solidFill>
+                                <a:latin typeface="Cambria Math" panose="02040503050406030204" pitchFamily="18" charset="0"/>
+                                <a:ea typeface="Cambria Math"/>
+                              </a:rPr>
+                            </m:ctrlPr>
+                          </m:sSubPr>
+                          <m:e>
+                            <m:r>
+                              <a:rPr lang="de-DE" sz="1600" i="1" kern="0">
+                                <a:solidFill>
+                                  <a:srgbClr val="000364"/>
+                                </a:solidFill>
+                                <a:latin typeface="Cambria Math"/>
+                                <a:ea typeface="Cambria Math"/>
+                              </a:rPr>
+                              <m:t>𝑇</m:t>
+                            </m:r>
+                          </m:e>
+                          <m:sub>
+                            <m:r>
+                              <a:rPr lang="de-DE" sz="1600" i="1" kern="0">
+                                <a:solidFill>
+                                  <a:srgbClr val="000364"/>
+                                </a:solidFill>
+                                <a:latin typeface="Cambria Math"/>
+                                <a:ea typeface="Cambria Math"/>
+                              </a:rPr>
+                              <m:t>𝑐</m:t>
+                            </m:r>
+                          </m:sub>
+                        </m:sSub>
+                        <m:r>
+                          <a:rPr lang="de-DE" sz="1600" i="1" kern="0">
+                            <a:solidFill>
+                              <a:srgbClr val="000364"/>
+                            </a:solidFill>
+                            <a:latin typeface="Cambria Math"/>
+                            <a:ea typeface="Cambria Math"/>
+                          </a:rPr>
+                          <m:t>+</m:t>
+                        </m:r>
+                        <m:sSub>
+                          <m:sSubPr>
+                            <m:ctrlPr>
+                              <a:rPr lang="de-DE" sz="1600" i="1" kern="0">
+                                <a:solidFill>
+                                  <a:srgbClr val="000364"/>
+                                </a:solidFill>
+                                <a:latin typeface="Cambria Math" panose="02040503050406030204" pitchFamily="18" charset="0"/>
+                                <a:ea typeface="Cambria Math"/>
+                              </a:rPr>
+                            </m:ctrlPr>
+                          </m:sSubPr>
+                          <m:e>
+                            <m:r>
+                              <a:rPr lang="de-DE" sz="1600" i="1" kern="0">
+                                <a:solidFill>
+                                  <a:srgbClr val="000364"/>
+                                </a:solidFill>
+                                <a:latin typeface="Cambria Math"/>
+                                <a:ea typeface="Cambria Math"/>
+                              </a:rPr>
+                              <m:t>𝑁</m:t>
+                            </m:r>
+                          </m:e>
+                          <m:sub>
+                            <m:r>
+                              <a:rPr lang="de-DE" sz="1600" i="1" kern="0">
+                                <a:solidFill>
+                                  <a:srgbClr val="000364"/>
+                                </a:solidFill>
+                                <a:latin typeface="Cambria Math"/>
+                                <a:ea typeface="Cambria Math"/>
+                              </a:rPr>
+                              <m:t>𝐸</m:t>
+                            </m:r>
+                          </m:sub>
+                        </m:sSub>
+                        <m:r>
+                          <a:rPr lang="de-DE" sz="1600" i="1" kern="0">
+                            <a:solidFill>
+                              <a:srgbClr val="000364"/>
+                            </a:solidFill>
+                            <a:latin typeface="Cambria Math"/>
+                            <a:ea typeface="Cambria Math"/>
+                          </a:rPr>
+                          <m:t>⋅</m:t>
+                        </m:r>
+                        <m:sSub>
+                          <m:sSubPr>
+                            <m:ctrlPr>
+                              <a:rPr lang="de-DE" sz="1600" i="1" kern="0">
+                                <a:solidFill>
+                                  <a:srgbClr val="000364"/>
+                                </a:solidFill>
+                                <a:latin typeface="Cambria Math" panose="02040503050406030204" pitchFamily="18" charset="0"/>
+                                <a:ea typeface="Cambria Math"/>
+                              </a:rPr>
+                            </m:ctrlPr>
+                          </m:sSubPr>
+                          <m:e>
+                            <m:r>
+                              <a:rPr lang="de-DE" sz="1600" i="1" kern="0">
+                                <a:solidFill>
+                                  <a:srgbClr val="000364"/>
+                                </a:solidFill>
+                                <a:latin typeface="Cambria Math"/>
+                                <a:ea typeface="Cambria Math"/>
+                              </a:rPr>
+                              <m:t>𝑇</m:t>
+                            </m:r>
+                          </m:e>
+                          <m:sub>
+                            <m:r>
+                              <a:rPr lang="de-DE" sz="1600" i="1" kern="0">
+                                <a:solidFill>
+                                  <a:srgbClr val="000364"/>
+                                </a:solidFill>
+                                <a:latin typeface="Cambria Math"/>
+                                <a:ea typeface="Cambria Math"/>
+                              </a:rPr>
+                              <m:t>𝑒</m:t>
+                            </m:r>
+                          </m:sub>
+                        </m:sSub>
+                      </m:den>
+                    </m:f>
+                  </m:oMath>
+                </a14:m>
+                <a:endParaRPr lang="de-DE" sz="1600" i="1" kern="0" dirty="0">
+                  <a:solidFill>
+                    <a:srgbClr val="000364"/>
+                  </a:solidFill>
+                  <a:latin typeface="Cambria Math"/>
+                  <a:ea typeface="Cambria Math"/>
+                </a:endParaRPr>
+              </a:p>
+              <a:p>
+                <a:r>
+                  <a:rPr lang="en-US" sz="1600" kern="0" dirty="0"/>
+                  <a:t>For optimum  frame length</a:t>
+                </a:r>
+              </a:p>
+              <a:p>
+                <a:pPr lvl="1"/>
+                <a14:m>
+                  <m:oMath xmlns:m="http://schemas.openxmlformats.org/officeDocument/2006/math">
+                    <m:f>
+                      <m:fPr>
+                        <m:ctrlPr>
+                          <a:rPr lang="en-US" sz="1600" i="1" kern="0">
+                            <a:latin typeface="Cambria Math" panose="02040503050406030204" pitchFamily="18" charset="0"/>
+                          </a:rPr>
+                        </m:ctrlPr>
+                      </m:fPr>
+                      <m:num>
+                        <m:r>
+                          <a:rPr lang="en-US" sz="1600" i="1" kern="0">
+                            <a:latin typeface="Cambria Math"/>
+                            <a:ea typeface="Cambria Math"/>
+                          </a:rPr>
+                          <m:t>𝜕</m:t>
+                        </m:r>
+                        <m:sSub>
+                          <m:sSubPr>
+                            <m:ctrlPr>
+                              <a:rPr lang="en-US" sz="1600" i="1" kern="0" dirty="0">
+                                <a:latin typeface="Cambria Math" panose="02040503050406030204" pitchFamily="18" charset="0"/>
+                                <a:ea typeface="Cambria Math"/>
+                              </a:rPr>
+                            </m:ctrlPr>
+                          </m:sSubPr>
+                          <m:e>
+                            <m:r>
+                              <a:rPr lang="en-US" sz="1600" i="1" kern="0" dirty="0">
+                                <a:latin typeface="Cambria Math"/>
+                                <a:ea typeface="Cambria Math"/>
+                              </a:rPr>
+                              <m:t>𝜂</m:t>
+                            </m:r>
+                          </m:e>
+                          <m:sub>
+                            <m:r>
+                              <a:rPr lang="de-DE" sz="1600" i="1" kern="0" dirty="0">
+                                <a:latin typeface="Cambria Math"/>
+                                <a:ea typeface="Cambria Math"/>
+                              </a:rPr>
+                              <m:t>𝑇𝐴</m:t>
+                            </m:r>
+                          </m:sub>
+                        </m:sSub>
+                      </m:num>
+                      <m:den>
+                        <m:r>
+                          <a:rPr lang="en-US" sz="1600" i="1" kern="0">
+                            <a:latin typeface="Cambria Math"/>
+                            <a:ea typeface="Cambria Math"/>
+                          </a:rPr>
+                          <m:t>𝜕</m:t>
+                        </m:r>
+                        <m:r>
+                          <a:rPr lang="de-DE" sz="1600" i="1" kern="0">
+                            <a:latin typeface="Cambria Math"/>
+                            <a:ea typeface="Cambria Math"/>
+                          </a:rPr>
+                          <m:t>𝐿</m:t>
+                        </m:r>
+                      </m:den>
+                    </m:f>
+                    <m:r>
+                      <a:rPr lang="de-DE" sz="1600" i="1" kern="0">
+                        <a:latin typeface="Cambria Math"/>
+                      </a:rPr>
+                      <m:t>=0</m:t>
+                    </m:r>
+                  </m:oMath>
+                </a14:m>
+                <a:endParaRPr lang="en-US" sz="1600" kern="0" dirty="0">
+                  <a:solidFill>
+                    <a:schemeClr val="tx2">
+                      <a:lumMod val="50000"/>
+                    </a:schemeClr>
+                  </a:solidFill>
+                </a:endParaRPr>
+              </a:p>
+              <a:p>
+                <a:pPr lvl="1"/>
+                <a:endParaRPr lang="de-DE" sz="1600" kern="0" dirty="0">
+                  <a:solidFill>
+                    <a:srgbClr val="000364"/>
+                  </a:solidFill>
+                </a:endParaRPr>
+              </a:p>
+              <a:p>
+                <a:pPr marL="180975" lvl="1" indent="0">
+                  <a:buFont typeface="Wingdings" pitchFamily="2" charset="2"/>
+                  <a:buNone/>
+                </a:pPr>
+                <a:endParaRPr lang="en-US" sz="1600" kern="0" dirty="0"/>
+              </a:p>
+              <a:p>
+                <a:pPr marL="180975" lvl="1" indent="0">
+                  <a:buFont typeface="Wingdings" pitchFamily="2" charset="2"/>
+                  <a:buNone/>
+                </a:pPr>
+                <a:r>
+                  <a:rPr lang="en-US" sz="1600" kern="0" dirty="0"/>
+                  <a:t>where : </a:t>
+                </a:r>
+                <a14:m>
+                  <m:oMath xmlns:m="http://schemas.openxmlformats.org/officeDocument/2006/math">
+                    <m:sSub>
+                      <m:sSubPr>
+                        <m:ctrlPr>
+                          <a:rPr lang="de-DE" sz="1600" i="1" kern="0" dirty="0">
+                            <a:latin typeface="Cambria Math" panose="02040503050406030204" pitchFamily="18" charset="0"/>
+                          </a:rPr>
+                        </m:ctrlPr>
+                      </m:sSubPr>
+                      <m:e>
+                        <m:r>
+                          <a:rPr lang="de-DE" sz="1600" kern="0" dirty="0">
+                            <a:latin typeface="Cambria Math"/>
+                          </a:rPr>
+                          <m:t>𝐶</m:t>
+                        </m:r>
+                      </m:e>
+                      <m:sub>
+                        <m:r>
+                          <a:rPr lang="de-DE" sz="1600" kern="0" dirty="0">
+                            <a:latin typeface="Cambria Math"/>
+                          </a:rPr>
+                          <m:t>𝑡</m:t>
+                        </m:r>
+                      </m:sub>
+                    </m:sSub>
+                    <m:r>
+                      <a:rPr lang="de-DE" sz="1600" kern="0" dirty="0">
+                        <a:latin typeface="Cambria Math"/>
+                      </a:rPr>
+                      <m:t>=</m:t>
+                    </m:r>
+                    <m:f>
+                      <m:fPr>
+                        <m:ctrlPr>
+                          <a:rPr lang="de-DE" sz="1600" i="1" kern="0" dirty="0">
+                            <a:latin typeface="Cambria Math" panose="02040503050406030204" pitchFamily="18" charset="0"/>
+                          </a:rPr>
+                        </m:ctrlPr>
+                      </m:fPr>
+                      <m:num>
+                        <m:sSub>
+                          <m:sSubPr>
+                            <m:ctrlPr>
+                              <a:rPr lang="de-DE" sz="1600" i="1" kern="0" dirty="0">
+                                <a:latin typeface="Cambria Math" panose="02040503050406030204" pitchFamily="18" charset="0"/>
+                              </a:rPr>
+                            </m:ctrlPr>
+                          </m:sSubPr>
+                          <m:e>
+                            <m:r>
+                              <a:rPr lang="de-DE" sz="1600" kern="0" dirty="0">
+                                <a:latin typeface="Cambria Math"/>
+                              </a:rPr>
+                              <m:t>𝑇</m:t>
+                            </m:r>
+                          </m:e>
+                          <m:sub>
+                            <m:r>
+                              <a:rPr lang="de-DE" sz="1600" kern="0" dirty="0">
+                                <a:latin typeface="Cambria Math"/>
+                              </a:rPr>
+                              <m:t>𝑒</m:t>
+                            </m:r>
+                          </m:sub>
+                        </m:sSub>
+                      </m:num>
+                      <m:den>
+                        <m:sSub>
+                          <m:sSubPr>
+                            <m:ctrlPr>
+                              <a:rPr lang="de-DE" sz="1600" i="1" kern="0" dirty="0">
+                                <a:latin typeface="Cambria Math" panose="02040503050406030204" pitchFamily="18" charset="0"/>
+                              </a:rPr>
+                            </m:ctrlPr>
+                          </m:sSubPr>
+                          <m:e>
+                            <m:r>
+                              <a:rPr lang="de-DE" sz="1600" kern="0" dirty="0">
+                                <a:latin typeface="Cambria Math"/>
+                              </a:rPr>
+                              <m:t>𝑇</m:t>
+                            </m:r>
+                          </m:e>
+                          <m:sub>
+                            <m:r>
+                              <a:rPr lang="de-DE" sz="1600" kern="0" dirty="0">
+                                <a:latin typeface="Cambria Math"/>
+                              </a:rPr>
+                              <m:t>𝑐</m:t>
+                            </m:r>
+                          </m:sub>
+                        </m:sSub>
+                      </m:den>
+                    </m:f>
+                  </m:oMath>
+                </a14:m>
+                <a:r>
+                  <a:rPr lang="en-US" sz="1600" kern="0" dirty="0"/>
+                  <a:t>  is the slot duration constant</a:t>
+                </a:r>
+              </a:p>
+              <a:p>
+                <a:r>
+                  <a:rPr lang="en-US" sz="1600" kern="0" dirty="0"/>
+                  <a:t>After simplifications:</a:t>
+                </a:r>
+              </a:p>
+              <a:p>
+                <a:pPr lvl="1"/>
+                <a14:m>
+                  <m:oMath xmlns:m="http://schemas.openxmlformats.org/officeDocument/2006/math">
+                    <m:sSup>
+                      <m:sSupPr>
+                        <m:ctrlPr>
+                          <a:rPr lang="en-US" sz="1600" i="1" kern="0">
+                            <a:latin typeface="Cambria Math" panose="02040503050406030204" pitchFamily="18" charset="0"/>
+                          </a:rPr>
+                        </m:ctrlPr>
+                      </m:sSupPr>
+                      <m:e>
+                        <m:d>
+                          <m:dPr>
+                            <m:ctrlPr>
+                              <a:rPr lang="en-US" sz="1600" i="1" kern="0">
+                                <a:latin typeface="Cambria Math" panose="02040503050406030204" pitchFamily="18" charset="0"/>
+                              </a:rPr>
+                            </m:ctrlPr>
+                          </m:dPr>
+                          <m:e>
+                            <m:f>
+                              <m:fPr>
+                                <m:ctrlPr>
+                                  <a:rPr lang="de-DE" sz="1600" i="1" kern="0">
+                                    <a:solidFill>
+                                      <a:srgbClr val="000364"/>
+                                    </a:solidFill>
+                                    <a:latin typeface="Cambria Math" panose="02040503050406030204" pitchFamily="18" charset="0"/>
+                                  </a:rPr>
+                                </m:ctrlPr>
+                              </m:fPr>
+                              <m:num>
+                                <m:sSub>
+                                  <m:sSubPr>
+                                    <m:ctrlPr>
+                                      <a:rPr lang="de-DE" sz="1600" i="1" kern="0">
+                                        <a:solidFill>
+                                          <a:srgbClr val="000364"/>
+                                        </a:solidFill>
+                                        <a:latin typeface="Cambria Math" panose="02040503050406030204" pitchFamily="18" charset="0"/>
+                                        <a:ea typeface="Cambria Math"/>
+                                      </a:rPr>
+                                    </m:ctrlPr>
+                                  </m:sSubPr>
+                                  <m:e>
+                                    <m:r>
+                                      <a:rPr lang="de-DE" sz="1600" i="1" kern="0">
+                                        <a:solidFill>
+                                          <a:srgbClr val="000364"/>
+                                        </a:solidFill>
+                                        <a:latin typeface="Cambria Math"/>
+                                        <a:ea typeface="Cambria Math"/>
+                                      </a:rPr>
+                                      <m:t>𝐿</m:t>
+                                    </m:r>
+                                  </m:e>
+                                  <m:sub>
+                                    <m:r>
+                                      <a:rPr lang="de-DE" sz="1600" i="1" kern="0">
+                                        <a:solidFill>
+                                          <a:srgbClr val="000364"/>
+                                        </a:solidFill>
+                                        <a:latin typeface="Cambria Math"/>
+                                        <a:ea typeface="Cambria Math"/>
+                                      </a:rPr>
+                                      <m:t>𝑇𝐴</m:t>
+                                    </m:r>
+                                  </m:sub>
+                                </m:sSub>
+                              </m:num>
+                              <m:den>
+                                <m:r>
+                                  <a:rPr lang="de-DE" sz="1600" i="1" kern="0">
+                                    <a:solidFill>
+                                      <a:srgbClr val="000364"/>
+                                    </a:solidFill>
+                                    <a:latin typeface="Cambria Math"/>
+                                    <a:ea typeface="Cambria Math"/>
+                                  </a:rPr>
+                                  <m:t>𝑛</m:t>
+                                </m:r>
+                              </m:den>
+                            </m:f>
+                          </m:e>
+                        </m:d>
+                      </m:e>
+                      <m:sup>
+                        <m:r>
+                          <a:rPr lang="en-US" sz="1600" i="1" kern="0">
+                            <a:latin typeface="Cambria Math"/>
+                          </a:rPr>
+                          <m:t>2</m:t>
+                        </m:r>
+                      </m:sup>
+                    </m:sSup>
+                    <m:sSub>
+                      <m:sSubPr>
+                        <m:ctrlPr>
+                          <a:rPr lang="en-US" sz="1600" i="1" kern="0">
+                            <a:latin typeface="Cambria Math" panose="02040503050406030204" pitchFamily="18" charset="0"/>
+                          </a:rPr>
+                        </m:ctrlPr>
+                      </m:sSubPr>
+                      <m:e>
+                        <m:r>
+                          <a:rPr lang="de-DE" sz="1600" i="1" kern="0">
+                            <a:latin typeface="Cambria Math"/>
+                          </a:rPr>
+                          <m:t>𝐶</m:t>
+                        </m:r>
+                      </m:e>
+                      <m:sub>
+                        <m:r>
+                          <a:rPr lang="de-DE" sz="1600" i="1" kern="0">
+                            <a:latin typeface="Cambria Math"/>
+                          </a:rPr>
+                          <m:t>𝑡</m:t>
+                        </m:r>
+                      </m:sub>
+                    </m:sSub>
+                    <m:r>
+                      <a:rPr lang="de-DE" sz="1600" i="1" kern="0">
+                        <a:latin typeface="Cambria Math"/>
+                      </a:rPr>
+                      <m:t>−</m:t>
+                    </m:r>
+                    <m:d>
+                      <m:dPr>
+                        <m:ctrlPr>
+                          <a:rPr lang="de-DE" sz="1600" i="1" kern="0">
+                            <a:latin typeface="Cambria Math" panose="02040503050406030204" pitchFamily="18" charset="0"/>
+                          </a:rPr>
+                        </m:ctrlPr>
+                      </m:dPr>
+                      <m:e>
+                        <m:f>
+                          <m:fPr>
+                            <m:ctrlPr>
+                              <a:rPr lang="de-DE" sz="1600" i="1" kern="0">
+                                <a:solidFill>
+                                  <a:srgbClr val="000364"/>
+                                </a:solidFill>
+                                <a:latin typeface="Cambria Math" panose="02040503050406030204" pitchFamily="18" charset="0"/>
+                              </a:rPr>
+                            </m:ctrlPr>
+                          </m:fPr>
+                          <m:num>
+                            <m:sSub>
+                              <m:sSubPr>
+                                <m:ctrlPr>
+                                  <a:rPr lang="de-DE" sz="1600" i="1" kern="0">
+                                    <a:solidFill>
+                                      <a:srgbClr val="000364"/>
+                                    </a:solidFill>
+                                    <a:latin typeface="Cambria Math" panose="02040503050406030204" pitchFamily="18" charset="0"/>
+                                    <a:ea typeface="Cambria Math"/>
+                                  </a:rPr>
+                                </m:ctrlPr>
+                              </m:sSubPr>
+                              <m:e>
+                                <m:r>
+                                  <a:rPr lang="de-DE" sz="1600" i="1" kern="0">
+                                    <a:solidFill>
+                                      <a:srgbClr val="000364"/>
+                                    </a:solidFill>
+                                    <a:latin typeface="Cambria Math"/>
+                                    <a:ea typeface="Cambria Math"/>
+                                  </a:rPr>
+                                  <m:t>𝐿</m:t>
+                                </m:r>
+                              </m:e>
+                              <m:sub>
+                                <m:r>
+                                  <a:rPr lang="de-DE" sz="1600" i="1" kern="0">
+                                    <a:solidFill>
+                                      <a:srgbClr val="000364"/>
+                                    </a:solidFill>
+                                    <a:latin typeface="Cambria Math"/>
+                                    <a:ea typeface="Cambria Math"/>
+                                  </a:rPr>
+                                  <m:t>𝑇𝐴</m:t>
+                                </m:r>
+                              </m:sub>
+                            </m:sSub>
+                          </m:num>
+                          <m:den>
+                            <m:r>
+                              <a:rPr lang="de-DE" sz="1600" i="1" kern="0">
+                                <a:solidFill>
+                                  <a:srgbClr val="000364"/>
+                                </a:solidFill>
+                                <a:latin typeface="Cambria Math"/>
+                                <a:ea typeface="Cambria Math"/>
+                              </a:rPr>
+                              <m:t>𝑛</m:t>
+                            </m:r>
+                          </m:den>
+                        </m:f>
+                      </m:e>
+                    </m:d>
+                    <m:sSub>
+                      <m:sSubPr>
+                        <m:ctrlPr>
+                          <a:rPr lang="de-DE" sz="1600" i="1" kern="0">
+                            <a:solidFill>
+                              <a:srgbClr val="000364"/>
+                            </a:solidFill>
+                            <a:latin typeface="Cambria Math" panose="02040503050406030204" pitchFamily="18" charset="0"/>
+                            <a:ea typeface="Cambria Math"/>
+                          </a:rPr>
+                        </m:ctrlPr>
+                      </m:sSubPr>
+                      <m:e>
+                        <m:r>
+                          <a:rPr lang="de-DE" sz="1600" i="1" kern="0">
+                            <a:solidFill>
+                              <a:srgbClr val="000364"/>
+                            </a:solidFill>
+                            <a:latin typeface="Cambria Math"/>
+                            <a:ea typeface="Cambria Math"/>
+                          </a:rPr>
+                          <m:t>𝐶</m:t>
+                        </m:r>
+                      </m:e>
+                      <m:sub>
+                        <m:r>
+                          <a:rPr lang="de-DE" sz="1600" i="1" kern="0">
+                            <a:solidFill>
+                              <a:srgbClr val="000364"/>
+                            </a:solidFill>
+                            <a:latin typeface="Cambria Math"/>
+                            <a:ea typeface="Cambria Math"/>
+                          </a:rPr>
+                          <m:t>𝑡</m:t>
+                        </m:r>
+                      </m:sub>
+                    </m:sSub>
+                    <m:r>
+                      <a:rPr lang="de-DE" sz="1600" i="1" kern="0">
+                        <a:solidFill>
+                          <a:srgbClr val="000364"/>
+                        </a:solidFill>
+                        <a:latin typeface="Cambria Math"/>
+                        <a:ea typeface="Cambria Math"/>
+                      </a:rPr>
+                      <m:t>+0.5</m:t>
+                    </m:r>
+                    <m:d>
+                      <m:dPr>
+                        <m:ctrlPr>
+                          <a:rPr lang="de-DE" sz="1600" i="1" kern="0">
+                            <a:solidFill>
+                              <a:srgbClr val="000364"/>
+                            </a:solidFill>
+                            <a:latin typeface="Cambria Math" panose="02040503050406030204" pitchFamily="18" charset="0"/>
+                            <a:ea typeface="Cambria Math"/>
+                          </a:rPr>
+                        </m:ctrlPr>
+                      </m:dPr>
+                      <m:e>
+                        <m:sSub>
+                          <m:sSubPr>
+                            <m:ctrlPr>
+                              <a:rPr lang="de-DE" sz="1600" i="1" kern="0">
+                                <a:solidFill>
+                                  <a:srgbClr val="000364"/>
+                                </a:solidFill>
+                                <a:latin typeface="Cambria Math" panose="02040503050406030204" pitchFamily="18" charset="0"/>
+                                <a:ea typeface="Cambria Math"/>
+                              </a:rPr>
+                            </m:ctrlPr>
+                          </m:sSubPr>
+                          <m:e>
+                            <m:r>
+                              <a:rPr lang="de-DE" sz="1600" i="1" kern="0">
+                                <a:solidFill>
+                                  <a:srgbClr val="000364"/>
+                                </a:solidFill>
+                                <a:latin typeface="Cambria Math"/>
+                                <a:ea typeface="Cambria Math"/>
+                              </a:rPr>
+                              <m:t>𝐶</m:t>
+                            </m:r>
+                          </m:e>
+                          <m:sub>
+                            <m:r>
+                              <a:rPr lang="de-DE" sz="1600" i="1" kern="0">
+                                <a:solidFill>
+                                  <a:srgbClr val="000364"/>
+                                </a:solidFill>
+                                <a:latin typeface="Cambria Math"/>
+                                <a:ea typeface="Cambria Math"/>
+                              </a:rPr>
+                              <m:t>𝑡</m:t>
+                            </m:r>
+                          </m:sub>
+                        </m:sSub>
+                        <m:r>
+                          <a:rPr lang="de-DE" sz="1600" i="1" kern="0">
+                            <a:solidFill>
+                              <a:srgbClr val="000364"/>
+                            </a:solidFill>
+                            <a:latin typeface="Cambria Math"/>
+                            <a:ea typeface="Cambria Math"/>
+                          </a:rPr>
+                          <m:t>−1</m:t>
+                        </m:r>
+                      </m:e>
+                    </m:d>
+                    <m:r>
+                      <a:rPr lang="de-DE" sz="1600" i="1" kern="0">
+                        <a:solidFill>
+                          <a:srgbClr val="000364"/>
+                        </a:solidFill>
+                        <a:latin typeface="Cambria Math"/>
+                        <a:ea typeface="Cambria Math"/>
+                      </a:rPr>
+                      <m:t>=0</m:t>
+                    </m:r>
+                  </m:oMath>
+                </a14:m>
+                <a:endParaRPr lang="de-DE" sz="1600" kern="0" dirty="0">
+                  <a:solidFill>
+                    <a:srgbClr val="000364"/>
+                  </a:solidFill>
+                  <a:ea typeface="Cambria Math"/>
+                </a:endParaRPr>
+              </a:p>
+              <a:p>
+                <a:r>
+                  <a:rPr lang="en-US" sz="1600" kern="0" dirty="0"/>
+                  <a:t>After Solving the equation and rejecting the negative solution</a:t>
+                </a:r>
+              </a:p>
+              <a:p>
+                <a:pPr lvl="1"/>
+                <a:r>
+                  <a:rPr lang="en-US" sz="1600" kern="0" dirty="0"/>
+                  <a:t>Proposed optimum time aware frame length:</a:t>
+                </a:r>
+              </a:p>
+              <a:p>
+                <a:endParaRPr lang="de-DE" sz="1600" kern="0" dirty="0"/>
+              </a:p>
+              <a:p>
+                <a:pPr lvl="1"/>
+                <a:endParaRPr lang="en-US" sz="1600" kern="0" dirty="0"/>
+              </a:p>
+              <a:p>
+                <a:pPr marL="361950" lvl="2" indent="0">
+                  <a:buFont typeface="Wingdings" pitchFamily="2" charset="2"/>
+                  <a:buNone/>
+                </a:pPr>
+                <a:endParaRPr lang="en-US" sz="1600" kern="0" dirty="0"/>
+              </a:p>
+              <a:p>
+                <a:pPr marL="0" indent="0">
+                  <a:spcAft>
+                    <a:spcPct val="0"/>
+                  </a:spcAft>
+                  <a:buFont typeface="Wingdings" pitchFamily="2" charset="2"/>
+                  <a:buNone/>
+                </a:pPr>
+                <a:br>
+                  <a:rPr lang="en-US" sz="1600" kern="0" dirty="0"/>
+                </a:br>
+                <a:br>
+                  <a:rPr lang="en-US" sz="1600" kern="0" dirty="0"/>
+                </a:br>
+                <a:br>
+                  <a:rPr lang="en-US" sz="1600" kern="0" dirty="0"/>
+                </a:br>
+                <a:br>
+                  <a:rPr lang="en-US" sz="1600" kern="0" dirty="0"/>
+                </a:br>
+                <a:endParaRPr lang="en-US" sz="1100" b="1" kern="0" dirty="0"/>
+              </a:p>
+            </p:txBody>
+          </p:sp>
+        </mc:Choice>
         <mc:Fallback>
+          <p:sp>
+            <p:nvSpPr>
+              <p:cNvPr id="9" name="Textplatzhalter 3">
+                <a:extLst>
+                  <a:ext uri="{FF2B5EF4-FFF2-40B4-BE49-F238E27FC236}">
+                    <a16:creationId xmlns:a16="http://schemas.microsoft.com/office/drawing/2014/main" id="{A00ADAC4-E10F-9A48-BDDB-3B39F77600CE}"/>
+                  </a:ext>
+                </a:extLst>
+              </p:cNvPr>
+              <p:cNvSpPr txBox="1">
+                <a:spLocks noRot="1" noChangeAspect="1" noMove="1" noResize="1" noEditPoints="1" noAdjustHandles="1" noChangeArrowheads="1" noChangeShapeType="1" noTextEdit="1"/>
+              </p:cNvSpPr>
+              <p:nvPr/>
+            </p:nvSpPr>
+            <p:spPr>
+              <a:xfrm>
+                <a:off x="288000" y="1052736"/>
+                <a:ext cx="8568000" cy="5184576"/>
+              </a:xfrm>
+              <a:prstGeom prst="rect">
+                <a:avLst/>
+              </a:prstGeom>
+              <a:blipFill>
+                <a:blip r:embed="rId4"/>
+                <a:stretch>
+                  <a:fillRect l="-296" t="-244"/>
+                </a:stretch>
+              </a:blipFill>
+            </p:spPr>
+            <p:txBody>
+              <a:bodyPr/>
+              <a:lstStyle/>
+              <a:p>
+                <a:r>
+                  <a:rPr lang="en-US">
+                    <a:noFill/>
+                  </a:rPr>
+                  <a:t> </a:t>
+                </a:r>
+              </a:p>
+            </p:txBody>
+          </p:sp>
+        </mc:Fallback>
+      </mc:AlternateContent>
+      <p:sp>
+        <p:nvSpPr>
+          <p:cNvPr id="12" name="Rechteck 35">
+            <a:extLst>
+              <a:ext uri="{FF2B5EF4-FFF2-40B4-BE49-F238E27FC236}">
+                <a16:creationId xmlns:a16="http://schemas.microsoft.com/office/drawing/2014/main" id="{58866093-F8B3-484A-994B-E0F01208BAAE}"/>
+              </a:ext>
+            </a:extLst>
+          </p:cNvPr>
+          <p:cNvSpPr/>
+          <p:nvPr/>
+        </p:nvSpPr>
+        <p:spPr>
+          <a:xfrm>
+            <a:off x="6108021" y="2564904"/>
+            <a:ext cx="2592288" cy="792088"/>
+          </a:xfrm>
+          <a:prstGeom prst="rect">
+            <a:avLst/>
+          </a:prstGeom>
+          <a:solidFill>
+            <a:srgbClr val="FF0000"/>
+          </a:solidFill>
+          <a:ln>
+            <a:solidFill>
+              <a:schemeClr val="tx1"/>
+            </a:solidFill>
+          </a:ln>
+        </p:spPr>
+        <p:style>
+          <a:lnRef idx="2">
+            <a:schemeClr val="accent1">
+              <a:shade val="50000"/>
+            </a:schemeClr>
+          </a:lnRef>
+          <a:fillRef idx="1">
+            <a:schemeClr val="accent1"/>
+          </a:fillRef>
+          <a:effectRef idx="0">
+            <a:schemeClr val="accent1"/>
+          </a:effectRef>
+          <a:fontRef idx="minor">
+            <a:schemeClr val="lt1"/>
+          </a:fontRef>
+        </p:style>
+        <p:txBody>
+          <a:bodyPr rtlCol="0" anchor="ctr"/>
+          <a:lstStyle/>
+          <a:p>
+            <a:pPr algn="ctr"/>
+            <a:r>
+              <a:rPr lang="en-US" sz="1800" b="0" dirty="0">
+                <a:solidFill>
+                  <a:schemeClr val="tx1"/>
+                </a:solidFill>
+                <a:latin typeface="Calibri" panose="020F0502020204030204" pitchFamily="34" charset="0"/>
+                <a:cs typeface="Calibri" panose="020F0502020204030204" pitchFamily="34" charset="0"/>
+              </a:rPr>
+              <a:t>PHY Layer</a:t>
+            </a:r>
+          </a:p>
+        </p:txBody>
+      </p:sp>
+      <mc:AlternateContent xmlns:mc="http://schemas.openxmlformats.org/markup-compatibility/2006">
+        <mc:Choice xmlns:a14="http://schemas.microsoft.com/office/drawing/2010/main" Requires="a14">
+          <p:sp>
+            <p:nvSpPr>
+              <p:cNvPr id="13" name="Rechteck 36">
+                <a:extLst>
+                  <a:ext uri="{FF2B5EF4-FFF2-40B4-BE49-F238E27FC236}">
+                    <a16:creationId xmlns:a16="http://schemas.microsoft.com/office/drawing/2014/main" id="{7632AE13-2C9C-4240-97C1-8CAC031DE63C}"/>
+                  </a:ext>
+                </a:extLst>
+              </p:cNvPr>
+              <p:cNvSpPr/>
+              <p:nvPr/>
+            </p:nvSpPr>
+            <p:spPr>
+              <a:xfrm>
+                <a:off x="6084168" y="1340768"/>
+                <a:ext cx="2592288" cy="792088"/>
+              </a:xfrm>
+              <a:prstGeom prst="rect">
+                <a:avLst/>
+              </a:prstGeom>
+              <a:solidFill>
+                <a:srgbClr val="92D050"/>
+              </a:solidFill>
+              <a:ln>
+                <a:solidFill>
+                  <a:schemeClr val="tx1"/>
+                </a:solidFill>
+              </a:ln>
+            </p:spPr>
+            <p:style>
+              <a:lnRef idx="2">
+                <a:schemeClr val="accent1">
+                  <a:shade val="50000"/>
+                </a:schemeClr>
+              </a:lnRef>
+              <a:fillRef idx="1">
+                <a:schemeClr val="accent1"/>
+              </a:fillRef>
+              <a:effectRef idx="0">
+                <a:schemeClr val="accent1"/>
+              </a:effectRef>
+              <a:fontRef idx="minor">
+                <a:schemeClr val="lt1"/>
+              </a:fontRef>
+            </p:style>
+            <p:txBody>
+              <a:bodyPr rtlCol="0" anchor="ctr"/>
+              <a:lstStyle/>
+              <a:p>
+                <a:pPr algn="ctr"/>
+                <a:r>
+                  <a:rPr lang="en-US" sz="1800" b="0" dirty="0">
+                    <a:solidFill>
+                      <a:schemeClr val="tx1"/>
+                    </a:solidFill>
+                    <a:latin typeface="Calibri" panose="020F0502020204030204" pitchFamily="34" charset="0"/>
+                    <a:cs typeface="Calibri" panose="020F0502020204030204" pitchFamily="34" charset="0"/>
+                  </a:rPr>
+                  <a:t>MAC Layer</a:t>
+                </a:r>
+              </a:p>
+              <a:p>
+                <a:pPr algn="ctr"/>
+                <a14:m>
+                  <m:oMathPara xmlns:m="http://schemas.openxmlformats.org/officeDocument/2006/math">
+                    <m:oMathParaPr>
+                      <m:jc m:val="centerGroup"/>
+                    </m:oMathParaPr>
+                    <m:oMath xmlns:m="http://schemas.openxmlformats.org/officeDocument/2006/math">
+                      <m:sSub>
+                        <m:sSubPr>
+                          <m:ctrlPr>
+                            <a:rPr lang="pt-BR" sz="1200" b="0" i="1">
+                              <a:solidFill>
+                                <a:schemeClr val="tx1"/>
+                              </a:solidFill>
+                              <a:latin typeface="Cambria Math" panose="02040503050406030204" pitchFamily="18" charset="0"/>
+                            </a:rPr>
+                          </m:ctrlPr>
+                        </m:sSubPr>
+                        <m:e>
+                          <m:r>
+                            <a:rPr lang="de-DE" sz="1200" b="0" i="1">
+                              <a:solidFill>
+                                <a:schemeClr val="tx1"/>
+                              </a:solidFill>
+                              <a:latin typeface="Cambria Math"/>
+                            </a:rPr>
+                            <m:t>𝐿</m:t>
+                          </m:r>
+                        </m:e>
+                        <m:sub>
+                          <m:r>
+                            <a:rPr lang="de-DE" sz="1200" b="0" i="1">
+                              <a:solidFill>
+                                <a:schemeClr val="tx1"/>
+                              </a:solidFill>
+                              <a:latin typeface="Cambria Math"/>
+                            </a:rPr>
+                            <m:t>𝑜𝑝𝑡</m:t>
+                          </m:r>
+                        </m:sub>
+                      </m:sSub>
+                      <m:r>
+                        <a:rPr lang="de-DE" sz="1200" b="0" i="1">
+                          <a:solidFill>
+                            <a:schemeClr val="tx1"/>
+                          </a:solidFill>
+                          <a:latin typeface="Cambria Math"/>
+                        </a:rPr>
+                        <m:t>=</m:t>
+                      </m:r>
+                      <m:r>
+                        <a:rPr lang="de-DE" sz="1200" b="0" i="1">
+                          <a:solidFill>
+                            <a:schemeClr val="tx1"/>
+                          </a:solidFill>
+                          <a:latin typeface="Cambria Math"/>
+                        </a:rPr>
+                        <m:t>𝑓</m:t>
+                      </m:r>
+                      <m:r>
+                        <a:rPr lang="de-DE" sz="1200" b="0" i="1">
+                          <a:solidFill>
+                            <a:schemeClr val="tx1"/>
+                          </a:solidFill>
+                          <a:latin typeface="Cambria Math"/>
+                        </a:rPr>
+                        <m:t>(</m:t>
+                      </m:r>
+                      <m:sSub>
+                        <m:sSubPr>
+                          <m:ctrlPr>
+                            <a:rPr lang="pt-BR" sz="1200" b="0" i="1">
+                              <a:solidFill>
+                                <a:schemeClr val="tx1"/>
+                              </a:solidFill>
+                              <a:latin typeface="Cambria Math" panose="02040503050406030204" pitchFamily="18" charset="0"/>
+                            </a:rPr>
+                          </m:ctrlPr>
+                        </m:sSubPr>
+                        <m:e>
+                          <m:r>
+                            <a:rPr lang="de-DE" sz="1200" b="0" i="1">
+                              <a:solidFill>
+                                <a:schemeClr val="tx1"/>
+                              </a:solidFill>
+                              <a:latin typeface="Cambria Math"/>
+                            </a:rPr>
+                            <m:t>𝑡</m:t>
+                          </m:r>
+                        </m:e>
+                        <m:sub>
+                          <m:r>
+                            <a:rPr lang="de-DE" sz="1200" b="0" i="1">
+                              <a:solidFill>
+                                <a:schemeClr val="tx1"/>
+                              </a:solidFill>
+                              <a:latin typeface="Cambria Math"/>
+                            </a:rPr>
+                            <m:t>𝑒</m:t>
+                          </m:r>
+                        </m:sub>
+                      </m:sSub>
+                      <m:r>
+                        <m:rPr>
+                          <m:nor/>
+                        </m:rPr>
+                        <a:rPr lang="en-US" sz="1200" b="0" i="1" dirty="0">
+                          <a:solidFill>
+                            <a:schemeClr val="tx1"/>
+                          </a:solidFill>
+                          <a:latin typeface="Cambria Math"/>
+                        </a:rPr>
+                        <m:t>,</m:t>
+                      </m:r>
+                      <m:r>
+                        <m:rPr>
+                          <m:nor/>
+                        </m:rPr>
+                        <a:rPr lang="pt-BR" sz="1200" b="0" i="1" dirty="0">
+                          <a:solidFill>
+                            <a:schemeClr val="tx1"/>
+                          </a:solidFill>
+                          <a:latin typeface="Cambria Math"/>
+                        </a:rPr>
+                        <m:t> </m:t>
+                      </m:r>
+                      <m:sSub>
+                        <m:sSubPr>
+                          <m:ctrlPr>
+                            <a:rPr lang="pt-BR" sz="1200" b="0" i="1">
+                              <a:solidFill>
+                                <a:schemeClr val="tx1"/>
+                              </a:solidFill>
+                              <a:latin typeface="Cambria Math" panose="02040503050406030204" pitchFamily="18" charset="0"/>
+                            </a:rPr>
+                          </m:ctrlPr>
+                        </m:sSubPr>
+                        <m:e>
+                          <m:r>
+                            <a:rPr lang="de-DE" sz="1200" b="0" i="1">
+                              <a:solidFill>
+                                <a:schemeClr val="tx1"/>
+                              </a:solidFill>
+                              <a:latin typeface="Cambria Math"/>
+                            </a:rPr>
+                            <m:t>𝑡</m:t>
+                          </m:r>
+                        </m:e>
+                        <m:sub>
+                          <m:r>
+                            <a:rPr lang="de-DE" sz="1200" b="0" i="1">
+                              <a:solidFill>
+                                <a:schemeClr val="tx1"/>
+                              </a:solidFill>
+                              <a:latin typeface="Cambria Math"/>
+                            </a:rPr>
+                            <m:t>𝑘</m:t>
+                          </m:r>
+                        </m:sub>
+                      </m:sSub>
+                      <m:r>
+                        <m:rPr>
+                          <m:nor/>
+                        </m:rPr>
+                        <a:rPr lang="en-US" sz="1200" b="0" i="1" dirty="0">
+                          <a:solidFill>
+                            <a:schemeClr val="tx1"/>
+                          </a:solidFill>
+                          <a:latin typeface="Cambria Math"/>
+                        </a:rPr>
+                        <m:t>, </m:t>
+                      </m:r>
+                      <m:r>
+                        <a:rPr lang="de-DE" sz="1200" b="0" i="1">
+                          <a:solidFill>
+                            <a:schemeClr val="tx1"/>
+                          </a:solidFill>
+                          <a:latin typeface="Cambria Math"/>
+                        </a:rPr>
+                        <m:t>𝑛</m:t>
+                      </m:r>
+                      <m:r>
+                        <a:rPr lang="de-DE" sz="1200" b="0" i="1">
+                          <a:solidFill>
+                            <a:schemeClr val="tx1"/>
+                          </a:solidFill>
+                          <a:latin typeface="Cambria Math"/>
+                        </a:rPr>
+                        <m:t>)</m:t>
+                      </m:r>
+                    </m:oMath>
+                  </m:oMathPara>
+                </a14:m>
+                <a:endParaRPr lang="en-US" sz="1200" b="0" i="1" dirty="0">
+                  <a:solidFill>
+                    <a:schemeClr val="tx1"/>
+                  </a:solidFill>
+                  <a:latin typeface="Cambria Math"/>
+                </a:endParaRPr>
+              </a:p>
+            </p:txBody>
+          </p:sp>
+        </mc:Choice>
+        <mc:Fallback>
+          <p:sp>
+            <p:nvSpPr>
+              <p:cNvPr id="13" name="Rechteck 36">
+                <a:extLst>
+                  <a:ext uri="{FF2B5EF4-FFF2-40B4-BE49-F238E27FC236}">
+                    <a16:creationId xmlns:a16="http://schemas.microsoft.com/office/drawing/2014/main" id="{7632AE13-2C9C-4240-97C1-8CAC031DE63C}"/>
+                  </a:ext>
+                </a:extLst>
+              </p:cNvPr>
+              <p:cNvSpPr>
+                <a:spLocks noRot="1" noChangeAspect="1" noMove="1" noResize="1" noEditPoints="1" noAdjustHandles="1" noChangeArrowheads="1" noChangeShapeType="1" noTextEdit="1"/>
+              </p:cNvSpPr>
+              <p:nvPr/>
+            </p:nvSpPr>
+            <p:spPr>
+              <a:xfrm>
+                <a:off x="6084168" y="1340768"/>
+                <a:ext cx="2592288" cy="792088"/>
+              </a:xfrm>
+              <a:prstGeom prst="rect">
+                <a:avLst/>
+              </a:prstGeom>
+              <a:blipFill>
+                <a:blip r:embed="rId5"/>
+                <a:stretch>
+                  <a:fillRect/>
+                </a:stretch>
+              </a:blipFill>
+              <a:ln>
+                <a:solidFill>
+                  <a:schemeClr val="tx1"/>
+                </a:solidFill>
+              </a:ln>
+            </p:spPr>
+            <p:txBody>
+              <a:bodyPr/>
+              <a:lstStyle/>
+              <a:p>
+                <a:r>
+                  <a:rPr lang="en-US">
+                    <a:noFill/>
+                  </a:rPr>
+                  <a:t> </a:t>
+                </a:r>
+              </a:p>
+            </p:txBody>
+          </p:sp>
+        </mc:Fallback>
+      </mc:AlternateContent>
+      <p:sp>
+        <p:nvSpPr>
+          <p:cNvPr id="14" name="Pfeil nach unten 64">
+            <a:extLst>
+              <a:ext uri="{FF2B5EF4-FFF2-40B4-BE49-F238E27FC236}">
+                <a16:creationId xmlns:a16="http://schemas.microsoft.com/office/drawing/2014/main" id="{5EBE5905-B9E1-8340-8D43-1D003E4033E6}"/>
+              </a:ext>
+            </a:extLst>
+          </p:cNvPr>
+          <p:cNvSpPr/>
+          <p:nvPr/>
+        </p:nvSpPr>
+        <p:spPr>
+          <a:xfrm rot="10800000">
+            <a:off x="7260149" y="2132856"/>
+            <a:ext cx="180020" cy="432048"/>
+          </a:xfrm>
+          <a:prstGeom prst="downArrow">
+            <a:avLst/>
+          </a:prstGeom>
+          <a:solidFill>
+            <a:schemeClr val="tx1"/>
+          </a:solidFill>
+          <a:ln>
+            <a:solidFill>
+              <a:schemeClr val="tx1"/>
+            </a:solidFill>
+          </a:ln>
+        </p:spPr>
+        <p:style>
+          <a:lnRef idx="2">
+            <a:schemeClr val="accent1">
+              <a:shade val="50000"/>
+            </a:schemeClr>
+          </a:lnRef>
+          <a:fillRef idx="1">
+            <a:schemeClr val="accent1"/>
+          </a:fillRef>
+          <a:effectRef idx="0">
+            <a:schemeClr val="accent1"/>
+          </a:effectRef>
+          <a:fontRef idx="minor">
+            <a:schemeClr val="lt1"/>
+          </a:fontRef>
+        </p:style>
+        <p:txBody>
+          <a:bodyPr rtlCol="0" anchor="ctr"/>
+          <a:lstStyle/>
+          <a:p>
+            <a:pPr algn="ctr"/>
+            <a:endParaRPr lang="en-US"/>
+          </a:p>
+        </p:txBody>
+      </p:sp>
+      <mc:AlternateContent xmlns:mc="http://schemas.openxmlformats.org/markup-compatibility/2006">
+        <mc:Choice xmlns:a14="http://schemas.microsoft.com/office/drawing/2010/main" Requires="a14">
+          <p:sp>
+            <p:nvSpPr>
+              <p:cNvPr id="15" name="Abgerundetes Rechteck 7">
+                <a:extLst>
+                  <a:ext uri="{FF2B5EF4-FFF2-40B4-BE49-F238E27FC236}">
+                    <a16:creationId xmlns:a16="http://schemas.microsoft.com/office/drawing/2014/main" id="{8A15845B-05FD-A441-8990-91D1EF82B89B}"/>
+                  </a:ext>
+                </a:extLst>
+              </p:cNvPr>
+              <p:cNvSpPr/>
+              <p:nvPr/>
+            </p:nvSpPr>
+            <p:spPr>
+              <a:xfrm>
+                <a:off x="1763688" y="2708920"/>
+                <a:ext cx="3096344" cy="576064"/>
+              </a:xfrm>
+              <a:prstGeom prst="roundRect">
+                <a:avLst/>
+              </a:prstGeom>
+              <a:solidFill>
+                <a:srgbClr val="FFFFCC"/>
+              </a:solidFill>
+            </p:spPr>
+            <p:style>
+              <a:lnRef idx="2">
+                <a:schemeClr val="accent1">
+                  <a:shade val="50000"/>
+                </a:schemeClr>
+              </a:lnRef>
+              <a:fillRef idx="1">
+                <a:schemeClr val="accent1"/>
+              </a:fillRef>
+              <a:effectRef idx="0">
+                <a:schemeClr val="accent1"/>
+              </a:effectRef>
+              <a:fontRef idx="minor">
+                <a:schemeClr val="lt1"/>
+              </a:fontRef>
+            </p:style>
+            <p:txBody>
+              <a:bodyPr rtlCol="0" anchor="ctr"/>
+              <a:lstStyle/>
+              <a:p>
+                <a:pPr algn="ctr"/>
+                <a14:m>
+                  <m:oMathPara xmlns:m="http://schemas.openxmlformats.org/officeDocument/2006/math">
+                    <m:oMathParaPr>
+                      <m:jc m:val="centerGroup"/>
+                    </m:oMathParaPr>
+                    <m:oMath xmlns:m="http://schemas.openxmlformats.org/officeDocument/2006/math">
+                      <m:d>
+                        <m:dPr>
+                          <m:ctrlPr>
+                            <a:rPr lang="en-US" sz="1400" b="0" i="1" smtClean="0">
+                              <a:solidFill>
+                                <a:srgbClr val="000364"/>
+                              </a:solidFill>
+                              <a:latin typeface="Cambria Math" panose="02040503050406030204" pitchFamily="18" charset="0"/>
+                            </a:rPr>
+                          </m:ctrlPr>
+                        </m:dPr>
+                        <m:e>
+                          <m:r>
+                            <a:rPr lang="de-DE" sz="1400" b="0" i="1">
+                              <a:solidFill>
+                                <a:srgbClr val="000364"/>
+                              </a:solidFill>
+                              <a:latin typeface="Cambria Math"/>
+                            </a:rPr>
+                            <m:t>1−</m:t>
+                          </m:r>
+                          <m:f>
+                            <m:fPr>
+                              <m:ctrlPr>
+                                <a:rPr lang="de-DE" sz="1400" b="0" i="1" smtClean="0">
+                                  <a:solidFill>
+                                    <a:srgbClr val="000364"/>
+                                  </a:solidFill>
+                                  <a:latin typeface="Cambria Math" panose="02040503050406030204" pitchFamily="18" charset="0"/>
+                                </a:rPr>
+                              </m:ctrlPr>
+                            </m:fPr>
+                            <m:num>
+                              <m:r>
+                                <a:rPr lang="de-DE" sz="1400" b="0" i="1" smtClean="0">
+                                  <a:solidFill>
+                                    <a:srgbClr val="000364"/>
+                                  </a:solidFill>
+                                  <a:latin typeface="Cambria Math"/>
+                                </a:rPr>
+                                <m:t>𝑛</m:t>
+                              </m:r>
+                            </m:num>
+                            <m:den>
+                              <m:sSub>
+                                <m:sSubPr>
+                                  <m:ctrlPr>
+                                    <a:rPr lang="de-DE" sz="1400" b="0" i="1" smtClean="0">
+                                      <a:solidFill>
+                                        <a:srgbClr val="000364"/>
+                                      </a:solidFill>
+                                      <a:latin typeface="Cambria Math" panose="02040503050406030204" pitchFamily="18" charset="0"/>
+                                      <a:ea typeface="Cambria Math"/>
+                                    </a:rPr>
+                                  </m:ctrlPr>
+                                </m:sSubPr>
+                                <m:e>
+                                  <m:r>
+                                    <a:rPr lang="de-DE" sz="1400" b="0" i="1" smtClean="0">
+                                      <a:solidFill>
+                                        <a:srgbClr val="000364"/>
+                                      </a:solidFill>
+                                      <a:latin typeface="Cambria Math"/>
+                                      <a:ea typeface="Cambria Math"/>
+                                    </a:rPr>
+                                    <m:t>𝐿</m:t>
+                                  </m:r>
+                                </m:e>
+                                <m:sub>
+                                  <m:r>
+                                    <a:rPr lang="de-DE" sz="1400" b="0" i="1" smtClean="0">
+                                      <a:solidFill>
+                                        <a:srgbClr val="000364"/>
+                                      </a:solidFill>
+                                      <a:latin typeface="Cambria Math"/>
+                                      <a:ea typeface="Cambria Math"/>
+                                    </a:rPr>
+                                    <m:t>𝑇𝐴</m:t>
+                                  </m:r>
+                                </m:sub>
+                              </m:sSub>
+                            </m:den>
+                          </m:f>
+                        </m:e>
+                      </m:d>
+                      <m:r>
+                        <a:rPr lang="de-DE" sz="1400" b="0" i="1">
+                          <a:solidFill>
+                            <a:srgbClr val="000364"/>
+                          </a:solidFill>
+                          <a:latin typeface="Cambria Math"/>
+                        </a:rPr>
+                        <m:t>=</m:t>
+                      </m:r>
+                      <m:d>
+                        <m:dPr>
+                          <m:ctrlPr>
+                            <a:rPr lang="de-DE" sz="1400" b="0" i="1">
+                              <a:solidFill>
+                                <a:srgbClr val="000364"/>
+                              </a:solidFill>
+                              <a:latin typeface="Cambria Math" panose="02040503050406030204" pitchFamily="18" charset="0"/>
+                            </a:rPr>
+                          </m:ctrlPr>
+                        </m:dPr>
+                        <m:e>
+                          <m:r>
+                            <a:rPr lang="de-DE" sz="1400" b="0" i="1">
+                              <a:solidFill>
+                                <a:srgbClr val="000364"/>
+                              </a:solidFill>
+                              <a:latin typeface="Cambria Math"/>
+                            </a:rPr>
+                            <m:t>1−</m:t>
+                          </m:r>
+                          <m:sSub>
+                            <m:sSubPr>
+                              <m:ctrlPr>
+                                <a:rPr lang="de-DE" sz="1400" b="0" i="1">
+                                  <a:solidFill>
+                                    <a:srgbClr val="000364"/>
+                                  </a:solidFill>
+                                  <a:latin typeface="Cambria Math" panose="02040503050406030204" pitchFamily="18" charset="0"/>
+                                </a:rPr>
+                              </m:ctrlPr>
+                            </m:sSubPr>
+                            <m:e>
+                              <m:r>
+                                <a:rPr lang="de-DE" sz="1400" b="0" i="1">
+                                  <a:solidFill>
+                                    <a:srgbClr val="000364"/>
+                                  </a:solidFill>
+                                  <a:latin typeface="Cambria Math"/>
+                                </a:rPr>
+                                <m:t>𝐶</m:t>
+                              </m:r>
+                            </m:e>
+                            <m:sub>
+                              <m:r>
+                                <a:rPr lang="de-DE" sz="1400" b="0" i="1">
+                                  <a:solidFill>
+                                    <a:srgbClr val="000364"/>
+                                  </a:solidFill>
+                                  <a:latin typeface="Cambria Math"/>
+                                </a:rPr>
+                                <m:t>𝑡</m:t>
+                              </m:r>
+                            </m:sub>
+                          </m:sSub>
+                        </m:e>
+                      </m:d>
+                      <m:sSup>
+                        <m:sSupPr>
+                          <m:ctrlPr>
+                            <a:rPr lang="de-DE" sz="1400" b="0" i="1">
+                              <a:solidFill>
+                                <a:srgbClr val="000364"/>
+                              </a:solidFill>
+                              <a:latin typeface="Cambria Math" panose="02040503050406030204" pitchFamily="18" charset="0"/>
+                            </a:rPr>
+                          </m:ctrlPr>
+                        </m:sSupPr>
+                        <m:e>
+                          <m:d>
+                            <m:dPr>
+                              <m:ctrlPr>
+                                <a:rPr lang="de-DE" sz="1400" b="0" i="1">
+                                  <a:solidFill>
+                                    <a:srgbClr val="000364"/>
+                                  </a:solidFill>
+                                  <a:latin typeface="Cambria Math" panose="02040503050406030204" pitchFamily="18" charset="0"/>
+                                </a:rPr>
+                              </m:ctrlPr>
+                            </m:dPr>
+                            <m:e>
+                              <m:r>
+                                <a:rPr lang="de-DE" sz="1400" b="0" i="1">
+                                  <a:solidFill>
+                                    <a:srgbClr val="000364"/>
+                                  </a:solidFill>
+                                  <a:latin typeface="Cambria Math"/>
+                                </a:rPr>
+                                <m:t>1−</m:t>
+                              </m:r>
+                              <m:f>
+                                <m:fPr>
+                                  <m:ctrlPr>
+                                    <a:rPr lang="de-DE" sz="1400" b="0" i="1">
+                                      <a:solidFill>
+                                        <a:srgbClr val="000364"/>
+                                      </a:solidFill>
+                                      <a:latin typeface="Cambria Math" panose="02040503050406030204" pitchFamily="18" charset="0"/>
+                                    </a:rPr>
+                                  </m:ctrlPr>
+                                </m:fPr>
+                                <m:num>
+                                  <m:r>
+                                    <a:rPr lang="de-DE" sz="1400" b="0" i="1">
+                                      <a:solidFill>
+                                        <a:srgbClr val="000364"/>
+                                      </a:solidFill>
+                                      <a:latin typeface="Cambria Math"/>
+                                    </a:rPr>
+                                    <m:t>1</m:t>
+                                  </m:r>
+                                </m:num>
+                                <m:den>
+                                  <m:sSub>
+                                    <m:sSubPr>
+                                      <m:ctrlPr>
+                                        <a:rPr lang="de-DE" sz="1400" b="0" i="1">
+                                          <a:solidFill>
+                                            <a:srgbClr val="000364"/>
+                                          </a:solidFill>
+                                          <a:latin typeface="Cambria Math" panose="02040503050406030204" pitchFamily="18" charset="0"/>
+                                          <a:ea typeface="Cambria Math"/>
+                                        </a:rPr>
+                                      </m:ctrlPr>
+                                    </m:sSubPr>
+                                    <m:e>
+                                      <m:r>
+                                        <a:rPr lang="de-DE" sz="1400" b="0" i="1">
+                                          <a:solidFill>
+                                            <a:srgbClr val="000364"/>
+                                          </a:solidFill>
+                                          <a:latin typeface="Cambria Math"/>
+                                          <a:ea typeface="Cambria Math"/>
+                                        </a:rPr>
+                                        <m:t>𝐿</m:t>
+                                      </m:r>
+                                    </m:e>
+                                    <m:sub>
+                                      <m:r>
+                                        <a:rPr lang="de-DE" sz="1400" b="0" i="1">
+                                          <a:solidFill>
+                                            <a:srgbClr val="000364"/>
+                                          </a:solidFill>
+                                          <a:latin typeface="Cambria Math"/>
+                                          <a:ea typeface="Cambria Math"/>
+                                        </a:rPr>
+                                        <m:t>𝑇𝐴</m:t>
+                                      </m:r>
+                                    </m:sub>
+                                  </m:sSub>
+                                </m:den>
+                              </m:f>
+                            </m:e>
+                          </m:d>
+                        </m:e>
+                        <m:sup>
+                          <m:r>
+                            <a:rPr lang="de-DE" sz="1400" b="0" i="1">
+                              <a:solidFill>
+                                <a:srgbClr val="000364"/>
+                              </a:solidFill>
+                              <a:latin typeface="Cambria Math"/>
+                            </a:rPr>
+                            <m:t>𝑛</m:t>
+                          </m:r>
+                        </m:sup>
+                      </m:sSup>
+                    </m:oMath>
+                  </m:oMathPara>
+                </a14:m>
+                <a:endParaRPr lang="en-US" sz="1400" b="0" dirty="0">
+                  <a:solidFill>
+                    <a:srgbClr val="000364"/>
+                  </a:solidFill>
+                </a:endParaRPr>
+              </a:p>
+            </p:txBody>
+          </p:sp>
+        </mc:Choice>
+        <mc:Fallback>
+          <p:sp>
+            <p:nvSpPr>
+              <p:cNvPr id="15" name="Abgerundetes Rechteck 7">
+                <a:extLst>
+                  <a:ext uri="{FF2B5EF4-FFF2-40B4-BE49-F238E27FC236}">
+                    <a16:creationId xmlns:a16="http://schemas.microsoft.com/office/drawing/2014/main" id="{8A15845B-05FD-A441-8990-91D1EF82B89B}"/>
+                  </a:ext>
+                </a:extLst>
+              </p:cNvPr>
+              <p:cNvSpPr>
+                <a:spLocks noRot="1" noChangeAspect="1" noMove="1" noResize="1" noEditPoints="1" noAdjustHandles="1" noChangeArrowheads="1" noChangeShapeType="1" noTextEdit="1"/>
+              </p:cNvSpPr>
+              <p:nvPr/>
+            </p:nvSpPr>
+            <p:spPr>
+              <a:xfrm>
+                <a:off x="1763688" y="2708920"/>
+                <a:ext cx="3096344" cy="576064"/>
+              </a:xfrm>
+              <a:prstGeom prst="roundRect">
+                <a:avLst/>
+              </a:prstGeom>
+              <a:blipFill>
+                <a:blip r:embed="rId6"/>
+                <a:stretch>
+                  <a:fillRect/>
+                </a:stretch>
+              </a:blipFill>
+            </p:spPr>
+            <p:txBody>
+              <a:bodyPr/>
+              <a:lstStyle/>
+              <a:p>
+                <a:r>
+                  <a:rPr lang="en-US">
+                    <a:noFill/>
+                  </a:rPr>
+                  <a:t> </a:t>
+                </a:r>
+              </a:p>
+            </p:txBody>
+          </p:sp>
+        </mc:Fallback>
+      </mc:AlternateContent>
+      <mc:AlternateContent xmlns:mc="http://schemas.openxmlformats.org/markup-compatibility/2006">
+        <mc:Choice xmlns:a14="http://schemas.microsoft.com/office/drawing/2010/main" Requires="a14">
+          <p:sp>
+            <p:nvSpPr>
+              <p:cNvPr id="16" name="Abgerundetes Rechteck 8">
+                <a:extLst>
+                  <a:ext uri="{FF2B5EF4-FFF2-40B4-BE49-F238E27FC236}">
+                    <a16:creationId xmlns:a16="http://schemas.microsoft.com/office/drawing/2014/main" id="{879FF37F-094B-5E44-87F5-FFE8C5921ADD}"/>
+                  </a:ext>
+                </a:extLst>
+              </p:cNvPr>
+              <p:cNvSpPr/>
+              <p:nvPr/>
+            </p:nvSpPr>
+            <p:spPr>
+              <a:xfrm>
+                <a:off x="5292080" y="5157192"/>
+                <a:ext cx="2651204" cy="885784"/>
+              </a:xfrm>
+              <a:prstGeom prst="roundRect">
+                <a:avLst/>
+              </a:prstGeom>
+              <a:solidFill>
+                <a:srgbClr val="FFFFCC"/>
+              </a:solidFill>
+            </p:spPr>
+            <p:style>
+              <a:lnRef idx="2">
+                <a:schemeClr val="accent1">
+                  <a:shade val="50000"/>
+                </a:schemeClr>
+              </a:lnRef>
+              <a:fillRef idx="1">
+                <a:schemeClr val="accent1"/>
+              </a:fillRef>
+              <a:effectRef idx="0">
+                <a:schemeClr val="accent1"/>
+              </a:effectRef>
+              <a:fontRef idx="minor">
+                <a:schemeClr val="lt1"/>
+              </a:fontRef>
+            </p:style>
+            <p:txBody>
+              <a:bodyPr rtlCol="0" anchor="ctr"/>
+              <a:lstStyle/>
+              <a:p>
+                <a:pPr algn="ctr"/>
+                <a14:m>
+                  <m:oMathPara xmlns:m="http://schemas.openxmlformats.org/officeDocument/2006/math">
+                    <m:oMathParaPr>
+                      <m:jc m:val="centerGroup"/>
+                    </m:oMathParaPr>
+                    <m:oMath xmlns:m="http://schemas.openxmlformats.org/officeDocument/2006/math">
+                      <m:sSub>
+                        <m:sSubPr>
+                          <m:ctrlPr>
+                            <a:rPr lang="de-DE" sz="1400" b="0" i="1" smtClean="0">
+                              <a:solidFill>
+                                <a:schemeClr val="tx2">
+                                  <a:lumMod val="75000"/>
+                                </a:schemeClr>
+                              </a:solidFill>
+                              <a:latin typeface="Cambria Math" panose="02040503050406030204" pitchFamily="18" charset="0"/>
+                            </a:rPr>
+                          </m:ctrlPr>
+                        </m:sSubPr>
+                        <m:e>
+                          <m:r>
+                            <a:rPr lang="de-DE" sz="1400" b="0" i="1">
+                              <a:solidFill>
+                                <a:schemeClr val="tx2">
+                                  <a:lumMod val="75000"/>
+                                </a:schemeClr>
+                              </a:solidFill>
+                              <a:latin typeface="Cambria Math"/>
+                            </a:rPr>
+                            <m:t>𝐿</m:t>
+                          </m:r>
+                        </m:e>
+                        <m:sub>
+                          <m:r>
+                            <a:rPr lang="de-DE" sz="1400" b="0" i="1">
+                              <a:solidFill>
+                                <a:schemeClr val="tx2">
+                                  <a:lumMod val="75000"/>
+                                </a:schemeClr>
+                              </a:solidFill>
+                              <a:latin typeface="Cambria Math"/>
+                            </a:rPr>
+                            <m:t>𝑇𝐴</m:t>
+                          </m:r>
+                        </m:sub>
+                      </m:sSub>
+                      <m:r>
+                        <a:rPr lang="de-DE" sz="1400" b="0" i="1">
+                          <a:solidFill>
+                            <a:schemeClr val="tx2">
+                              <a:lumMod val="75000"/>
+                            </a:schemeClr>
+                          </a:solidFill>
+                          <a:latin typeface="Cambria Math"/>
+                        </a:rPr>
+                        <m:t>=</m:t>
+                      </m:r>
+                      <m:f>
+                        <m:fPr>
+                          <m:ctrlPr>
+                            <a:rPr lang="de-DE" sz="1400" b="0" i="1" smtClean="0">
+                              <a:solidFill>
+                                <a:schemeClr val="tx2">
+                                  <a:lumMod val="75000"/>
+                                </a:schemeClr>
+                              </a:solidFill>
+                              <a:latin typeface="Cambria Math" panose="02040503050406030204" pitchFamily="18" charset="0"/>
+                            </a:rPr>
+                          </m:ctrlPr>
+                        </m:fPr>
+                        <m:num>
+                          <m:r>
+                            <a:rPr lang="de-DE" sz="1400" b="0" i="1" smtClean="0">
+                              <a:solidFill>
+                                <a:schemeClr val="tx2">
+                                  <a:lumMod val="75000"/>
+                                </a:schemeClr>
+                              </a:solidFill>
+                              <a:latin typeface="Cambria Math"/>
+                            </a:rPr>
+                            <m:t>𝑛</m:t>
+                          </m:r>
+                        </m:num>
+                        <m:den>
+                          <m:r>
+                            <a:rPr lang="de-DE" sz="1400" b="0" i="1" smtClean="0">
+                              <a:solidFill>
+                                <a:schemeClr val="tx2">
+                                  <a:lumMod val="75000"/>
+                                </a:schemeClr>
+                              </a:solidFill>
+                              <a:latin typeface="Cambria Math"/>
+                            </a:rPr>
+                            <m:t>2</m:t>
+                          </m:r>
+                        </m:den>
+                      </m:f>
+                      <m:d>
+                        <m:dPr>
+                          <m:ctrlPr>
+                            <a:rPr lang="de-DE" sz="1400" b="0" i="1" smtClean="0">
+                              <a:solidFill>
+                                <a:schemeClr val="tx2">
+                                  <a:lumMod val="75000"/>
+                                </a:schemeClr>
+                              </a:solidFill>
+                              <a:latin typeface="Cambria Math" panose="02040503050406030204" pitchFamily="18" charset="0"/>
+                            </a:rPr>
+                          </m:ctrlPr>
+                        </m:dPr>
+                        <m:e>
+                          <m:r>
+                            <a:rPr lang="de-DE" sz="1400" b="0" i="1" smtClean="0">
+                              <a:solidFill>
+                                <a:schemeClr val="tx2">
+                                  <a:lumMod val="75000"/>
+                                </a:schemeClr>
+                              </a:solidFill>
+                              <a:latin typeface="Cambria Math"/>
+                            </a:rPr>
+                            <m:t>1+</m:t>
+                          </m:r>
+                          <m:rad>
+                            <m:radPr>
+                              <m:degHide m:val="on"/>
+                              <m:ctrlPr>
+                                <a:rPr lang="de-DE" sz="1400" b="0" i="1" smtClean="0">
+                                  <a:solidFill>
+                                    <a:schemeClr val="tx2">
+                                      <a:lumMod val="75000"/>
+                                    </a:schemeClr>
+                                  </a:solidFill>
+                                  <a:latin typeface="Cambria Math" panose="02040503050406030204" pitchFamily="18" charset="0"/>
+                                </a:rPr>
+                              </m:ctrlPr>
+                            </m:radPr>
+                            <m:deg/>
+                            <m:e>
+                              <m:f>
+                                <m:fPr>
+                                  <m:ctrlPr>
+                                    <a:rPr lang="de-DE" sz="1400" b="0" i="1" smtClean="0">
+                                      <a:solidFill>
+                                        <a:schemeClr val="tx2">
+                                          <a:lumMod val="75000"/>
+                                        </a:schemeClr>
+                                      </a:solidFill>
+                                      <a:latin typeface="Cambria Math" panose="02040503050406030204" pitchFamily="18" charset="0"/>
+                                    </a:rPr>
+                                  </m:ctrlPr>
+                                </m:fPr>
+                                <m:num>
+                                  <m:r>
+                                    <a:rPr lang="de-DE" sz="1400" b="0" i="1" smtClean="0">
+                                      <a:solidFill>
+                                        <a:schemeClr val="tx2">
+                                          <a:lumMod val="75000"/>
+                                        </a:schemeClr>
+                                      </a:solidFill>
+                                      <a:latin typeface="Cambria Math"/>
+                                    </a:rPr>
+                                    <m:t>2</m:t>
+                                  </m:r>
+                                </m:num>
+                                <m:den>
+                                  <m:sSub>
+                                    <m:sSubPr>
+                                      <m:ctrlPr>
+                                        <a:rPr lang="de-DE" sz="1400" b="0" i="1" smtClean="0">
+                                          <a:solidFill>
+                                            <a:schemeClr val="tx2">
+                                              <a:lumMod val="75000"/>
+                                            </a:schemeClr>
+                                          </a:solidFill>
+                                          <a:latin typeface="Cambria Math" panose="02040503050406030204" pitchFamily="18" charset="0"/>
+                                        </a:rPr>
+                                      </m:ctrlPr>
+                                    </m:sSubPr>
+                                    <m:e>
+                                      <m:r>
+                                        <a:rPr lang="de-DE" sz="1400" b="0" i="1" smtClean="0">
+                                          <a:solidFill>
+                                            <a:schemeClr val="tx2">
+                                              <a:lumMod val="75000"/>
+                                            </a:schemeClr>
+                                          </a:solidFill>
+                                          <a:latin typeface="Cambria Math"/>
+                                        </a:rPr>
+                                        <m:t>𝐶</m:t>
+                                      </m:r>
+                                    </m:e>
+                                    <m:sub>
+                                      <m:r>
+                                        <a:rPr lang="de-DE" sz="1400" b="0" i="1" smtClean="0">
+                                          <a:solidFill>
+                                            <a:schemeClr val="tx2">
+                                              <a:lumMod val="75000"/>
+                                            </a:schemeClr>
+                                          </a:solidFill>
+                                          <a:latin typeface="Cambria Math"/>
+                                        </a:rPr>
+                                        <m:t>𝑡</m:t>
+                                      </m:r>
+                                    </m:sub>
+                                  </m:sSub>
+                                </m:den>
+                              </m:f>
+                              <m:r>
+                                <a:rPr lang="de-DE" sz="1400" b="0" i="1" smtClean="0">
+                                  <a:solidFill>
+                                    <a:schemeClr val="tx2">
+                                      <a:lumMod val="75000"/>
+                                    </a:schemeClr>
+                                  </a:solidFill>
+                                  <a:latin typeface="Cambria Math"/>
+                                </a:rPr>
+                                <m:t>−1</m:t>
+                              </m:r>
+                            </m:e>
+                          </m:rad>
+                        </m:e>
+                      </m:d>
+                    </m:oMath>
+                  </m:oMathPara>
+                </a14:m>
+                <a:endParaRPr lang="en-US" sz="1400" b="0" dirty="0">
+                  <a:solidFill>
+                    <a:schemeClr val="tx2">
+                      <a:lumMod val="75000"/>
+                    </a:schemeClr>
+                  </a:solidFill>
+                </a:endParaRPr>
+              </a:p>
+            </p:txBody>
+          </p:sp>
+        </mc:Choice>
+        <mc:Fallback>
+          <p:sp>
+            <p:nvSpPr>
+              <p:cNvPr id="16" name="Abgerundetes Rechteck 8">
+                <a:extLst>
+                  <a:ext uri="{FF2B5EF4-FFF2-40B4-BE49-F238E27FC236}">
+                    <a16:creationId xmlns:a16="http://schemas.microsoft.com/office/drawing/2014/main" id="{879FF37F-094B-5E44-87F5-FFE8C5921ADD}"/>
+                  </a:ext>
+                </a:extLst>
+              </p:cNvPr>
+              <p:cNvSpPr>
+                <a:spLocks noRot="1" noChangeAspect="1" noMove="1" noResize="1" noEditPoints="1" noAdjustHandles="1" noChangeArrowheads="1" noChangeShapeType="1" noTextEdit="1"/>
+              </p:cNvSpPr>
+              <p:nvPr/>
+            </p:nvSpPr>
+            <p:spPr>
+              <a:xfrm>
+                <a:off x="5292080" y="5157192"/>
+                <a:ext cx="2651204" cy="885784"/>
+              </a:xfrm>
+              <a:prstGeom prst="roundRect">
+                <a:avLst/>
+              </a:prstGeom>
+              <a:blipFill>
+                <a:blip r:embed="rId7"/>
+                <a:stretch>
+                  <a:fillRect/>
+                </a:stretch>
+              </a:blipFill>
+            </p:spPr>
+            <p:txBody>
+              <a:bodyPr/>
+              <a:lstStyle/>
+              <a:p>
+                <a:r>
+                  <a:rPr lang="en-US">
+                    <a:noFill/>
+                  </a:rPr>
+                  <a:t> </a:t>
+                </a:r>
+              </a:p>
+            </p:txBody>
+          </p:sp>
+        </mc:Fallback>
+      </mc:AlternateContent>
+      <mc:AlternateContent xmlns:mc="http://schemas.openxmlformats.org/markup-compatibility/2006">
+        <mc:Choice xmlns:a14="http://schemas.microsoft.com/office/drawing/2010/main" Requires="a14">
+          <p:sp>
+            <p:nvSpPr>
+              <p:cNvPr id="17" name="Textfeld 9">
+                <a:extLst>
+                  <a:ext uri="{FF2B5EF4-FFF2-40B4-BE49-F238E27FC236}">
+                    <a16:creationId xmlns:a16="http://schemas.microsoft.com/office/drawing/2014/main" id="{476F8834-D163-6441-B408-5B6448A4FCB5}"/>
+                  </a:ext>
+                </a:extLst>
+              </p:cNvPr>
+              <p:cNvSpPr txBox="1"/>
+              <p:nvPr/>
+            </p:nvSpPr>
+            <p:spPr>
+              <a:xfrm>
+                <a:off x="7627080" y="2204864"/>
+                <a:ext cx="627800" cy="338554"/>
+              </a:xfrm>
+              <a:prstGeom prst="rect">
+                <a:avLst/>
+              </a:prstGeom>
+            </p:spPr>
+            <p:txBody>
+              <a:bodyPr wrap="none" rtlCol="0">
+                <a:spAutoFit/>
+              </a:bodyPr>
+              <a:lstStyle/>
+              <a:p>
+                <a:pPr algn="ctr"/>
+                <a14:m>
+                  <m:oMath xmlns:m="http://schemas.openxmlformats.org/officeDocument/2006/math">
+                    <m:sSub>
+                      <m:sSubPr>
+                        <m:ctrlPr>
+                          <a:rPr lang="pt-BR" sz="1600" b="0" i="1" smtClean="0">
+                            <a:solidFill>
+                              <a:srgbClr val="C00000"/>
+                            </a:solidFill>
+                            <a:latin typeface="Cambria Math" panose="02040503050406030204" pitchFamily="18" charset="0"/>
+                            <a:cs typeface="+mn-cs"/>
+                          </a:rPr>
+                        </m:ctrlPr>
+                      </m:sSubPr>
+                      <m:e>
+                        <m:r>
+                          <a:rPr lang="de-DE" sz="1600" b="0" i="1">
+                            <a:solidFill>
+                              <a:srgbClr val="C00000"/>
+                            </a:solidFill>
+                            <a:latin typeface="Cambria Math"/>
+                            <a:cs typeface="+mn-cs"/>
+                          </a:rPr>
+                          <m:t>𝑡</m:t>
+                        </m:r>
+                      </m:e>
+                      <m:sub>
+                        <m:r>
+                          <a:rPr lang="de-DE" sz="1600" b="0" i="1">
+                            <a:solidFill>
+                              <a:srgbClr val="C00000"/>
+                            </a:solidFill>
+                            <a:latin typeface="Cambria Math"/>
+                            <a:cs typeface="+mn-cs"/>
+                          </a:rPr>
+                          <m:t>𝑒</m:t>
+                        </m:r>
+                      </m:sub>
+                    </m:sSub>
+                  </m:oMath>
+                </a14:m>
+                <a:r>
+                  <a:rPr lang="en-US" sz="1600" b="0" i="1" dirty="0">
+                    <a:solidFill>
+                      <a:srgbClr val="C00000"/>
+                    </a:solidFill>
+                    <a:latin typeface="Cambria Math"/>
+                    <a:cs typeface="+mn-cs"/>
+                  </a:rPr>
+                  <a:t>,</a:t>
+                </a:r>
+                <a:r>
+                  <a:rPr lang="pt-BR" sz="1600" b="0" i="1" dirty="0">
+                    <a:solidFill>
+                      <a:srgbClr val="C00000"/>
+                    </a:solidFill>
+                    <a:latin typeface="Cambria Math"/>
+                    <a:cs typeface="+mn-cs"/>
+                  </a:rPr>
+                  <a:t> </a:t>
+                </a:r>
+                <a14:m>
+                  <m:oMath xmlns:m="http://schemas.openxmlformats.org/officeDocument/2006/math">
+                    <m:sSub>
+                      <m:sSubPr>
+                        <m:ctrlPr>
+                          <a:rPr lang="pt-BR" sz="1600" b="0" i="1">
+                            <a:solidFill>
+                              <a:srgbClr val="C00000"/>
+                            </a:solidFill>
+                            <a:latin typeface="Cambria Math" panose="02040503050406030204" pitchFamily="18" charset="0"/>
+                            <a:cs typeface="+mn-cs"/>
+                          </a:rPr>
+                        </m:ctrlPr>
+                      </m:sSubPr>
+                      <m:e>
+                        <m:r>
+                          <a:rPr lang="de-DE" sz="1600" b="0" i="1">
+                            <a:solidFill>
+                              <a:srgbClr val="C00000"/>
+                            </a:solidFill>
+                            <a:latin typeface="Cambria Math"/>
+                            <a:cs typeface="+mn-cs"/>
+                          </a:rPr>
+                          <m:t>𝑡</m:t>
+                        </m:r>
+                      </m:e>
+                      <m:sub>
+                        <m:r>
+                          <a:rPr lang="de-DE" sz="1600" b="0" i="1">
+                            <a:solidFill>
+                              <a:srgbClr val="C00000"/>
+                            </a:solidFill>
+                            <a:latin typeface="Cambria Math"/>
+                            <a:cs typeface="+mn-cs"/>
+                          </a:rPr>
+                          <m:t>𝑘</m:t>
+                        </m:r>
+                      </m:sub>
+                    </m:sSub>
+                  </m:oMath>
+                </a14:m>
+                <a:endParaRPr lang="de-DE" sz="1600" b="0" i="1" dirty="0">
+                  <a:solidFill>
+                    <a:srgbClr val="C00000"/>
+                  </a:solidFill>
+                  <a:latin typeface="Cambria Math"/>
+                  <a:cs typeface="+mn-cs"/>
+                </a:endParaRPr>
+              </a:p>
+            </p:txBody>
+          </p:sp>
+        </mc:Choice>
+        <mc:Fallback>
+          <p:sp>
+            <p:nvSpPr>
+              <p:cNvPr id="17" name="Textfeld 9">
+                <a:extLst>
+                  <a:ext uri="{FF2B5EF4-FFF2-40B4-BE49-F238E27FC236}">
+                    <a16:creationId xmlns:a16="http://schemas.microsoft.com/office/drawing/2014/main" id="{476F8834-D163-6441-B408-5B6448A4FCB5}"/>
+                  </a:ext>
+                </a:extLst>
+              </p:cNvPr>
+              <p:cNvSpPr txBox="1">
+                <a:spLocks noRot="1" noChangeAspect="1" noMove="1" noResize="1" noEditPoints="1" noAdjustHandles="1" noChangeArrowheads="1" noChangeShapeType="1" noTextEdit="1"/>
+              </p:cNvSpPr>
+              <p:nvPr/>
+            </p:nvSpPr>
+            <p:spPr>
+              <a:xfrm>
+                <a:off x="7627080" y="2204864"/>
+                <a:ext cx="627800" cy="338554"/>
+              </a:xfrm>
+              <a:prstGeom prst="rect">
+                <a:avLst/>
+              </a:prstGeom>
+              <a:blipFill>
+                <a:blip r:embed="rId8"/>
+                <a:stretch>
+                  <a:fillRect t="-3704" b="-18519"/>
+                </a:stretch>
+              </a:blipFill>
+            </p:spPr>
+            <p:txBody>
+              <a:bodyPr/>
+              <a:lstStyle/>
+              <a:p>
+                <a:r>
+                  <a:rPr lang="en-US">
+                    <a:noFill/>
+                  </a:rPr>
+                  <a:t> </a:t>
+                </a:r>
+              </a:p>
+            </p:txBody>
+          </p:sp>
+        </mc:Fallback>
+      </mc:AlternateContent>
+    </p:spTree>
+    <p:extLst>
+      <p:ext uri="{BB962C8B-B14F-4D97-AF65-F5344CB8AC3E}">
+        <p14:creationId xmlns:p14="http://schemas.microsoft.com/office/powerpoint/2010/main" val="2949188799"/>
+      </p:ext>
+    </p:extLst>
+  </p:cSld>
+  <p:clrMapOvr>
+    <a:masterClrMapping/>
+  </p:clrMapOvr>
+</p:sld>
+</file>
+
+<file path=ppt/slides/slide16.xml><?xml version="1.0" encoding="utf-8"?>
+<p:sld xmlns:a="http://schemas.openxmlformats.org/drawingml/2006/main" xmlns:r="http://schemas.openxmlformats.org/officeDocument/2006/relationships" xmlns:p="http://schemas.openxmlformats.org/presentationml/2006/main">
+  <p:cSld>
+    <p:spTree>
+      <p:nvGrpSpPr>
+        <p:cNvPr id="1" name=""/>
+        <p:cNvGrpSpPr/>
+        <p:nvPr/>
+      </p:nvGrpSpPr>
+      <p:grpSpPr>
+        <a:xfrm>
+          <a:off x="0" y="0"/>
+          <a:ext cx="0" cy="0"/>
+          <a:chOff x="0" y="0"/>
+          <a:chExt cx="0" cy="0"/>
+        </a:xfrm>
+      </p:grpSpPr>
+      <p:sp>
+        <p:nvSpPr>
+          <p:cNvPr id="8" name="Titel 7"/>
+          <p:cNvSpPr>
+            <a:spLocks noGrp="1"/>
+          </p:cNvSpPr>
+          <p:nvPr>
+            <p:ph type="title"/>
+          </p:nvPr>
+        </p:nvSpPr>
+        <p:spPr>
+          <a:xfrm>
+            <a:off x="466725" y="334800"/>
+            <a:ext cx="8208000" cy="369332"/>
+          </a:xfrm>
+        </p:spPr>
+        <p:txBody>
+          <a:bodyPr/>
+          <a:lstStyle/>
+          <a:p>
+            <a:pPr lvl="1"/>
+            <a:r>
+              <a:rPr lang="en-US" dirty="0"/>
+              <a:t>Time-Aware System</a:t>
+            </a:r>
+          </a:p>
+        </p:txBody>
+      </p:sp>
+      <p:pic>
+        <p:nvPicPr>
+          <p:cNvPr id="11" name="Picture Placeholder 10">
+            <a:extLst>
+              <a:ext uri="{FF2B5EF4-FFF2-40B4-BE49-F238E27FC236}">
+                <a16:creationId xmlns:a16="http://schemas.microsoft.com/office/drawing/2014/main" id="{5A0D3CB2-E0E6-284D-B358-2D0FC1F909EA}"/>
+              </a:ext>
+            </a:extLst>
+          </p:cNvPr>
+          <p:cNvPicPr>
+            <a:picLocks noGrp="1" noChangeAspect="1"/>
+          </p:cNvPicPr>
+          <p:nvPr>
+            <p:ph type="pic" sz="quarter" idx="11"/>
+          </p:nvPr>
+        </p:nvPicPr>
+        <p:blipFill>
+          <a:blip r:embed="rId2">
+            <a:extLst>
+              <a:ext uri="{28A0092B-C50C-407E-A947-70E740481C1C}">
+                <a14:useLocalDpi xmlns:a14="http://schemas.microsoft.com/office/drawing/2010/main" val="0"/>
+              </a:ext>
+            </a:extLst>
+          </a:blip>
+          <a:srcRect l="7889" r="7889"/>
+          <a:stretch>
+            <a:fillRect/>
+          </a:stretch>
+        </p:blipFill>
+        <p:spPr>
+          <a:xfrm>
+            <a:off x="7524750" y="100013"/>
+            <a:ext cx="1149350" cy="906462"/>
+          </a:xfrm>
+        </p:spPr>
+      </p:pic>
+      <mc:AlternateContent xmlns:mc="http://schemas.openxmlformats.org/markup-compatibility/2006" xmlns:a14="http://schemas.microsoft.com/office/drawing/2010/main">
+        <mc:Choice Requires="a14">
+          <p:sp>
+            <p:nvSpPr>
+              <p:cNvPr id="2" name="Datumsplatzhalter 1"/>
+              <p:cNvSpPr>
+                <a:spLocks noGrp="1"/>
+              </p:cNvSpPr>
+              <p:nvPr>
+                <p:ph type="dt" sz="half" idx="2"/>
+              </p:nvPr>
+            </p:nvSpPr>
+            <p:spPr/>
+            <p:txBody>
+              <a:bodyPr/>
+              <a:lstStyle/>
+              <a:p>
+                <a:fld id="{B6D6825A-82F5-3A4F-9E8F-D3A513A73C6B}" type="datetime3">
+                  <a:rPr lang="de-DE" smtClean="0"/>
+                  <a:t>11/03/2018</a:t>
+                </a:fld>
+                <a:endParaRPr lang="de-DE"/>
+              </a:p>
+            </p:txBody>
+          </p:sp>
+        </mc:Choice>
+        <mc:Fallback xmlns="">
+          <p:sp>
+            <p:nvSpPr>
+              <p:cNvPr id="2" name="Datumsplatzhalter 1"/>
+              <p:cNvSpPr>
+                <a:spLocks noGrp="1" noRot="1" noChangeAspect="1" noMove="1" noResize="1" noEditPoints="1" noAdjustHandles="1" noChangeArrowheads="1" noChangeShapeType="1" noTextEdit="1"/>
+              </p:cNvSpPr>
+              <p:nvPr>
+                <p:ph type="dt" sz="half" idx="2"/>
+              </p:nvPr>
+            </p:nvSpPr>
+            <p:spPr>
+              <a:blipFill>
+                <a:blip r:embed="rId3"/>
+                <a:stretch>
+                  <a:fillRect/>
+                </a:stretch>
+              </a:blipFill>
+            </p:spPr>
+            <p:txBody>
+              <a:bodyPr/>
+              <a:lstStyle/>
+              <a:p>
+                <a:r>
+                  <a:rPr lang="en-US">
+                    <a:noFill/>
+                  </a:rPr>
+                  <a:t> </a:t>
+                </a:r>
+              </a:p>
+            </p:txBody>
+          </p:sp>
+        </mc:Fallback>
+      </mc:AlternateContent>
+      <mc:AlternateContent xmlns:mc="http://schemas.openxmlformats.org/markup-compatibility/2006" xmlns:a14="http://schemas.microsoft.com/office/drawing/2010/main">
+        <mc:Choice Requires="a14">
+          <p:sp>
+            <p:nvSpPr>
+              <p:cNvPr id="3" name="Fußzeilenplatzhalter 2"/>
+              <p:cNvSpPr>
+                <a:spLocks noGrp="1"/>
+              </p:cNvSpPr>
+              <p:nvPr>
+                <p:ph type="ftr" sz="quarter" idx="3"/>
+              </p:nvPr>
+            </p:nvSpPr>
+            <p:spPr/>
+            <p:txBody>
+              <a:bodyPr/>
+              <a:lstStyle/>
+              <a:p>
+                <a:r>
+                  <a:rPr lang="de-DE"/>
+                  <a:t>Hazem Elsaid Ibrahim | PhD Dissertation</a:t>
+                </a:r>
+              </a:p>
+            </p:txBody>
+          </p:sp>
+        </mc:Choice>
+        <mc:Fallback xmlns="">
           <p:sp>
             <p:nvSpPr>
               <p:cNvPr id="3" name="Fußzeilenplatzhalter 2"/>
@@ -15538,68 +19865,120 @@
               </a:lstStyle>
               <a:p>
                 <a:r>
-                  <a:rPr lang="en-US" dirty="0"/>
-                  <a:t>Mean identification time </a:t>
+                  <a:rPr lang="en-US" sz="1600" dirty="0"/>
+                  <a:t>Time-aware optimum frame length comparison</a:t>
                 </a:r>
                 <a:r>
                   <a:rPr lang="en-US" sz="1600" kern="0" dirty="0"/>
-                  <a:t>comparison using:</a:t>
+                  <a:t>:</a:t>
                 </a:r>
               </a:p>
               <a:p>
                 <a:pPr lvl="1"/>
                 <a:r>
-                  <a:rPr lang="en-US" sz="1600" kern="0" dirty="0"/>
-                  <a:t>PHY-layer without collision recovery capability </a:t>
+                  <a:rPr lang="en-US" sz="1400" kern="0" dirty="0"/>
+                  <a:t>Number of tags </a:t>
                 </a:r>
                 <a14:m>
                   <m:oMath xmlns:m="http://schemas.openxmlformats.org/officeDocument/2006/math">
                     <m:r>
-                      <a:rPr lang="en-US" sz="1600" i="1" kern="0">
-                        <a:latin typeface="Cambria Math"/>
+                      <a:rPr lang="en-US" sz="1400" b="0" i="1" kern="0" smtClean="0">
+                        <a:latin typeface="Cambria Math" panose="02040503050406030204" pitchFamily="18" charset="0"/>
                       </a:rPr>
-                      <m:t>𝛼</m:t>
+                      <m:t>𝑛</m:t>
                     </m:r>
                     <m:r>
-                      <a:rPr lang="en-US" sz="1600" i="1" kern="0">
-                        <a:latin typeface="Cambria Math"/>
+                      <a:rPr lang="en-US" sz="1400" b="0" i="1" kern="0" smtClean="0">
+                        <a:latin typeface="Cambria Math" panose="02040503050406030204" pitchFamily="18" charset="0"/>
                       </a:rPr>
-                      <m:t>=0</m:t>
+                      <m:t>=100</m:t>
                     </m:r>
                   </m:oMath>
                 </a14:m>
-                <a:endParaRPr lang="en-US" sz="1600" i="1" kern="0" dirty="0">
+                <a:r>
+                  <a:rPr lang="en-US" sz="1400" i="1" kern="0" dirty="0">
+                    <a:cs typeface="Calibri" panose="020F0502020204030204" pitchFamily="34" charset="0"/>
+                  </a:rPr>
+                  <a:t>.</a:t>
+                </a:r>
+              </a:p>
+              <a:p>
+                <a:pPr lvl="1"/>
+                <a14:m>
+                  <m:oMath xmlns:m="http://schemas.openxmlformats.org/officeDocument/2006/math">
+                    <m:sSub>
+                      <m:sSubPr>
+                        <m:ctrlPr>
+                          <a:rPr lang="en-US" sz="1400" i="1" dirty="0">
+                            <a:latin typeface="Cambria Math" panose="02040503050406030204" pitchFamily="18" charset="0"/>
+                          </a:rPr>
+                        </m:ctrlPr>
+                      </m:sSubPr>
+                      <m:e>
+                        <m:r>
+                          <a:rPr lang="de-DE" sz="1400" dirty="0">
+                            <a:latin typeface="Cambria Math" panose="02040503050406030204" pitchFamily="18" charset="0"/>
+                          </a:rPr>
+                          <m:t>𝐶</m:t>
+                        </m:r>
+                      </m:e>
+                      <m:sub>
+                        <m:r>
+                          <a:rPr lang="de-DE" sz="1400" dirty="0">
+                            <a:latin typeface="Cambria Math" panose="02040503050406030204" pitchFamily="18" charset="0"/>
+                          </a:rPr>
+                          <m:t>𝑡</m:t>
+                        </m:r>
+                      </m:sub>
+                    </m:sSub>
+                  </m:oMath>
+                </a14:m>
+                <a:r>
+                  <a:rPr lang="en-US" sz="1400" dirty="0"/>
+                  <a:t>: Slot duration constant</a:t>
+                </a:r>
+                <a:endParaRPr lang="en-US" sz="1400" i="1" kern="0" dirty="0">
                   <a:cs typeface="Calibri" panose="020F0502020204030204" pitchFamily="34" charset="0"/>
                 </a:endParaRPr>
               </a:p>
               <a:p>
                 <a:pPr lvl="1"/>
-                <a:r>
-                  <a:rPr lang="en-US" sz="1600" kern="0" dirty="0"/>
-                  <a:t>PHY-layer with collision recovery capability </a:t>
-                </a:r>
                 <a14:m>
                   <m:oMath xmlns:m="http://schemas.openxmlformats.org/officeDocument/2006/math">
-                    <m:r>
-                      <a:rPr lang="en-US" sz="1600" i="1" kern="0">
-                        <a:latin typeface="Cambria Math"/>
-                      </a:rPr>
-                      <m:t>𝛼</m:t>
-                    </m:r>
-                    <m:r>
-                      <a:rPr lang="en-US" sz="1600" i="1" kern="0">
-                        <a:latin typeface="Cambria Math"/>
-                      </a:rPr>
-                      <m:t>=0</m:t>
-                    </m:r>
-                    <m:r>
-                      <a:rPr lang="en-US" sz="1600" i="1" kern="0" smtClean="0">
-                        <a:latin typeface="Cambria Math" panose="02040503050406030204" pitchFamily="18" charset="0"/>
-                      </a:rPr>
-                      <m:t>.7</m:t>
-                    </m:r>
+                    <m:sSub>
+                      <m:sSubPr>
+                        <m:ctrlPr>
+                          <a:rPr lang="en-US" sz="1400" i="1" dirty="0">
+                            <a:latin typeface="Cambria Math" panose="02040503050406030204" pitchFamily="18" charset="0"/>
+                          </a:rPr>
+                        </m:ctrlPr>
+                      </m:sSubPr>
+                      <m:e>
+                        <m:r>
+                          <a:rPr lang="de-DE" sz="1400" dirty="0">
+                            <a:latin typeface="Cambria Math" panose="02040503050406030204" pitchFamily="18" charset="0"/>
+                          </a:rPr>
+                          <m:t>𝐿</m:t>
+                        </m:r>
+                      </m:e>
+                      <m:sub>
+                        <m:r>
+                          <a:rPr lang="de-DE" sz="1400" dirty="0">
+                            <a:latin typeface="Cambria Math" panose="02040503050406030204" pitchFamily="18" charset="0"/>
+                          </a:rPr>
+                          <m:t>𝑇𝐴</m:t>
+                        </m:r>
+                      </m:sub>
+                    </m:sSub>
                   </m:oMath>
                 </a14:m>
+                <a:r>
+                  <a:rPr lang="en-US" sz="1400" dirty="0"/>
+                  <a:t>: Optimum time aware frame length </a:t>
+                </a:r>
+              </a:p>
+              <a:p>
+                <a:pPr lvl="1"/>
                 <a:endParaRPr lang="en-US" sz="1600" i="1" kern="0" dirty="0">
                   <a:cs typeface="Calibri" panose="020F0502020204030204" pitchFamily="34" charset="0"/>
                 </a:endParaRPr>
@@ -15728,7 +20107,7 @@
               <a:blipFill>
                 <a:blip r:embed="rId6"/>
                 <a:stretch>
-                  <a:fillRect l="-446" t="-489"/>
+                  <a:fillRect l="-297" t="-244"/>
                 </a:stretch>
               </a:blipFill>
             </p:spPr>
@@ -15761,11 +20140,17 @@
               <p:cNvGraphicFramePr>
                 <a:graphicFrameLocks/>
               </p:cNvGraphicFramePr>
-              <p:nvPr/>
+              <p:nvPr>
+                <p:extLst>
+                  <p:ext uri="{D42A27DB-BD31-4B8C-83A1-F6EECF244321}">
+                    <p14:modId xmlns:p14="http://schemas.microsoft.com/office/powerpoint/2010/main" val="2154476816"/>
+                  </p:ext>
+                </p:extLst>
+              </p:nvPr>
             </p:nvGraphicFramePr>
             <p:xfrm>
-              <a:off x="466725" y="2348881"/>
-              <a:ext cx="3927636" cy="3672408"/>
+              <a:off x="466725" y="2492895"/>
+              <a:ext cx="3927636" cy="3528393"/>
             </p:xfrm>
             <a:graphic>
               <a:graphicData uri="http://schemas.openxmlformats.org/drawingml/2006/chart">
@@ -15787,11 +20172,17 @@
               <p:cNvGraphicFramePr>
                 <a:graphicFrameLocks/>
               </p:cNvGraphicFramePr>
-              <p:nvPr/>
+              <p:nvPr>
+                <p:extLst>
+                  <p:ext uri="{D42A27DB-BD31-4B8C-83A1-F6EECF244321}">
+                    <p14:modId xmlns:p14="http://schemas.microsoft.com/office/powerpoint/2010/main" val="2154476816"/>
+                  </p:ext>
+                </p:extLst>
+              </p:nvPr>
             </p:nvGraphicFramePr>
             <p:xfrm>
-              <a:off x="466725" y="2348881"/>
-              <a:ext cx="3927636" cy="3672408"/>
+              <a:off x="466725" y="2492895"/>
+              <a:ext cx="3927636" cy="3528393"/>
             </p:xfrm>
             <a:graphic>
               <a:graphicData uri="http://schemas.openxmlformats.org/drawingml/2006/chart">
@@ -15818,14 +20209,14 @@
               <p:nvPr>
                 <p:extLst>
                   <p:ext uri="{D42A27DB-BD31-4B8C-83A1-F6EECF244321}">
-                    <p14:modId xmlns:p14="http://schemas.microsoft.com/office/powerpoint/2010/main" val="1884222464"/>
+                    <p14:modId xmlns:p14="http://schemas.microsoft.com/office/powerpoint/2010/main" val="4102777193"/>
                   </p:ext>
                 </p:extLst>
               </p:nvPr>
             </p:nvGraphicFramePr>
             <p:xfrm>
-              <a:off x="4538823" y="2348881"/>
-              <a:ext cx="4105275" cy="3672407"/>
+              <a:off x="4538823" y="2492896"/>
+              <a:ext cx="4105275" cy="3528392"/>
             </p:xfrm>
             <a:graphic>
               <a:graphicData uri="http://schemas.openxmlformats.org/drawingml/2006/chart">
@@ -15850,14 +20241,14 @@
               <p:nvPr>
                 <p:extLst>
                   <p:ext uri="{D42A27DB-BD31-4B8C-83A1-F6EECF244321}">
-                    <p14:modId xmlns:p14="http://schemas.microsoft.com/office/powerpoint/2010/main" val="1884222464"/>
+                    <p14:modId xmlns:p14="http://schemas.microsoft.com/office/powerpoint/2010/main" val="4102777193"/>
                   </p:ext>
                 </p:extLst>
               </p:nvPr>
             </p:nvGraphicFramePr>
             <p:xfrm>
-              <a:off x="4538823" y="2348881"/>
-              <a:ext cx="4105275" cy="3672407"/>
+              <a:off x="4538823" y="2492896"/>
+              <a:ext cx="4105275" cy="3528392"/>
             </p:xfrm>
             <a:graphic>
               <a:graphicData uri="http://schemas.openxmlformats.org/drawingml/2006/chart">
@@ -15867,156 +20258,48 @@
           </p:graphicFrame>
         </mc:Fallback>
       </mc:AlternateContent>
-      <mc:AlternateContent xmlns:mc="http://schemas.openxmlformats.org/markup-compatibility/2006">
-        <mc:Choice xmlns:a14="http://schemas.microsoft.com/office/drawing/2010/main" Requires="a14">
-          <p:sp>
-            <p:nvSpPr>
-              <p:cNvPr id="22" name="TextBox 21">
-                <a:extLst>
-                  <a:ext uri="{FF2B5EF4-FFF2-40B4-BE49-F238E27FC236}">
-                    <a16:creationId xmlns:a16="http://schemas.microsoft.com/office/drawing/2014/main" id="{F1089588-4BAC-9E42-AAEA-873E8B98796C}"/>
-                  </a:ext>
-                </a:extLst>
-              </p:cNvPr>
-              <p:cNvSpPr txBox="1"/>
-              <p:nvPr/>
-            </p:nvSpPr>
-            <p:spPr>
-              <a:xfrm>
-                <a:off x="557136" y="5421124"/>
-                <a:ext cx="1983043" cy="600164"/>
-              </a:xfrm>
-              <a:prstGeom prst="rect">
-                <a:avLst/>
-              </a:prstGeom>
-              <a:noFill/>
-            </p:spPr>
-            <p:txBody>
-              <a:bodyPr wrap="none" rtlCol="0">
-                <a:spAutoFit/>
-              </a:bodyPr>
-              <a:lstStyle/>
-              <a:p>
-                <a:pPr marL="171450" indent="-171450">
-                  <a:buFont typeface="Wingdings" pitchFamily="2" charset="2"/>
-                  <a:buChar char="§"/>
-                </a:pPr>
-                <a14:m>
-                  <m:oMath xmlns:m="http://schemas.openxmlformats.org/officeDocument/2006/math">
-                    <m:r>
-                      <a:rPr lang="el-GR" sz="1100" i="1" kern="0" smtClean="0">
-                        <a:latin typeface="Cambria Math" panose="02040503050406030204" pitchFamily="18" charset="0"/>
-                        <a:ea typeface="Cambria Math" panose="02040503050406030204" pitchFamily="18" charset="0"/>
-                      </a:rPr>
-                      <m:t>𝜏</m:t>
-                    </m:r>
-                  </m:oMath>
-                </a14:m>
-                <a:r>
-                  <a:rPr lang="en-US" sz="1100" dirty="0">
-                    <a:latin typeface="+mj-lt"/>
-                  </a:rPr>
-                  <a:t>: Mean identification time</a:t>
-                </a:r>
-              </a:p>
-              <a:p>
-                <a:pPr marL="171450" indent="-171450">
-                  <a:buFont typeface="Wingdings" pitchFamily="2" charset="2"/>
-                  <a:buChar char="§"/>
-                </a:pPr>
-                <a14:m>
-                  <m:oMath xmlns:m="http://schemas.openxmlformats.org/officeDocument/2006/math">
-                    <m:r>
-                      <a:rPr lang="en-US" sz="1100" i="1" dirty="0" smtClean="0">
-                        <a:latin typeface="Cambria Math" panose="02040503050406030204" pitchFamily="18" charset="0"/>
-                      </a:rPr>
-                      <m:t>𝑛</m:t>
-                    </m:r>
-                  </m:oMath>
-                </a14:m>
-                <a:r>
-                  <a:rPr lang="en-US" sz="1100" dirty="0">
-                    <a:latin typeface="+mj-lt"/>
-                  </a:rPr>
-                  <a:t>: Actual number of tags</a:t>
-                </a:r>
-              </a:p>
-              <a:p>
-                <a:pPr marL="171450" indent="-171450">
-                  <a:buFont typeface="Wingdings" pitchFamily="2" charset="2"/>
-                  <a:buChar char="§"/>
-                </a:pPr>
-                <a14:m>
-                  <m:oMath xmlns:m="http://schemas.openxmlformats.org/officeDocument/2006/math">
-                    <m:r>
-                      <a:rPr lang="en-US" sz="1100" i="1" dirty="0" smtClean="0">
-                        <a:latin typeface="Cambria Math" panose="02040503050406030204" pitchFamily="18" charset="0"/>
-                      </a:rPr>
-                      <m:t>𝐿</m:t>
-                    </m:r>
-                  </m:oMath>
-                </a14:m>
-                <a:r>
-                  <a:rPr lang="en-US" sz="1100" dirty="0">
-                    <a:latin typeface="+mj-lt"/>
-                  </a:rPr>
-                  <a:t>: current frame length </a:t>
-                </a:r>
-              </a:p>
-            </p:txBody>
-          </p:sp>
-        </mc:Choice>
-        <mc:Fallback>
-          <p:sp>
-            <p:nvSpPr>
-              <p:cNvPr id="22" name="TextBox 21">
-                <a:extLst>
-                  <a:ext uri="{FF2B5EF4-FFF2-40B4-BE49-F238E27FC236}">
-                    <a16:creationId xmlns:a16="http://schemas.microsoft.com/office/drawing/2014/main" id="{F1089588-4BAC-9E42-AAEA-873E8B98796C}"/>
-                  </a:ext>
-                </a:extLst>
-              </p:cNvPr>
-              <p:cNvSpPr txBox="1">
-                <a:spLocks noRot="1" noChangeAspect="1" noMove="1" noResize="1" noEditPoints="1" noAdjustHandles="1" noChangeArrowheads="1" noChangeShapeType="1" noTextEdit="1"/>
-              </p:cNvSpPr>
-              <p:nvPr/>
-            </p:nvSpPr>
-            <p:spPr>
-              <a:xfrm>
-                <a:off x="557136" y="5421124"/>
-                <a:ext cx="1983043" cy="600164"/>
-              </a:xfrm>
-              <a:prstGeom prst="rect">
-                <a:avLst/>
-              </a:prstGeom>
-              <a:blipFill>
-                <a:blip r:embed="rId9"/>
-                <a:stretch>
-                  <a:fillRect b="-6250"/>
-                </a:stretch>
-              </a:blipFill>
-            </p:spPr>
-            <p:txBody>
-              <a:bodyPr/>
-              <a:lstStyle/>
-              <a:p>
-                <a:r>
-                  <a:rPr lang="en-US">
-                    <a:noFill/>
-                  </a:rPr>
-                  <a:t> </a:t>
-                </a:r>
-              </a:p>
-            </p:txBody>
-          </p:sp>
-        </mc:Fallback>
-      </mc:AlternateContent>
       <p:pic>
         <p:nvPicPr>
-          <p:cNvPr id="5" name="Picture 4">
+          <p:cNvPr id="15" name="Picture 14">
             <a:extLst>
               <a:ext uri="{FF2B5EF4-FFF2-40B4-BE49-F238E27FC236}">
-                <a16:creationId xmlns:a16="http://schemas.microsoft.com/office/drawing/2014/main" id="{DFC3CCCC-3917-FB4C-87D1-0B8F502E59B4}"/>
+                <a16:creationId xmlns:a16="http://schemas.microsoft.com/office/drawing/2014/main" id="{70079B25-9549-2241-A2FA-28CA887CF39B}"/>
+              </a:ext>
+            </a:extLst>
+          </p:cNvPr>
+          <p:cNvPicPr>
+            <a:picLocks noChangeAspect="1"/>
+          </p:cNvPicPr>
+          <p:nvPr/>
+        </p:nvPicPr>
+        <p:blipFill>
+          <a:blip r:embed="rId9">
+            <a:extLst>
+              <a:ext uri="{28A0092B-C50C-407E-A947-70E740481C1C}">
+                <a14:useLocalDpi xmlns:a14="http://schemas.microsoft.com/office/drawing/2010/main" val="0"/>
+              </a:ext>
+            </a:extLst>
+          </a:blip>
+          <a:stretch>
+            <a:fillRect/>
+          </a:stretch>
+        </p:blipFill>
+        <p:spPr>
+          <a:xfrm>
+            <a:off x="511930" y="3146522"/>
+            <a:ext cx="3837225" cy="2802758"/>
+          </a:xfrm>
+          <a:prstGeom prst="rect">
+            <a:avLst/>
+          </a:prstGeom>
+        </p:spPr>
+      </p:pic>
+      <p:pic>
+        <p:nvPicPr>
+          <p:cNvPr id="17" name="Picture 16">
+            <a:extLst>
+              <a:ext uri="{FF2B5EF4-FFF2-40B4-BE49-F238E27FC236}">
+                <a16:creationId xmlns:a16="http://schemas.microsoft.com/office/drawing/2014/main" id="{3C2F8990-8234-7945-81D6-157D86BEF153}"/>
               </a:ext>
             </a:extLst>
           </p:cNvPr>
@@ -16039,44 +20322,8 @@
         </p:blipFill>
         <p:spPr>
           <a:xfrm>
-            <a:off x="502213" y="2684567"/>
-            <a:ext cx="3819101" cy="2742268"/>
-          </a:xfrm>
-          <a:prstGeom prst="rect">
-            <a:avLst/>
-          </a:prstGeom>
-        </p:spPr>
-      </p:pic>
-      <p:pic>
-        <p:nvPicPr>
-          <p:cNvPr id="10" name="Picture 9">
-            <a:extLst>
-              <a:ext uri="{FF2B5EF4-FFF2-40B4-BE49-F238E27FC236}">
-                <a16:creationId xmlns:a16="http://schemas.microsoft.com/office/drawing/2014/main" id="{E7B5A39B-24F2-0D43-8DBD-0F6D6B7A306E}"/>
-              </a:ext>
-            </a:extLst>
-          </p:cNvPr>
-          <p:cNvPicPr>
-            <a:picLocks noChangeAspect="1"/>
-          </p:cNvPicPr>
-          <p:nvPr/>
-        </p:nvPicPr>
-        <p:blipFill>
-          <a:blip r:embed="rId11">
-            <a:extLst>
-              <a:ext uri="{28A0092B-C50C-407E-A947-70E740481C1C}">
-                <a14:useLocalDpi xmlns:a14="http://schemas.microsoft.com/office/drawing/2010/main" val="0"/>
-              </a:ext>
-            </a:extLst>
-          </a:blip>
-          <a:stretch>
-            <a:fillRect/>
-          </a:stretch>
-        </p:blipFill>
-        <p:spPr>
-          <a:xfrm>
-            <a:off x="4647832" y="2684567"/>
-            <a:ext cx="3887256" cy="2768600"/>
+            <a:off x="4611240" y="3180680"/>
+            <a:ext cx="3960440" cy="2768600"/>
           </a:xfrm>
           <a:prstGeom prst="rect">
             <a:avLst/>
@@ -16086,7 +20333,7 @@
     </p:spTree>
     <p:extLst>
       <p:ext uri="{BB962C8B-B14F-4D97-AF65-F5344CB8AC3E}">
-        <p14:creationId xmlns:p14="http://schemas.microsoft.com/office/powerpoint/2010/main" val="1572571660"/>
+        <p14:creationId xmlns:p14="http://schemas.microsoft.com/office/powerpoint/2010/main" val="1975594156"/>
       </p:ext>
     </p:extLst>
   </p:cSld>
@@ -16096,225 +20343,7 @@
 </p:sld>
 </file>
 
-<file path=ppt/slides/slide15.xml><?xml version="1.0" encoding="utf-8"?>
-<p:sld xmlns:a="http://schemas.openxmlformats.org/drawingml/2006/main" xmlns:r="http://schemas.openxmlformats.org/officeDocument/2006/relationships" xmlns:p="http://schemas.openxmlformats.org/presentationml/2006/main">
-  <p:cSld>
-    <p:spTree>
-      <p:nvGrpSpPr>
-        <p:cNvPr id="1" name=""/>
-        <p:cNvGrpSpPr/>
-        <p:nvPr/>
-      </p:nvGrpSpPr>
-      <p:grpSpPr>
-        <a:xfrm>
-          <a:off x="0" y="0"/>
-          <a:ext cx="0" cy="0"/>
-          <a:chOff x="0" y="0"/>
-          <a:chExt cx="0" cy="0"/>
-        </a:xfrm>
-      </p:grpSpPr>
-      <p:sp>
-        <p:nvSpPr>
-          <p:cNvPr id="8" name="Titel 7"/>
-          <p:cNvSpPr>
-            <a:spLocks noGrp="1"/>
-          </p:cNvSpPr>
-          <p:nvPr>
-            <p:ph type="title"/>
-          </p:nvPr>
-        </p:nvSpPr>
-        <p:spPr>
-          <a:xfrm>
-            <a:off x="466725" y="334800"/>
-            <a:ext cx="8208000" cy="369332"/>
-          </a:xfrm>
-        </p:spPr>
-        <p:txBody>
-          <a:bodyPr/>
-          <a:lstStyle/>
-          <a:p>
-            <a:pPr lvl="1"/>
-            <a:r>
-              <a:rPr lang="en-US" dirty="0"/>
-              <a:t>Estimation of the RFID Tags Population</a:t>
-            </a:r>
-          </a:p>
-        </p:txBody>
-      </p:sp>
-      <p:sp>
-        <p:nvSpPr>
-          <p:cNvPr id="10" name="Textplatzhalter 9"/>
-          <p:cNvSpPr>
-            <a:spLocks noGrp="1"/>
-          </p:cNvSpPr>
-          <p:nvPr>
-            <p:ph type="body" sz="quarter" idx="15"/>
-          </p:nvPr>
-        </p:nvSpPr>
-        <p:spPr/>
-        <p:txBody>
-          <a:bodyPr/>
-          <a:lstStyle/>
-          <a:p>
-            <a:endParaRPr lang="de-DE"/>
-          </a:p>
-        </p:txBody>
-      </p:sp>
-      <p:pic>
-        <p:nvPicPr>
-          <p:cNvPr id="11" name="Picture Placeholder 10">
-            <a:extLst>
-              <a:ext uri="{FF2B5EF4-FFF2-40B4-BE49-F238E27FC236}">
-                <a16:creationId xmlns:a16="http://schemas.microsoft.com/office/drawing/2014/main" id="{5A0D3CB2-E0E6-284D-B358-2D0FC1F909EA}"/>
-              </a:ext>
-            </a:extLst>
-          </p:cNvPr>
-          <p:cNvPicPr>
-            <a:picLocks noGrp="1" noChangeAspect="1"/>
-          </p:cNvPicPr>
-          <p:nvPr>
-            <p:ph type="pic" sz="quarter" idx="11"/>
-          </p:nvPr>
-        </p:nvPicPr>
-        <p:blipFill>
-          <a:blip r:embed="rId2">
-            <a:extLst>
-              <a:ext uri="{28A0092B-C50C-407E-A947-70E740481C1C}">
-                <a14:useLocalDpi xmlns:a14="http://schemas.microsoft.com/office/drawing/2010/main" val="0"/>
-              </a:ext>
-            </a:extLst>
-          </a:blip>
-          <a:srcRect l="7889" r="7889"/>
-          <a:stretch>
-            <a:fillRect/>
-          </a:stretch>
-        </p:blipFill>
-        <p:spPr>
-          <a:xfrm>
-            <a:off x="7524750" y="100013"/>
-            <a:ext cx="1149350" cy="906462"/>
-          </a:xfrm>
-        </p:spPr>
-      </p:pic>
-      <p:sp>
-        <p:nvSpPr>
-          <p:cNvPr id="2" name="Datumsplatzhalter 1"/>
-          <p:cNvSpPr>
-            <a:spLocks noGrp="1"/>
-          </p:cNvSpPr>
-          <p:nvPr>
-            <p:ph type="dt" sz="half" idx="2"/>
-          </p:nvPr>
-        </p:nvSpPr>
-        <p:spPr/>
-        <p:txBody>
-          <a:bodyPr/>
-          <a:lstStyle/>
-          <a:p>
-            <a:fld id="{B6D6825A-82F5-3A4F-9E8F-D3A513A73C6B}" type="datetime3">
-              <a:rPr lang="de-DE" smtClean="0"/>
-              <a:t>04/03/2018</a:t>
-            </a:fld>
-            <a:endParaRPr lang="de-DE"/>
-          </a:p>
-        </p:txBody>
-      </p:sp>
-      <p:sp>
-        <p:nvSpPr>
-          <p:cNvPr id="3" name="Fußzeilenplatzhalter 2"/>
-          <p:cNvSpPr>
-            <a:spLocks noGrp="1"/>
-          </p:cNvSpPr>
-          <p:nvPr>
-            <p:ph type="ftr" sz="quarter" idx="3"/>
-          </p:nvPr>
-        </p:nvSpPr>
-        <p:spPr/>
-        <p:txBody>
-          <a:bodyPr/>
-          <a:lstStyle/>
-          <a:p>
-            <a:r>
-              <a:rPr lang="de-DE"/>
-              <a:t>Hazem Elsaid Ibrahim | PhD Dissertation</a:t>
-            </a:r>
-          </a:p>
-        </p:txBody>
-      </p:sp>
-      <p:pic>
-        <p:nvPicPr>
-          <p:cNvPr id="7" name="Picture Placeholder 4">
-            <a:extLst>
-              <a:ext uri="{FF2B5EF4-FFF2-40B4-BE49-F238E27FC236}">
-                <a16:creationId xmlns:a16="http://schemas.microsoft.com/office/drawing/2014/main" id="{862FBCA6-8654-EB4E-B8B9-5343706E4A00}"/>
-              </a:ext>
-            </a:extLst>
-          </p:cNvPr>
-          <p:cNvPicPr>
-            <a:picLocks noChangeAspect="1"/>
-          </p:cNvPicPr>
-          <p:nvPr/>
-        </p:nvPicPr>
-        <p:blipFill>
-          <a:blip r:embed="rId3">
-            <a:extLst>
-              <a:ext uri="{28A0092B-C50C-407E-A947-70E740481C1C}">
-                <a14:useLocalDpi xmlns:a14="http://schemas.microsoft.com/office/drawing/2010/main" val="0"/>
-              </a:ext>
-            </a:extLst>
-          </a:blip>
-          <a:srcRect t="20859" b="20859"/>
-          <a:stretch>
-            <a:fillRect/>
-          </a:stretch>
-        </p:blipFill>
-        <p:spPr bwMode="auto">
-          <a:xfrm>
-            <a:off x="5940152" y="6237312"/>
-            <a:ext cx="1330007" cy="564151"/>
-          </a:xfrm>
-          <a:prstGeom prst="rect">
-            <a:avLst/>
-          </a:prstGeom>
-          <a:noFill/>
-          <a:ln>
-            <a:noFill/>
-          </a:ln>
-          <a:extLst>
-            <a:ext uri="{909E8E84-426E-40DD-AFC4-6F175D3DCCD1}">
-              <a14:hiddenFill xmlns:a14="http://schemas.microsoft.com/office/drawing/2010/main">
-                <a:solidFill>
-                  <a:srgbClr val="FFFFFF"/>
-                </a:solidFill>
-              </a14:hiddenFill>
-            </a:ext>
-            <a:ext uri="{91240B29-F687-4F45-9708-019B960494DF}">
-              <a14:hiddenLine xmlns:a14="http://schemas.microsoft.com/office/drawing/2010/main" w="9525">
-                <a:solidFill>
-                  <a:srgbClr val="000000"/>
-                </a:solidFill>
-                <a:miter lim="800000"/>
-                <a:headEnd/>
-                <a:tailEnd/>
-              </a14:hiddenLine>
-            </a:ext>
-          </a:extLst>
-        </p:spPr>
-      </p:pic>
-    </p:spTree>
-    <p:extLst>
-      <p:ext uri="{BB962C8B-B14F-4D97-AF65-F5344CB8AC3E}">
-        <p14:creationId xmlns:p14="http://schemas.microsoft.com/office/powerpoint/2010/main" val="2949188799"/>
-      </p:ext>
-    </p:extLst>
-  </p:cSld>
-  <p:clrMapOvr>
-    <a:masterClrMapping/>
-  </p:clrMapOvr>
-</p:sld>
-</file>
-
-<file path=ppt/slides/slide16.xml><?xml version="1.0" encoding="utf-8"?>
+<file path=ppt/slides/slide17.xml><?xml version="1.0" encoding="utf-8"?>
 <p:sld xmlns:a="http://schemas.openxmlformats.org/drawingml/2006/main" xmlns:r="http://schemas.openxmlformats.org/officeDocument/2006/relationships" xmlns:p="http://schemas.openxmlformats.org/presentationml/2006/main">
   <p:cSld>
     <p:spTree>
@@ -16469,7 +20498,7 @@
 </p:sld>
 </file>
 
-<file path=ppt/slides/slide17.xml><?xml version="1.0" encoding="utf-8"?>
+<file path=ppt/slides/slide18.xml><?xml version="1.0" encoding="utf-8"?>
 <p:sld xmlns:a="http://schemas.openxmlformats.org/drawingml/2006/main" xmlns:r="http://schemas.openxmlformats.org/officeDocument/2006/relationships" xmlns:p="http://schemas.openxmlformats.org/presentationml/2006/main">
   <p:cSld>
     <p:spTree>
@@ -16577,7 +20606,7 @@
           <a:p>
             <a:fld id="{A1F65E02-F21E-0846-9C0D-E76FE52024EC}" type="datetime3">
               <a:rPr lang="de-DE" smtClean="0"/>
-              <a:t>04/03/2018</a:t>
+              <a:t>11/03/2018</a:t>
             </a:fld>
             <a:endParaRPr lang="de-DE"/>
           </a:p>
@@ -16624,7 +20653,7 @@
 </p:sld>
 </file>
 
-<file path=ppt/slides/slide18.xml><?xml version="1.0" encoding="utf-8"?>
+<file path=ppt/slides/slide19.xml><?xml version="1.0" encoding="utf-8"?>
 <p:sld xmlns:a="http://schemas.openxmlformats.org/drawingml/2006/main" xmlns:r="http://schemas.openxmlformats.org/officeDocument/2006/relationships" xmlns:p="http://schemas.openxmlformats.org/presentationml/2006/main">
   <p:cSld>
     <p:spTree>
@@ -18745,7 +22774,7 @@
           <a:p>
             <a:fld id="{3CD13216-A6AC-7043-B2A7-D6AC5D30DD6B}" type="datetime3">
               <a:rPr lang="de-DE" smtClean="0"/>
-              <a:t>04/03/2018</a:t>
+              <a:t>11/03/2018</a:t>
             </a:fld>
             <a:endParaRPr lang="de-DE"/>
           </a:p>
@@ -18781,7 +22810,219 @@
 </p:sld>
 </file>
 
-<file path=ppt/slides/slide19.xml><?xml version="1.0" encoding="utf-8"?>
+<file path=ppt/slides/slide2.xml><?xml version="1.0" encoding="utf-8"?>
+<p:sld xmlns:a="http://schemas.openxmlformats.org/drawingml/2006/main" xmlns:r="http://schemas.openxmlformats.org/officeDocument/2006/relationships" xmlns:p="http://schemas.openxmlformats.org/presentationml/2006/main">
+  <p:cSld>
+    <p:spTree>
+      <p:nvGrpSpPr>
+        <p:cNvPr id="1" name=""/>
+        <p:cNvGrpSpPr/>
+        <p:nvPr/>
+      </p:nvGrpSpPr>
+      <p:grpSpPr>
+        <a:xfrm>
+          <a:off x="0" y="0"/>
+          <a:ext cx="0" cy="0"/>
+          <a:chOff x="0" y="0"/>
+          <a:chExt cx="0" cy="0"/>
+        </a:xfrm>
+      </p:grpSpPr>
+      <p:sp>
+        <p:nvSpPr>
+          <p:cNvPr id="8" name="Titel 7"/>
+          <p:cNvSpPr>
+            <a:spLocks noGrp="1"/>
+          </p:cNvSpPr>
+          <p:nvPr>
+            <p:ph type="title"/>
+          </p:nvPr>
+        </p:nvSpPr>
+        <p:spPr/>
+        <p:txBody>
+          <a:bodyPr/>
+          <a:lstStyle/>
+          <a:p>
+            <a:r>
+              <a:rPr lang="de-DE"/>
+              <a:t>Motivation</a:t>
+            </a:r>
+          </a:p>
+        </p:txBody>
+      </p:sp>
+      <p:sp>
+        <p:nvSpPr>
+          <p:cNvPr id="10" name="Textplatzhalter 9"/>
+          <p:cNvSpPr>
+            <a:spLocks noGrp="1"/>
+          </p:cNvSpPr>
+          <p:nvPr>
+            <p:ph type="body" sz="quarter" idx="15"/>
+          </p:nvPr>
+        </p:nvSpPr>
+        <p:spPr/>
+        <p:txBody>
+          <a:bodyPr/>
+          <a:lstStyle/>
+          <a:p>
+            <a:endParaRPr lang="de-DE"/>
+          </a:p>
+        </p:txBody>
+      </p:sp>
+      <p:pic>
+        <p:nvPicPr>
+          <p:cNvPr id="11" name="Picture Placeholder 10">
+            <a:extLst>
+              <a:ext uri="{FF2B5EF4-FFF2-40B4-BE49-F238E27FC236}">
+                <a16:creationId xmlns:a16="http://schemas.microsoft.com/office/drawing/2014/main" id="{5A0D3CB2-E0E6-284D-B358-2D0FC1F909EA}"/>
+              </a:ext>
+            </a:extLst>
+          </p:cNvPr>
+          <p:cNvPicPr>
+            <a:picLocks noGrp="1" noChangeAspect="1"/>
+          </p:cNvPicPr>
+          <p:nvPr>
+            <p:ph type="pic" sz="quarter" idx="11"/>
+          </p:nvPr>
+        </p:nvPicPr>
+        <p:blipFill>
+          <a:blip r:embed="rId2">
+            <a:extLst>
+              <a:ext uri="{28A0092B-C50C-407E-A947-70E740481C1C}">
+                <a14:useLocalDpi xmlns:a14="http://schemas.microsoft.com/office/drawing/2010/main" val="0"/>
+              </a:ext>
+            </a:extLst>
+          </a:blip>
+          <a:srcRect l="7889" r="7889"/>
+          <a:stretch>
+            <a:fillRect/>
+          </a:stretch>
+        </p:blipFill>
+        <p:spPr>
+          <a:xfrm>
+            <a:off x="7524750" y="100013"/>
+            <a:ext cx="1149350" cy="906462"/>
+          </a:xfrm>
+        </p:spPr>
+      </p:pic>
+      <p:sp>
+        <p:nvSpPr>
+          <p:cNvPr id="2" name="Datumsplatzhalter 1"/>
+          <p:cNvSpPr>
+            <a:spLocks noGrp="1"/>
+          </p:cNvSpPr>
+          <p:nvPr>
+            <p:ph type="dt" sz="half" idx="2"/>
+          </p:nvPr>
+        </p:nvSpPr>
+        <p:spPr/>
+        <p:txBody>
+          <a:bodyPr/>
+          <a:lstStyle/>
+          <a:p>
+            <a:fld id="{B6D6825A-82F5-3A4F-9E8F-D3A513A73C6B}" type="datetime3">
+              <a:rPr lang="de-DE" smtClean="0"/>
+              <a:t>11/03/2018</a:t>
+            </a:fld>
+            <a:endParaRPr lang="de-DE"/>
+          </a:p>
+        </p:txBody>
+      </p:sp>
+      <p:sp>
+        <p:nvSpPr>
+          <p:cNvPr id="3" name="Fußzeilenplatzhalter 2"/>
+          <p:cNvSpPr>
+            <a:spLocks noGrp="1"/>
+          </p:cNvSpPr>
+          <p:nvPr>
+            <p:ph type="ftr" sz="quarter" idx="3"/>
+          </p:nvPr>
+        </p:nvSpPr>
+        <p:spPr/>
+        <p:txBody>
+          <a:bodyPr/>
+          <a:lstStyle/>
+          <a:p>
+            <a:r>
+              <a:rPr lang="de-DE"/>
+              <a:t>Hazem Elsaid Ibrahim | PhD Dissertation</a:t>
+            </a:r>
+          </a:p>
+        </p:txBody>
+      </p:sp>
+      <p:pic>
+        <p:nvPicPr>
+          <p:cNvPr id="12" name="Picture Placeholder 4">
+            <a:extLst>
+              <a:ext uri="{FF2B5EF4-FFF2-40B4-BE49-F238E27FC236}">
+                <a16:creationId xmlns:a16="http://schemas.microsoft.com/office/drawing/2014/main" id="{A50460BD-5C68-0344-B061-325EE184D2C3}"/>
+              </a:ext>
+            </a:extLst>
+          </p:cNvPr>
+          <p:cNvPicPr>
+            <a:picLocks noChangeAspect="1"/>
+          </p:cNvPicPr>
+          <p:nvPr/>
+        </p:nvPicPr>
+        <p:blipFill>
+          <a:blip r:embed="rId3">
+            <a:extLst>
+              <a:ext uri="{28A0092B-C50C-407E-A947-70E740481C1C}">
+                <a14:useLocalDpi xmlns:a14="http://schemas.microsoft.com/office/drawing/2010/main" val="0"/>
+              </a:ext>
+            </a:extLst>
+          </a:blip>
+          <a:srcRect t="20859" b="20859"/>
+          <a:stretch>
+            <a:fillRect/>
+          </a:stretch>
+        </p:blipFill>
+        <p:spPr bwMode="auto">
+          <a:xfrm>
+            <a:off x="5940152" y="6237312"/>
+            <a:ext cx="1330007" cy="564151"/>
+          </a:xfrm>
+          <a:prstGeom prst="rect">
+            <a:avLst/>
+          </a:prstGeom>
+          <a:noFill/>
+          <a:ln>
+            <a:noFill/>
+          </a:ln>
+          <a:extLst>
+            <a:ext uri="{909E8E84-426E-40DD-AFC4-6F175D3DCCD1}">
+              <a14:hiddenFill xmlns:a14="http://schemas.microsoft.com/office/drawing/2010/main">
+                <a:solidFill>
+                  <a:srgbClr val="FFFFFF"/>
+                </a:solidFill>
+              </a14:hiddenFill>
+            </a:ext>
+            <a:ext uri="{91240B29-F687-4F45-9708-019B960494DF}">
+              <a14:hiddenLine xmlns:a14="http://schemas.microsoft.com/office/drawing/2010/main" w="9525">
+                <a:solidFill>
+                  <a:srgbClr val="000000"/>
+                </a:solidFill>
+                <a:miter lim="800000"/>
+                <a:headEnd/>
+                <a:tailEnd/>
+              </a14:hiddenLine>
+            </a:ext>
+          </a:extLst>
+        </p:spPr>
+      </p:pic>
+    </p:spTree>
+    <p:extLst>
+      <p:ext uri="{BB962C8B-B14F-4D97-AF65-F5344CB8AC3E}">
+        <p14:creationId xmlns:p14="http://schemas.microsoft.com/office/powerpoint/2010/main" val="4284504540"/>
+      </p:ext>
+    </p:extLst>
+  </p:cSld>
+  <p:clrMapOvr>
+    <a:masterClrMapping/>
+  </p:clrMapOvr>
+</p:sld>
+</file>
+
+<file path=ppt/slides/slide20.xml><?xml version="1.0" encoding="utf-8"?>
 <p:sld xmlns:a="http://schemas.openxmlformats.org/drawingml/2006/main" xmlns:r="http://schemas.openxmlformats.org/officeDocument/2006/relationships" xmlns:p="http://schemas.openxmlformats.org/presentationml/2006/main">
   <p:cSld>
     <p:spTree>
@@ -19324,7 +23565,7 @@
           <a:p>
             <a:fld id="{C3936951-B6E4-6B4C-B98D-0176FEB2D1E4}" type="datetime3">
               <a:rPr lang="de-DE" smtClean="0"/>
-              <a:t>04/03/2018</a:t>
+              <a:t>11/03/2018</a:t>
             </a:fld>
             <a:endParaRPr lang="de-DE"/>
           </a:p>
@@ -19360,219 +23601,7 @@
 </p:sld>
 </file>
 
-<file path=ppt/slides/slide2.xml><?xml version="1.0" encoding="utf-8"?>
-<p:sld xmlns:a="http://schemas.openxmlformats.org/drawingml/2006/main" xmlns:r="http://schemas.openxmlformats.org/officeDocument/2006/relationships" xmlns:p="http://schemas.openxmlformats.org/presentationml/2006/main">
-  <p:cSld>
-    <p:spTree>
-      <p:nvGrpSpPr>
-        <p:cNvPr id="1" name=""/>
-        <p:cNvGrpSpPr/>
-        <p:nvPr/>
-      </p:nvGrpSpPr>
-      <p:grpSpPr>
-        <a:xfrm>
-          <a:off x="0" y="0"/>
-          <a:ext cx="0" cy="0"/>
-          <a:chOff x="0" y="0"/>
-          <a:chExt cx="0" cy="0"/>
-        </a:xfrm>
-      </p:grpSpPr>
-      <p:sp>
-        <p:nvSpPr>
-          <p:cNvPr id="8" name="Titel 7"/>
-          <p:cNvSpPr>
-            <a:spLocks noGrp="1"/>
-          </p:cNvSpPr>
-          <p:nvPr>
-            <p:ph type="title"/>
-          </p:nvPr>
-        </p:nvSpPr>
-        <p:spPr/>
-        <p:txBody>
-          <a:bodyPr/>
-          <a:lstStyle/>
-          <a:p>
-            <a:r>
-              <a:rPr lang="de-DE"/>
-              <a:t>Motivation</a:t>
-            </a:r>
-          </a:p>
-        </p:txBody>
-      </p:sp>
-      <p:sp>
-        <p:nvSpPr>
-          <p:cNvPr id="10" name="Textplatzhalter 9"/>
-          <p:cNvSpPr>
-            <a:spLocks noGrp="1"/>
-          </p:cNvSpPr>
-          <p:nvPr>
-            <p:ph type="body" sz="quarter" idx="15"/>
-          </p:nvPr>
-        </p:nvSpPr>
-        <p:spPr/>
-        <p:txBody>
-          <a:bodyPr/>
-          <a:lstStyle/>
-          <a:p>
-            <a:endParaRPr lang="de-DE"/>
-          </a:p>
-        </p:txBody>
-      </p:sp>
-      <p:pic>
-        <p:nvPicPr>
-          <p:cNvPr id="11" name="Picture Placeholder 10">
-            <a:extLst>
-              <a:ext uri="{FF2B5EF4-FFF2-40B4-BE49-F238E27FC236}">
-                <a16:creationId xmlns:a16="http://schemas.microsoft.com/office/drawing/2014/main" id="{5A0D3CB2-E0E6-284D-B358-2D0FC1F909EA}"/>
-              </a:ext>
-            </a:extLst>
-          </p:cNvPr>
-          <p:cNvPicPr>
-            <a:picLocks noGrp="1" noChangeAspect="1"/>
-          </p:cNvPicPr>
-          <p:nvPr>
-            <p:ph type="pic" sz="quarter" idx="11"/>
-          </p:nvPr>
-        </p:nvPicPr>
-        <p:blipFill>
-          <a:blip r:embed="rId2">
-            <a:extLst>
-              <a:ext uri="{28A0092B-C50C-407E-A947-70E740481C1C}">
-                <a14:useLocalDpi xmlns:a14="http://schemas.microsoft.com/office/drawing/2010/main" val="0"/>
-              </a:ext>
-            </a:extLst>
-          </a:blip>
-          <a:srcRect l="7889" r="7889"/>
-          <a:stretch>
-            <a:fillRect/>
-          </a:stretch>
-        </p:blipFill>
-        <p:spPr>
-          <a:xfrm>
-            <a:off x="7524750" y="100013"/>
-            <a:ext cx="1149350" cy="906462"/>
-          </a:xfrm>
-        </p:spPr>
-      </p:pic>
-      <p:sp>
-        <p:nvSpPr>
-          <p:cNvPr id="2" name="Datumsplatzhalter 1"/>
-          <p:cNvSpPr>
-            <a:spLocks noGrp="1"/>
-          </p:cNvSpPr>
-          <p:nvPr>
-            <p:ph type="dt" sz="half" idx="2"/>
-          </p:nvPr>
-        </p:nvSpPr>
-        <p:spPr/>
-        <p:txBody>
-          <a:bodyPr/>
-          <a:lstStyle/>
-          <a:p>
-            <a:fld id="{B6D6825A-82F5-3A4F-9E8F-D3A513A73C6B}" type="datetime3">
-              <a:rPr lang="de-DE" smtClean="0"/>
-              <a:t>04/03/2018</a:t>
-            </a:fld>
-            <a:endParaRPr lang="de-DE"/>
-          </a:p>
-        </p:txBody>
-      </p:sp>
-      <p:sp>
-        <p:nvSpPr>
-          <p:cNvPr id="3" name="Fußzeilenplatzhalter 2"/>
-          <p:cNvSpPr>
-            <a:spLocks noGrp="1"/>
-          </p:cNvSpPr>
-          <p:nvPr>
-            <p:ph type="ftr" sz="quarter" idx="3"/>
-          </p:nvPr>
-        </p:nvSpPr>
-        <p:spPr/>
-        <p:txBody>
-          <a:bodyPr/>
-          <a:lstStyle/>
-          <a:p>
-            <a:r>
-              <a:rPr lang="de-DE"/>
-              <a:t>Hazem Elsaid Ibrahim | PhD Dissertation</a:t>
-            </a:r>
-          </a:p>
-        </p:txBody>
-      </p:sp>
-      <p:pic>
-        <p:nvPicPr>
-          <p:cNvPr id="12" name="Picture Placeholder 4">
-            <a:extLst>
-              <a:ext uri="{FF2B5EF4-FFF2-40B4-BE49-F238E27FC236}">
-                <a16:creationId xmlns:a16="http://schemas.microsoft.com/office/drawing/2014/main" id="{A50460BD-5C68-0344-B061-325EE184D2C3}"/>
-              </a:ext>
-            </a:extLst>
-          </p:cNvPr>
-          <p:cNvPicPr>
-            <a:picLocks noChangeAspect="1"/>
-          </p:cNvPicPr>
-          <p:nvPr/>
-        </p:nvPicPr>
-        <p:blipFill>
-          <a:blip r:embed="rId3">
-            <a:extLst>
-              <a:ext uri="{28A0092B-C50C-407E-A947-70E740481C1C}">
-                <a14:useLocalDpi xmlns:a14="http://schemas.microsoft.com/office/drawing/2010/main" val="0"/>
-              </a:ext>
-            </a:extLst>
-          </a:blip>
-          <a:srcRect t="20859" b="20859"/>
-          <a:stretch>
-            <a:fillRect/>
-          </a:stretch>
-        </p:blipFill>
-        <p:spPr bwMode="auto">
-          <a:xfrm>
-            <a:off x="5940152" y="6237312"/>
-            <a:ext cx="1330007" cy="564151"/>
-          </a:xfrm>
-          <a:prstGeom prst="rect">
-            <a:avLst/>
-          </a:prstGeom>
-          <a:noFill/>
-          <a:ln>
-            <a:noFill/>
-          </a:ln>
-          <a:extLst>
-            <a:ext uri="{909E8E84-426E-40DD-AFC4-6F175D3DCCD1}">
-              <a14:hiddenFill xmlns:a14="http://schemas.microsoft.com/office/drawing/2010/main">
-                <a:solidFill>
-                  <a:srgbClr val="FFFFFF"/>
-                </a:solidFill>
-              </a14:hiddenFill>
-            </a:ext>
-            <a:ext uri="{91240B29-F687-4F45-9708-019B960494DF}">
-              <a14:hiddenLine xmlns:a14="http://schemas.microsoft.com/office/drawing/2010/main" w="9525">
-                <a:solidFill>
-                  <a:srgbClr val="000000"/>
-                </a:solidFill>
-                <a:miter lim="800000"/>
-                <a:headEnd/>
-                <a:tailEnd/>
-              </a14:hiddenLine>
-            </a:ext>
-          </a:extLst>
-        </p:spPr>
-      </p:pic>
-    </p:spTree>
-    <p:extLst>
-      <p:ext uri="{BB962C8B-B14F-4D97-AF65-F5344CB8AC3E}">
-        <p14:creationId xmlns:p14="http://schemas.microsoft.com/office/powerpoint/2010/main" val="4284504540"/>
-      </p:ext>
-    </p:extLst>
-  </p:cSld>
-  <p:clrMapOvr>
-    <a:masterClrMapping/>
-  </p:clrMapOvr>
-</p:sld>
-</file>
-
-<file path=ppt/slides/slide20.xml><?xml version="1.0" encoding="utf-8"?>
+<file path=ppt/slides/slide21.xml><?xml version="1.0" encoding="utf-8"?>
 <p:sld xmlns:a="http://schemas.openxmlformats.org/drawingml/2006/main" xmlns:r="http://schemas.openxmlformats.org/officeDocument/2006/relationships" xmlns:p="http://schemas.openxmlformats.org/presentationml/2006/main">
   <p:cSld>
     <p:spTree>
@@ -19885,7 +23914,7 @@
           <a:p>
             <a:fld id="{4E54F70C-1C5C-F54B-8CE9-00F6E176CBA2}" type="datetime3">
               <a:rPr lang="de-DE" smtClean="0"/>
-              <a:t>04/03/2018</a:t>
+              <a:t>11/03/2018</a:t>
             </a:fld>
             <a:endParaRPr lang="de-DE"/>
           </a:p>
@@ -20354,7 +24383,7 @@
 </p:sld>
 </file>
 
-<file path=ppt/slides/slide21.xml><?xml version="1.0" encoding="utf-8"?>
+<file path=ppt/slides/slide22.xml><?xml version="1.0" encoding="utf-8"?>
 <p:sld xmlns:a="http://schemas.openxmlformats.org/drawingml/2006/main" xmlns:r="http://schemas.openxmlformats.org/officeDocument/2006/relationships" xmlns:p="http://schemas.openxmlformats.org/presentationml/2006/main">
   <p:cSld>
     <p:spTree>
@@ -23961,7 +27990,7 @@
           <a:p>
             <a:fld id="{B17B04C4-8D55-574D-94FA-5FD54F447841}" type="datetime3">
               <a:rPr lang="de-DE" smtClean="0"/>
-              <a:t>04/03/2018</a:t>
+              <a:t>11/03/2018</a:t>
             </a:fld>
             <a:endParaRPr lang="de-DE"/>
           </a:p>
@@ -23997,7 +28026,7 @@
 </p:sld>
 </file>
 
-<file path=ppt/slides/slide22.xml><?xml version="1.0" encoding="utf-8"?>
+<file path=ppt/slides/slide23.xml><?xml version="1.0" encoding="utf-8"?>
 <p:sld xmlns:a="http://schemas.openxmlformats.org/drawingml/2006/main" xmlns:r="http://schemas.openxmlformats.org/officeDocument/2006/relationships" xmlns:p="http://schemas.openxmlformats.org/presentationml/2006/main">
   <p:cSld>
     <p:spTree>
@@ -24872,7 +28901,7 @@
           <a:p>
             <a:fld id="{0D4C36E5-A7DB-444F-9CD4-15135EE407DD}" type="datetime3">
               <a:rPr lang="de-DE" smtClean="0"/>
-              <a:t>04/03/2018</a:t>
+              <a:t>11/03/2018</a:t>
             </a:fld>
             <a:endParaRPr lang="de-DE"/>
           </a:p>
@@ -24913,7 +28942,7 @@
 </p:sld>
 </file>
 
-<file path=ppt/slides/slide23.xml><?xml version="1.0" encoding="utf-8"?>
+<file path=ppt/slides/slide24.xml><?xml version="1.0" encoding="utf-8"?>
 <p:sld xmlns:a="http://schemas.openxmlformats.org/drawingml/2006/main" xmlns:r="http://schemas.openxmlformats.org/officeDocument/2006/relationships" xmlns:p="http://schemas.openxmlformats.org/presentationml/2006/main">
   <p:cSld>
     <p:spTree>
@@ -25003,7 +29032,7 @@
           <a:p>
             <a:fld id="{A4ACDCDA-98E8-5349-AE37-0E5BA4858195}" type="datetime3">
               <a:rPr lang="de-DE" smtClean="0"/>
-              <a:t>04/03/2018</a:t>
+              <a:t>11/03/2018</a:t>
             </a:fld>
             <a:endParaRPr lang="de-DE"/>
           </a:p>
@@ -25131,7 +29160,7 @@
           <a:p>
             <a:fld id="{B6D6825A-82F5-3A4F-9E8F-D3A513A73C6B}" type="datetime3">
               <a:rPr lang="de-DE" smtClean="0"/>
-              <a:t>04/03/2018</a:t>
+              <a:t>11/03/2018</a:t>
             </a:fld>
             <a:endParaRPr lang="de-DE"/>
           </a:p>
@@ -29398,7 +33427,7 @@
           <a:p>
             <a:fld id="{B6D6825A-82F5-3A4F-9E8F-D3A513A73C6B}" type="datetime3">
               <a:rPr lang="de-DE" smtClean="0"/>
-              <a:t>04/03/2018</a:t>
+              <a:t>11/03/2018</a:t>
             </a:fld>
             <a:endParaRPr lang="de-DE"/>
           </a:p>
@@ -32185,7 +36214,7 @@
           <a:p>
             <a:fld id="{B6D6825A-82F5-3A4F-9E8F-D3A513A73C6B}" type="datetime3">
               <a:rPr lang="de-DE" smtClean="0"/>
-              <a:t>04/03/2018</a:t>
+              <a:t>11/03/2018</a:t>
             </a:fld>
             <a:endParaRPr lang="de-DE"/>
           </a:p>
@@ -34880,7 +38909,7 @@
           <a:p>
             <a:fld id="{B6D6825A-82F5-3A4F-9E8F-D3A513A73C6B}" type="datetime3">
               <a:rPr lang="de-DE" smtClean="0"/>
-              <a:t>04/03/2018</a:t>
+              <a:t>11/03/2018</a:t>
             </a:fld>
             <a:endParaRPr lang="de-DE"/>
           </a:p>
@@ -38354,7 +42383,7 @@
           <a:p>
             <a:fld id="{B6D6825A-82F5-3A4F-9E8F-D3A513A73C6B}" type="datetime3">
               <a:rPr lang="de-DE" smtClean="0"/>
-              <a:t>04/03/2018</a:t>
+              <a:t>11/03/2018</a:t>
             </a:fld>
             <a:endParaRPr lang="de-DE"/>
           </a:p>
@@ -42457,7 +46486,7 @@
           <a:p>
             <a:fld id="{B6D6825A-82F5-3A4F-9E8F-D3A513A73C6B}" type="datetime3">
               <a:rPr lang="de-DE" smtClean="0"/>
-              <a:t>04/03/2018</a:t>
+              <a:t>11/03/2018</a:t>
             </a:fld>
             <a:endParaRPr lang="de-DE"/>
           </a:p>
@@ -42965,8 +46994,8 @@
           </a:fontRef>
         </p:style>
       </p:cxnSp>
-      <mc:AlternateContent xmlns:mc="http://schemas.openxmlformats.org/markup-compatibility/2006">
-        <mc:Choice xmlns:a14="http://schemas.microsoft.com/office/drawing/2010/main" Requires="a14">
+      <mc:AlternateContent xmlns:mc="http://schemas.openxmlformats.org/markup-compatibility/2006" xmlns:a14="http://schemas.microsoft.com/office/drawing/2010/main">
+        <mc:Choice Requires="a14">
           <p:sp>
             <p:nvSpPr>
               <p:cNvPr id="16" name="Rechteck 20">
@@ -43111,7 +47140,7 @@
             </p:txBody>
           </p:sp>
         </mc:Choice>
-        <mc:Fallback>
+        <mc:Fallback xmlns="">
           <p:sp>
             <p:nvSpPr>
               <p:cNvPr id="16" name="Rechteck 20">
@@ -43554,8 +47583,8 @@
           </a:fontRef>
         </p:style>
       </p:cxnSp>
-      <mc:AlternateContent xmlns:mc="http://schemas.openxmlformats.org/markup-compatibility/2006">
-        <mc:Choice xmlns:a14="http://schemas.microsoft.com/office/drawing/2010/main" Requires="a14">
+      <mc:AlternateContent xmlns:mc="http://schemas.openxmlformats.org/markup-compatibility/2006" xmlns:a14="http://schemas.microsoft.com/office/drawing/2010/main">
+        <mc:Choice Requires="a14">
           <p:sp>
             <p:nvSpPr>
               <p:cNvPr id="25" name="Rechteck 9">
@@ -43679,7 +47708,7 @@
             </p:txBody>
           </p:sp>
         </mc:Choice>
-        <mc:Fallback>
+        <mc:Fallback xmlns="">
           <p:sp>
             <p:nvSpPr>
               <p:cNvPr id="25" name="Rechteck 9">
@@ -44003,7 +48032,7 @@
           <a:p>
             <a:fld id="{A4ACDCDA-98E8-5349-AE37-0E5BA4858195}" type="datetime3">
               <a:rPr lang="de-DE" smtClean="0"/>
-              <a:t>04/03/2018</a:t>
+              <a:t>11/03/2018</a:t>
             </a:fld>
             <a:endParaRPr lang="de-DE"/>
           </a:p>
